--- a/Andriod10/1_Pixel3_Image.pptx
+++ b/Andriod10/1_Pixel3_Image.pptx
@@ -9336,7 +9336,7 @@
           <a:p>
             <a:fld id="{EE41F6E3-57F9-402E-BDBA-5B2DE11C8530}" type="datetimeFigureOut">
               <a:rPr lang="en-US" smtClean="0"/>
-              <a:t>10/24/2021</a:t>
+              <a:t>6/3/2021</a:t>
             </a:fld>
             <a:endParaRPr lang="en-US"/>
           </a:p>
@@ -9648,14 +9648,8 @@
           <a:lstStyle/>
           <a:p>
             <a:r>
-              <a:rPr lang="en-US" dirty="0"/>
+              <a:rPr lang="en-US"/>
               <a:t>https://twrp.me/site/update/2019/10/23/twrp-and-android-10.html</a:t>
-            </a:r>
-          </a:p>
-          <a:p>
-            <a:r>
-              <a:rPr lang="en-US"/>
-              <a:t>https://digitalcorpora.org/corpora/cell-phones/android-10</a:t>
             </a:r>
           </a:p>
         </p:txBody>
@@ -12409,7 +12403,7 @@
           <a:p>
             <a:fld id="{4263717A-E3C1-4BED-ABE0-B7069385E023}" type="datetimeFigureOut">
               <a:rPr lang="en-US" smtClean="0"/>
-              <a:t>10/24/2021</a:t>
+              <a:t>6/3/2021</a:t>
             </a:fld>
             <a:endParaRPr lang="en-US"/>
           </a:p>
@@ -12582,7 +12576,7 @@
           <a:p>
             <a:fld id="{4263717A-E3C1-4BED-ABE0-B7069385E023}" type="datetimeFigureOut">
               <a:rPr lang="en-US" smtClean="0"/>
-              <a:t>10/24/2021</a:t>
+              <a:t>6/3/2021</a:t>
             </a:fld>
             <a:endParaRPr lang="en-US"/>
           </a:p>
@@ -12760,7 +12754,7 @@
           <a:p>
             <a:fld id="{4263717A-E3C1-4BED-ABE0-B7069385E023}" type="datetimeFigureOut">
               <a:rPr lang="en-US" smtClean="0"/>
-              <a:t>10/24/2021</a:t>
+              <a:t>6/3/2021</a:t>
             </a:fld>
             <a:endParaRPr lang="en-US"/>
           </a:p>
@@ -12928,7 +12922,7 @@
           <a:p>
             <a:fld id="{4263717A-E3C1-4BED-ABE0-B7069385E023}" type="datetimeFigureOut">
               <a:rPr lang="en-US" smtClean="0"/>
-              <a:t>10/24/2021</a:t>
+              <a:t>6/3/2021</a:t>
             </a:fld>
             <a:endParaRPr lang="en-US"/>
           </a:p>
@@ -13173,7 +13167,7 @@
           <a:p>
             <a:fld id="{4263717A-E3C1-4BED-ABE0-B7069385E023}" type="datetimeFigureOut">
               <a:rPr lang="en-US" smtClean="0"/>
-              <a:t>10/24/2021</a:t>
+              <a:t>6/3/2021</a:t>
             </a:fld>
             <a:endParaRPr lang="en-US"/>
           </a:p>
@@ -13402,7 +13396,7 @@
           <a:p>
             <a:fld id="{4263717A-E3C1-4BED-ABE0-B7069385E023}" type="datetimeFigureOut">
               <a:rPr lang="en-US" smtClean="0"/>
-              <a:t>10/24/2021</a:t>
+              <a:t>6/3/2021</a:t>
             </a:fld>
             <a:endParaRPr lang="en-US"/>
           </a:p>
@@ -13766,7 +13760,7 @@
           <a:p>
             <a:fld id="{4263717A-E3C1-4BED-ABE0-B7069385E023}" type="datetimeFigureOut">
               <a:rPr lang="en-US" smtClean="0"/>
-              <a:t>10/24/2021</a:t>
+              <a:t>6/3/2021</a:t>
             </a:fld>
             <a:endParaRPr lang="en-US"/>
           </a:p>
@@ -13883,7 +13877,7 @@
           <a:p>
             <a:fld id="{4263717A-E3C1-4BED-ABE0-B7069385E023}" type="datetimeFigureOut">
               <a:rPr lang="en-US" smtClean="0"/>
-              <a:t>10/24/2021</a:t>
+              <a:t>6/3/2021</a:t>
             </a:fld>
             <a:endParaRPr lang="en-US"/>
           </a:p>
@@ -13978,7 +13972,7 @@
           <a:p>
             <a:fld id="{4263717A-E3C1-4BED-ABE0-B7069385E023}" type="datetimeFigureOut">
               <a:rPr lang="en-US" smtClean="0"/>
-              <a:t>10/24/2021</a:t>
+              <a:t>6/3/2021</a:t>
             </a:fld>
             <a:endParaRPr lang="en-US"/>
           </a:p>
@@ -14253,7 +14247,7 @@
           <a:p>
             <a:fld id="{4263717A-E3C1-4BED-ABE0-B7069385E023}" type="datetimeFigureOut">
               <a:rPr lang="en-US" smtClean="0"/>
-              <a:t>10/24/2021</a:t>
+              <a:t>6/3/2021</a:t>
             </a:fld>
             <a:endParaRPr lang="en-US"/>
           </a:p>
@@ -14505,7 +14499,7 @@
           <a:p>
             <a:fld id="{4263717A-E3C1-4BED-ABE0-B7069385E023}" type="datetimeFigureOut">
               <a:rPr lang="en-US" smtClean="0"/>
-              <a:t>10/24/2021</a:t>
+              <a:t>6/3/2021</a:t>
             </a:fld>
             <a:endParaRPr lang="en-US"/>
           </a:p>
@@ -14716,7 +14710,7 @@
           <a:p>
             <a:fld id="{4263717A-E3C1-4BED-ABE0-B7069385E023}" type="datetimeFigureOut">
               <a:rPr lang="en-US" smtClean="0"/>
-              <a:t>10/24/2021</a:t>
+              <a:t>6/3/2021</a:t>
             </a:fld>
             <a:endParaRPr lang="en-US"/>
           </a:p>
@@ -23258,7 +23252,7 @@
           <p:nvPr/>
         </p:nvPicPr>
         <p:blipFill>
-          <a:blip r:embed="rId9" cstate="print">
+          <a:blip r:embed="rId9">
             <a:extLst>
               <a:ext uri="{28A0092B-C50C-407E-A947-70E740481C1C}">
                 <a14:useLocalDpi xmlns:a14="http://schemas.microsoft.com/office/drawing/2010/main" val="0"/>

--- a/Andriod10/1_Pixel3_Image.pptx
+++ b/Andriod10/1_Pixel3_Image.pptx
@@ -534,12 +534,12 @@
   <pc:docChgLst>
     <pc:chgData name="Weifeng Xu" userId="e7aed605-a3dd-4d5a-a692-a87037af107b" providerId="ADAL" clId="{3EF660C2-5E00-497A-8141-0937EA7FF5A5}"/>
     <pc:docChg chg="undo redo custSel addSld modSld sldOrd">
-      <pc:chgData name="Weifeng Xu" userId="e7aed605-a3dd-4d5a-a692-a87037af107b" providerId="ADAL" clId="{3EF660C2-5E00-497A-8141-0937EA7FF5A5}" dt="2025-02-10T16:16:56.194" v="1827" actId="20577"/>
+      <pc:chgData name="Weifeng Xu" userId="e7aed605-a3dd-4d5a-a692-a87037af107b" providerId="ADAL" clId="{3EF660C2-5E00-497A-8141-0937EA7FF5A5}" dt="2025-02-14T15:50:49" v="1892" actId="20577"/>
       <pc:docMkLst>
         <pc:docMk/>
       </pc:docMkLst>
       <pc:sldChg chg="addSp delSp modSp mod modNotesTx">
-        <pc:chgData name="Weifeng Xu" userId="e7aed605-a3dd-4d5a-a692-a87037af107b" providerId="ADAL" clId="{3EF660C2-5E00-497A-8141-0937EA7FF5A5}" dt="2025-02-10T03:34:46.919" v="1064" actId="207"/>
+        <pc:chgData name="Weifeng Xu" userId="e7aed605-a3dd-4d5a-a692-a87037af107b" providerId="ADAL" clId="{3EF660C2-5E00-497A-8141-0937EA7FF5A5}" dt="2025-02-14T15:33:21.184" v="1850" actId="6549"/>
         <pc:sldMkLst>
           <pc:docMk/>
           <pc:sldMk cId="594714798" sldId="257"/>
@@ -552,14 +552,6 @@
             <ac:spMk id="3" creationId="{6EE8DAEB-CB7B-578F-547C-EC4D0BA6DCC8}"/>
           </ac:spMkLst>
         </pc:spChg>
-        <pc:spChg chg="add del">
-          <ac:chgData name="Weifeng Xu" userId="e7aed605-a3dd-4d5a-a692-a87037af107b" providerId="ADAL" clId="{3EF660C2-5E00-497A-8141-0937EA7FF5A5}" dt="2025-02-10T03:27:36.179" v="959" actId="22"/>
-          <ac:spMkLst>
-            <pc:docMk/>
-            <pc:sldMk cId="594714798" sldId="257"/>
-            <ac:spMk id="5" creationId="{37C0F0CC-0789-D1FE-70E9-3A393E46340C}"/>
-          </ac:spMkLst>
-        </pc:spChg>
         <pc:spChg chg="add mod">
           <ac:chgData name="Weifeng Xu" userId="e7aed605-a3dd-4d5a-a692-a87037af107b" providerId="ADAL" clId="{3EF660C2-5E00-497A-8141-0937EA7FF5A5}" dt="2025-02-10T03:34:46.919" v="1064" actId="207"/>
           <ac:spMkLst>
@@ -569,7 +561,7 @@
           </ac:spMkLst>
         </pc:spChg>
         <pc:spChg chg="mod">
-          <ac:chgData name="Weifeng Xu" userId="e7aed605-a3dd-4d5a-a692-a87037af107b" providerId="ADAL" clId="{3EF660C2-5E00-497A-8141-0937EA7FF5A5}" dt="2025-02-10T03:34:42.901" v="1063" actId="20577"/>
+          <ac:chgData name="Weifeng Xu" userId="e7aed605-a3dd-4d5a-a692-a87037af107b" providerId="ADAL" clId="{3EF660C2-5E00-497A-8141-0937EA7FF5A5}" dt="2025-02-14T15:33:21.184" v="1850" actId="6549"/>
           <ac:spMkLst>
             <pc:docMk/>
             <pc:sldMk cId="594714798" sldId="257"/>
@@ -631,6 +623,21 @@
             <ac:picMk id="10242" creationId="{DDDBEA06-246B-4885-849F-7DE9996163CA}"/>
           </ac:picMkLst>
         </pc:picChg>
+      </pc:sldChg>
+      <pc:sldChg chg="modSp mod">
+        <pc:chgData name="Weifeng Xu" userId="e7aed605-a3dd-4d5a-a692-a87037af107b" providerId="ADAL" clId="{3EF660C2-5E00-497A-8141-0937EA7FF5A5}" dt="2025-02-11T17:50:34.883" v="1849" actId="20577"/>
+        <pc:sldMkLst>
+          <pc:docMk/>
+          <pc:sldMk cId="4291129217" sldId="282"/>
+        </pc:sldMkLst>
+        <pc:spChg chg="mod">
+          <ac:chgData name="Weifeng Xu" userId="e7aed605-a3dd-4d5a-a692-a87037af107b" providerId="ADAL" clId="{3EF660C2-5E00-497A-8141-0937EA7FF5A5}" dt="2025-02-11T17:50:34.883" v="1849" actId="20577"/>
+          <ac:spMkLst>
+            <pc:docMk/>
+            <pc:sldMk cId="4291129217" sldId="282"/>
+            <ac:spMk id="2" creationId="{D8477CFB-004B-427D-9155-5C90F833AA6C}"/>
+          </ac:spMkLst>
+        </pc:spChg>
       </pc:sldChg>
       <pc:sldChg chg="modSp mod">
         <pc:chgData name="Weifeng Xu" userId="e7aed605-a3dd-4d5a-a692-a87037af107b" providerId="ADAL" clId="{3EF660C2-5E00-497A-8141-0937EA7FF5A5}" dt="2024-12-27T14:44:09.711" v="278" actId="20577"/>
@@ -1008,22 +1015,6 @@
           <pc:docMk/>
           <pc:sldMk cId="1360313626" sldId="347"/>
         </pc:sldMkLst>
-        <pc:spChg chg="del">
-          <ac:chgData name="Weifeng Xu" userId="e7aed605-a3dd-4d5a-a692-a87037af107b" providerId="ADAL" clId="{3EF660C2-5E00-497A-8141-0937EA7FF5A5}" dt="2025-02-10T04:00:27.864" v="1190" actId="700"/>
-          <ac:spMkLst>
-            <pc:docMk/>
-            <pc:sldMk cId="1360313626" sldId="347"/>
-            <ac:spMk id="2" creationId="{C8CC5E2C-6C0E-11F2-2E56-7AA91A8ACB2A}"/>
-          </ac:spMkLst>
-        </pc:spChg>
-        <pc:spChg chg="del">
-          <ac:chgData name="Weifeng Xu" userId="e7aed605-a3dd-4d5a-a692-a87037af107b" providerId="ADAL" clId="{3EF660C2-5E00-497A-8141-0937EA7FF5A5}" dt="2025-02-10T04:00:27.864" v="1190" actId="700"/>
-          <ac:spMkLst>
-            <pc:docMk/>
-            <pc:sldMk cId="1360313626" sldId="347"/>
-            <ac:spMk id="3" creationId="{653DD34D-8991-78C8-1EC2-C9612AA3D028}"/>
-          </ac:spMkLst>
-        </pc:spChg>
         <pc:picChg chg="add mod">
           <ac:chgData name="Weifeng Xu" userId="e7aed605-a3dd-4d5a-a692-a87037af107b" providerId="ADAL" clId="{3EF660C2-5E00-497A-8141-0937EA7FF5A5}" dt="2025-02-10T04:07:23.194" v="1233" actId="14100"/>
           <ac:picMkLst>
@@ -1111,7 +1102,7 @@
         </pc:spChg>
       </pc:sldChg>
       <pc:sldChg chg="addSp modSp new mod modClrScheme chgLayout">
-        <pc:chgData name="Weifeng Xu" userId="e7aed605-a3dd-4d5a-a692-a87037af107b" providerId="ADAL" clId="{3EF660C2-5E00-497A-8141-0937EA7FF5A5}" dt="2025-02-10T16:16:56.194" v="1827" actId="20577"/>
+        <pc:chgData name="Weifeng Xu" userId="e7aed605-a3dd-4d5a-a692-a87037af107b" providerId="ADAL" clId="{3EF660C2-5E00-497A-8141-0937EA7FF5A5}" dt="2025-02-14T15:50:49" v="1892" actId="20577"/>
         <pc:sldMkLst>
           <pc:docMk/>
           <pc:sldMk cId="1881697046" sldId="351"/>
@@ -1125,7 +1116,7 @@
           </ac:spMkLst>
         </pc:spChg>
         <pc:spChg chg="add mod ord">
-          <ac:chgData name="Weifeng Xu" userId="e7aed605-a3dd-4d5a-a692-a87037af107b" providerId="ADAL" clId="{3EF660C2-5E00-497A-8141-0937EA7FF5A5}" dt="2025-02-10T16:16:56.194" v="1827" actId="20577"/>
+          <ac:chgData name="Weifeng Xu" userId="e7aed605-a3dd-4d5a-a692-a87037af107b" providerId="ADAL" clId="{3EF660C2-5E00-497A-8141-0937EA7FF5A5}" dt="2025-02-14T15:50:49" v="1892" actId="20577"/>
           <ac:spMkLst>
             <pc:docMk/>
             <pc:sldMk cId="1881697046" sldId="351"/>
@@ -4632,7 +4623,7 @@
           <a:p>
             <a:fld id="{EE41F6E3-57F9-402E-BDBA-5B2DE11C8530}" type="datetimeFigureOut">
               <a:rPr lang="en-US" smtClean="0"/>
-              <a:t>2/10/2025</a:t>
+              <a:t>2/14/2025</a:t>
             </a:fld>
             <a:endParaRPr lang="en-US"/>
           </a:p>
@@ -10492,7 +10483,7 @@
           <a:p>
             <a:fld id="{4263717A-E3C1-4BED-ABE0-B7069385E023}" type="datetimeFigureOut">
               <a:rPr lang="en-US" smtClean="0"/>
-              <a:t>2/10/2025</a:t>
+              <a:t>2/14/2025</a:t>
             </a:fld>
             <a:endParaRPr lang="en-US"/>
           </a:p>
@@ -10665,7 +10656,7 @@
           <a:p>
             <a:fld id="{4263717A-E3C1-4BED-ABE0-B7069385E023}" type="datetimeFigureOut">
               <a:rPr lang="en-US" smtClean="0"/>
-              <a:t>2/10/2025</a:t>
+              <a:t>2/14/2025</a:t>
             </a:fld>
             <a:endParaRPr lang="en-US"/>
           </a:p>
@@ -10843,7 +10834,7 @@
           <a:p>
             <a:fld id="{4263717A-E3C1-4BED-ABE0-B7069385E023}" type="datetimeFigureOut">
               <a:rPr lang="en-US" smtClean="0"/>
-              <a:t>2/10/2025</a:t>
+              <a:t>2/14/2025</a:t>
             </a:fld>
             <a:endParaRPr lang="en-US"/>
           </a:p>
@@ -11011,7 +11002,7 @@
           <a:p>
             <a:fld id="{4263717A-E3C1-4BED-ABE0-B7069385E023}" type="datetimeFigureOut">
               <a:rPr lang="en-US" smtClean="0"/>
-              <a:t>2/10/2025</a:t>
+              <a:t>2/14/2025</a:t>
             </a:fld>
             <a:endParaRPr lang="en-US"/>
           </a:p>
@@ -11256,7 +11247,7 @@
           <a:p>
             <a:fld id="{4263717A-E3C1-4BED-ABE0-B7069385E023}" type="datetimeFigureOut">
               <a:rPr lang="en-US" smtClean="0"/>
-              <a:t>2/10/2025</a:t>
+              <a:t>2/14/2025</a:t>
             </a:fld>
             <a:endParaRPr lang="en-US"/>
           </a:p>
@@ -11485,7 +11476,7 @@
           <a:p>
             <a:fld id="{4263717A-E3C1-4BED-ABE0-B7069385E023}" type="datetimeFigureOut">
               <a:rPr lang="en-US" smtClean="0"/>
-              <a:t>2/10/2025</a:t>
+              <a:t>2/14/2025</a:t>
             </a:fld>
             <a:endParaRPr lang="en-US"/>
           </a:p>
@@ -11849,7 +11840,7 @@
           <a:p>
             <a:fld id="{4263717A-E3C1-4BED-ABE0-B7069385E023}" type="datetimeFigureOut">
               <a:rPr lang="en-US" smtClean="0"/>
-              <a:t>2/10/2025</a:t>
+              <a:t>2/14/2025</a:t>
             </a:fld>
             <a:endParaRPr lang="en-US"/>
           </a:p>
@@ -11966,7 +11957,7 @@
           <a:p>
             <a:fld id="{4263717A-E3C1-4BED-ABE0-B7069385E023}" type="datetimeFigureOut">
               <a:rPr lang="en-US" smtClean="0"/>
-              <a:t>2/10/2025</a:t>
+              <a:t>2/14/2025</a:t>
             </a:fld>
             <a:endParaRPr lang="en-US"/>
           </a:p>
@@ -12061,7 +12052,7 @@
           <a:p>
             <a:fld id="{4263717A-E3C1-4BED-ABE0-B7069385E023}" type="datetimeFigureOut">
               <a:rPr lang="en-US" smtClean="0"/>
-              <a:t>2/10/2025</a:t>
+              <a:t>2/14/2025</a:t>
             </a:fld>
             <a:endParaRPr lang="en-US"/>
           </a:p>
@@ -12336,7 +12327,7 @@
           <a:p>
             <a:fld id="{4263717A-E3C1-4BED-ABE0-B7069385E023}" type="datetimeFigureOut">
               <a:rPr lang="en-US" smtClean="0"/>
-              <a:t>2/10/2025</a:t>
+              <a:t>2/14/2025</a:t>
             </a:fld>
             <a:endParaRPr lang="en-US"/>
           </a:p>
@@ -12588,7 +12579,7 @@
           <a:p>
             <a:fld id="{4263717A-E3C1-4BED-ABE0-B7069385E023}" type="datetimeFigureOut">
               <a:rPr lang="en-US" smtClean="0"/>
-              <a:t>2/10/2025</a:t>
+              <a:t>2/14/2025</a:t>
             </a:fld>
             <a:endParaRPr lang="en-US"/>
           </a:p>
@@ -12799,7 +12790,7 @@
           <a:p>
             <a:fld id="{4263717A-E3C1-4BED-ABE0-B7069385E023}" type="datetimeFigureOut">
               <a:rPr lang="en-US" smtClean="0"/>
-              <a:t>2/10/2025</a:t>
+              <a:t>2/14/2025</a:t>
             </a:fld>
             <a:endParaRPr lang="en-US"/>
           </a:p>
@@ -13417,7 +13408,14 @@
           <a:bodyPr/>
           <a:lstStyle/>
           <a:p>
-            <a:endParaRPr lang="en-US"/>
+            <a:r>
+              <a:rPr lang="en-US" dirty="0"/>
+              <a:t>File </a:t>
+            </a:r>
+            <a:r>
+              <a:rPr lang="en-US"/>
+              <a:t>system overview</a:t>
+            </a:r>
           </a:p>
         </p:txBody>
       </p:sp>
@@ -13519,7 +13517,7 @@
               <a:buChar char="•"/>
             </a:pPr>
             <a:r>
-              <a:rPr lang="en-GB" sz="1600">
+              <a:rPr lang="en-GB" sz="1600" dirty="0">
                 <a:solidFill>
                   <a:srgbClr val="3C3E3E"/>
                 </a:solidFill>
@@ -13528,7 +13526,7 @@
               <a:t>To </a:t>
             </a:r>
             <a:r>
-              <a:rPr lang="en-GB" sz="1600" b="0" i="0">
+              <a:rPr lang="en-GB" sz="1600" b="0" i="0" dirty="0">
                 <a:solidFill>
                   <a:srgbClr val="3C3E3E"/>
                 </a:solidFill>
@@ -13537,7 +13535,7 @@
               </a:rPr>
               <a:t>speed up security updates</a:t>
             </a:r>
-            <a:endParaRPr lang="en-GB" sz="1600"/>
+            <a:endParaRPr lang="en-GB" sz="1600" dirty="0"/>
           </a:p>
           <a:p>
             <a:pPr marL="742950" lvl="1" indent="-285750">
@@ -13545,15 +13543,15 @@
               <a:buChar char="•"/>
             </a:pPr>
             <a:r>
-              <a:rPr lang="en-GB" sz="1600"/>
+              <a:rPr lang="en-GB" sz="1600" dirty="0"/>
               <a:t>Android Pony </a:t>
             </a:r>
             <a:r>
-              <a:rPr lang="en-GB" sz="1600" err="1"/>
+              <a:rPr lang="en-GB" sz="1600" dirty="0" err="1"/>
               <a:t>EXpress</a:t>
             </a:r>
             <a:r>
-              <a:rPr lang="en-GB" sz="1600"/>
+              <a:rPr lang="en-GB" sz="1600" dirty="0"/>
               <a:t> (APEX) is a container format introduced in Android 10 that is used in the install flow for lower-level system modules.</a:t>
             </a:r>
           </a:p>
@@ -13563,7 +13561,7 @@
               <a:buChar char="•"/>
             </a:pPr>
             <a:r>
-              <a:rPr lang="en-GB" sz="1600" b="0" i="0">
+              <a:rPr lang="en-GB" sz="1600" b="0" i="0" dirty="0">
                 <a:solidFill>
                   <a:srgbClr val="3C3E3E"/>
                 </a:solidFill>
@@ -13573,10 +13571,10 @@
               <a:t>This format facilitates the updates of system components that don’t fit into the standard Android application model.</a:t>
             </a:r>
             <a:r>
-              <a:rPr lang="en-GB" sz="1600"/>
+              <a:rPr lang="en-GB" sz="1600" dirty="0"/>
               <a:t> </a:t>
             </a:r>
-            <a:endParaRPr lang="en-US" sz="1600"/>
+            <a:endParaRPr lang="en-US" sz="1600" dirty="0"/>
           </a:p>
         </p:txBody>
       </p:sp>
@@ -24333,6 +24331,17 @@
             </a:r>
           </a:p>
           <a:p>
+            <a:r>
+              <a:rPr lang="en-US" dirty="0"/>
+              <a:t>Need to show Python </a:t>
+            </a:r>
+            <a:r>
+              <a:rPr lang="en-US"/>
+              <a:t>execution results</a:t>
+            </a:r>
+            <a:endParaRPr lang="en-US" dirty="0"/>
+          </a:p>
+          <a:p>
             <a:endParaRPr lang="en-US" dirty="0"/>
           </a:p>
           <a:p>
@@ -24832,7 +24841,7 @@
                   <a:srgbClr val="FF0000"/>
                 </a:solidFill>
               </a:rPr>
-              <a:t>%_20</a:t>
+              <a:t>%20</a:t>
             </a:r>
             <a:r>
               <a:rPr lang="en-GB" dirty="0"/>

--- a/Andriod10/1_Pixel3_Image.pptx
+++ b/Andriod10/1_Pixel3_Image.pptx
@@ -5,7 +5,7 @@
     <p:sldMasterId id="2147483648" r:id="rId1"/>
   </p:sldMasterIdLst>
   <p:notesMasterIdLst>
-    <p:notesMasterId r:id="rId34"/>
+    <p:notesMasterId r:id="rId35"/>
   </p:notesMasterIdLst>
   <p:sldIdLst>
     <p:sldId id="282" r:id="rId2"/>
@@ -33,13 +33,14 @@
     <p:sldId id="342" r:id="rId24"/>
     <p:sldId id="339" r:id="rId25"/>
     <p:sldId id="343" r:id="rId26"/>
-    <p:sldId id="341" r:id="rId27"/>
-    <p:sldId id="348" r:id="rId28"/>
-    <p:sldId id="349" r:id="rId29"/>
-    <p:sldId id="344" r:id="rId30"/>
-    <p:sldId id="345" r:id="rId31"/>
-    <p:sldId id="350" r:id="rId32"/>
-    <p:sldId id="351" r:id="rId33"/>
+    <p:sldId id="352" r:id="rId27"/>
+    <p:sldId id="341" r:id="rId28"/>
+    <p:sldId id="348" r:id="rId29"/>
+    <p:sldId id="349" r:id="rId30"/>
+    <p:sldId id="344" r:id="rId31"/>
+    <p:sldId id="345" r:id="rId32"/>
+    <p:sldId id="350" r:id="rId33"/>
+    <p:sldId id="351" r:id="rId34"/>
   </p:sldIdLst>
   <p:sldSz cx="12192000" cy="6858000"/>
   <p:notesSz cx="6858000" cy="9144000"/>
@@ -149,7 +150,7 @@
 <file path=ppt/revisionInfo.xml><?xml version="1.0" encoding="utf-8"?>
 <p1510:revInfo xmlns:a="http://schemas.openxmlformats.org/drawingml/2006/main" xmlns:r="http://schemas.openxmlformats.org/officeDocument/2006/relationships" xmlns:p1510="http://schemas.microsoft.com/office/powerpoint/2015/10/main">
   <p1510:revLst>
-    <p1510:client id="{3EF660C2-5E00-497A-8141-0937EA7FF5A5}" v="19" dt="2025-02-10T15:50:23.835"/>
+    <p1510:client id="{3EF660C2-5E00-497A-8141-0937EA7FF5A5}" v="21" dt="2025-02-17T15:25:27.121"/>
   </p1510:revLst>
 </p1510:revInfo>
 </file>
@@ -534,7 +535,7 @@
   <pc:docChgLst>
     <pc:chgData name="Weifeng Xu" userId="e7aed605-a3dd-4d5a-a692-a87037af107b" providerId="ADAL" clId="{3EF660C2-5E00-497A-8141-0937EA7FF5A5}"/>
     <pc:docChg chg="undo redo custSel addSld modSld sldOrd">
-      <pc:chgData name="Weifeng Xu" userId="e7aed605-a3dd-4d5a-a692-a87037af107b" providerId="ADAL" clId="{3EF660C2-5E00-497A-8141-0937EA7FF5A5}" dt="2025-02-14T15:50:49" v="1892" actId="20577"/>
+      <pc:chgData name="Weifeng Xu" userId="e7aed605-a3dd-4d5a-a692-a87037af107b" providerId="ADAL" clId="{3EF660C2-5E00-497A-8141-0937EA7FF5A5}" dt="2025-02-17T15:26:16.736" v="1912" actId="20577"/>
       <pc:docMkLst>
         <pc:docMk/>
       </pc:docMkLst>
@@ -908,8 +909,8 @@
           </ac:spMkLst>
         </pc:spChg>
       </pc:sldChg>
-      <pc:sldChg chg="addSp modSp mod">
-        <pc:chgData name="Weifeng Xu" userId="e7aed605-a3dd-4d5a-a692-a87037af107b" providerId="ADAL" clId="{3EF660C2-5E00-497A-8141-0937EA7FF5A5}" dt="2025-02-10T15:50:48.293" v="1347" actId="1076"/>
+      <pc:sldChg chg="addSp modSp mod modNotesTx">
+        <pc:chgData name="Weifeng Xu" userId="e7aed605-a3dd-4d5a-a692-a87037af107b" providerId="ADAL" clId="{3EF660C2-5E00-497A-8141-0937EA7FF5A5}" dt="2025-02-17T14:40:30.311" v="1899" actId="20577"/>
         <pc:sldMkLst>
           <pc:docMk/>
           <pc:sldMk cId="3664990277" sldId="341"/>
@@ -1123,6 +1124,29 @@
             <ac:spMk id="3" creationId="{E6CA5CEB-EB55-5C0D-4669-76EF3BEA4513}"/>
           </ac:spMkLst>
         </pc:spChg>
+      </pc:sldChg>
+      <pc:sldChg chg="addSp modSp new mod modNotesTx">
+        <pc:chgData name="Weifeng Xu" userId="e7aed605-a3dd-4d5a-a692-a87037af107b" providerId="ADAL" clId="{3EF660C2-5E00-497A-8141-0937EA7FF5A5}" dt="2025-02-17T15:26:16.736" v="1912" actId="20577"/>
+        <pc:sldMkLst>
+          <pc:docMk/>
+          <pc:sldMk cId="3226992021" sldId="352"/>
+        </pc:sldMkLst>
+        <pc:picChg chg="add mod">
+          <ac:chgData name="Weifeng Xu" userId="e7aed605-a3dd-4d5a-a692-a87037af107b" providerId="ADAL" clId="{3EF660C2-5E00-497A-8141-0937EA7FF5A5}" dt="2025-02-17T15:25:29.261" v="1907" actId="1076"/>
+          <ac:picMkLst>
+            <pc:docMk/>
+            <pc:sldMk cId="3226992021" sldId="352"/>
+            <ac:picMk id="3" creationId="{1216B51C-82ED-6A22-3236-934BA22BEF53}"/>
+          </ac:picMkLst>
+        </pc:picChg>
+        <pc:picChg chg="add mod">
+          <ac:chgData name="Weifeng Xu" userId="e7aed605-a3dd-4d5a-a692-a87037af107b" providerId="ADAL" clId="{3EF660C2-5E00-497A-8141-0937EA7FF5A5}" dt="2025-02-17T15:25:27.119" v="1906" actId="1076"/>
+          <ac:picMkLst>
+            <pc:docMk/>
+            <pc:sldMk cId="3226992021" sldId="352"/>
+            <ac:picMk id="1026" creationId="{A21A8214-6FAD-4145-D923-57728E131B3E}"/>
+          </ac:picMkLst>
+        </pc:picChg>
       </pc:sldChg>
     </pc:docChg>
   </pc:docChgLst>
@@ -4623,7 +4647,7 @@
           <a:p>
             <a:fld id="{EE41F6E3-57F9-402E-BDBA-5B2DE11C8530}" type="datetimeFigureOut">
               <a:rPr lang="en-US" smtClean="0"/>
-              <a:t>2/14/2025</a:t>
+              <a:t>2/17/2025</a:t>
             </a:fld>
             <a:endParaRPr lang="en-US"/>
           </a:p>
@@ -5704,15 +5728,64 @@
           <a:lstStyle/>
           <a:p>
             <a:r>
-              <a:rPr lang="en-GB" dirty="0"/>
-              <a:t>curl --no-progress-meter https://play.google.com/store/apps/details?id=com.twitter.android | grep -Pio 'itemprop="name"&gt;&lt;span&gt;Twitter&lt;/span&gt;’</a:t>
-            </a:r>
-          </a:p>
-          <a:p>
-            <a:r>
               <a:rPr lang="en-US" dirty="0"/>
-              <a:t>curl --no-progress-meter https://play.google.com/store/apps/details?id=com.twitter.android | grep -Pio 'itemprop="name"&gt;&lt;span&gt;\K.*?(?=&lt;/span&gt;)'</a:t>
-            </a:r>
+              <a:t>echo "START </a:t>
+            </a:r>
+            <a:r>
+              <a:rPr lang="en-US" dirty="0" err="1"/>
+              <a:t>aaa</a:t>
+            </a:r>
+            <a:r>
+              <a:rPr lang="en-US" dirty="0"/>
+              <a:t> END </a:t>
+            </a:r>
+            <a:r>
+              <a:rPr lang="en-US" dirty="0" err="1"/>
+              <a:t>bbb</a:t>
+            </a:r>
+            <a:r>
+              <a:rPr lang="en-US" dirty="0"/>
+              <a:t> END" | grep -</a:t>
+            </a:r>
+            <a:r>
+              <a:rPr lang="en-US" dirty="0" err="1"/>
+              <a:t>oP</a:t>
+            </a:r>
+            <a:r>
+              <a:rPr lang="en-US" dirty="0"/>
+              <a:t> "START(.*)END“</a:t>
+            </a:r>
+          </a:p>
+          <a:p>
+            <a:r>
+              <a:rPr lang="en-US" dirty="0"/>
+              <a:t>echo "START </a:t>
+            </a:r>
+            <a:r>
+              <a:rPr lang="en-US" dirty="0" err="1"/>
+              <a:t>aaa</a:t>
+            </a:r>
+            <a:r>
+              <a:rPr lang="en-US" dirty="0"/>
+              <a:t> END </a:t>
+            </a:r>
+            <a:r>
+              <a:rPr lang="en-US" dirty="0" err="1"/>
+              <a:t>bbb</a:t>
+            </a:r>
+            <a:r>
+              <a:rPr lang="en-US" dirty="0"/>
+              <a:t> END" | grep -</a:t>
+            </a:r>
+            <a:r>
+              <a:rPr lang="en-US" dirty="0" err="1"/>
+              <a:t>oP</a:t>
+            </a:r>
+            <a:r>
+              <a:rPr lang="en-US"/>
+              <a:t> "START(.*?)END"</a:t>
+            </a:r>
+            <a:endParaRPr lang="en-US" dirty="0"/>
           </a:p>
         </p:txBody>
       </p:sp>
@@ -5742,7 +5815,7 @@
     </p:spTree>
     <p:extLst>
       <p:ext uri="{BB962C8B-B14F-4D97-AF65-F5344CB8AC3E}">
-        <p14:creationId xmlns:p14="http://schemas.microsoft.com/office/powerpoint/2010/main" val="40849243"/>
+        <p14:creationId xmlns:p14="http://schemas.microsoft.com/office/powerpoint/2010/main" val="1709516424"/>
       </p:ext>
     </p:extLst>
   </p:cSld>
@@ -5797,939 +5870,95 @@
           <a:lstStyle/>
           <a:p>
             <a:r>
-              <a:rPr lang="en-US"/>
-              <a:t>ls 'Pixel 3/data/data' \</a:t>
-            </a:r>
-          </a:p>
-          <a:p>
-            <a:r>
-              <a:rPr lang="en-US"/>
-              <a:t>| while read package; do \</a:t>
-            </a:r>
-          </a:p>
-          <a:p>
-            <a:r>
-              <a:rPr lang="en-US"/>
-              <a:t>curl --no-progress-meter https://play.google.com/store/apps/details?id=$package \</a:t>
-            </a:r>
-          </a:p>
-          <a:p>
-            <a:r>
-              <a:rPr lang="en-US"/>
-              <a:t>| grep -Pio 'itemprop="name"&gt;&lt;span&gt;\K.*?(?=&lt;/span&gt;)' \</a:t>
-            </a:r>
-          </a:p>
-          <a:p>
-            <a:r>
-              <a:rPr lang="en-US"/>
-              <a:t>&amp;&amp; echo $package; \</a:t>
-            </a:r>
-          </a:p>
-          <a:p>
-            <a:r>
-              <a:rPr lang="en-US"/>
-              <a:t>done</a:t>
-            </a:r>
-          </a:p>
-          <a:p>
-            <a:endParaRPr lang="en-US"/>
-          </a:p>
-          <a:p>
-            <a:endParaRPr lang="en-US"/>
-          </a:p>
-          <a:p>
-            <a:r>
-              <a:rPr lang="en-US"/>
-              <a:t>Google Chrome: Fast &amp;amp; Secure</a:t>
-            </a:r>
-          </a:p>
-          <a:p>
-            <a:r>
-              <a:rPr lang="en-US" err="1"/>
-              <a:t>com.android.chrome</a:t>
-            </a:r>
-            <a:endParaRPr lang="en-US"/>
-          </a:p>
-          <a:p>
-            <a:r>
-              <a:rPr lang="en-US"/>
-              <a:t>Discord - Talk, Video Chat &amp;amp; Hang Out with Friends</a:t>
-            </a:r>
-          </a:p>
-          <a:p>
-            <a:r>
-              <a:rPr lang="en-US" err="1"/>
-              <a:t>com.discord</a:t>
-            </a:r>
-            <a:endParaRPr lang="en-US"/>
-          </a:p>
-          <a:p>
-            <a:r>
-              <a:rPr lang="en-US" err="1"/>
-              <a:t>TextNow</a:t>
-            </a:r>
-            <a:r>
-              <a:rPr lang="en-US"/>
-              <a:t>: Free Texting &amp;amp; Calling App</a:t>
-            </a:r>
-          </a:p>
-          <a:p>
-            <a:r>
-              <a:rPr lang="en-US" err="1"/>
-              <a:t>com.enflick.android.TextNow</a:t>
-            </a:r>
-            <a:endParaRPr lang="en-US"/>
-          </a:p>
-          <a:p>
-            <a:r>
-              <a:rPr lang="en-US"/>
-              <a:t>Messenger – Text and Video Chat for Free</a:t>
-            </a:r>
-          </a:p>
-          <a:p>
-            <a:r>
-              <a:rPr lang="en-US" err="1"/>
-              <a:t>com.facebook.orca</a:t>
-            </a:r>
-            <a:endParaRPr lang="en-US"/>
-          </a:p>
-          <a:p>
-            <a:r>
-              <a:rPr lang="en-US"/>
-              <a:t>Google Home</a:t>
-            </a:r>
-          </a:p>
-          <a:p>
-            <a:r>
-              <a:rPr lang="en-US" err="1"/>
-              <a:t>com.google.android.apps.chromecast.app</a:t>
-            </a:r>
-            <a:endParaRPr lang="en-US"/>
-          </a:p>
-          <a:p>
-            <a:r>
-              <a:rPr lang="en-US"/>
-              <a:t>Google Drive</a:t>
-            </a:r>
-          </a:p>
-          <a:p>
-            <a:r>
-              <a:rPr lang="en-US" err="1"/>
-              <a:t>com.google.android.apps.docs</a:t>
-            </a:r>
-            <a:endParaRPr lang="en-US"/>
-          </a:p>
-          <a:p>
-            <a:r>
-              <a:rPr lang="en-US"/>
-              <a:t>Google Docs</a:t>
-            </a:r>
-          </a:p>
-          <a:p>
-            <a:r>
-              <a:rPr lang="en-US" err="1"/>
-              <a:t>com.google.android.apps.docs.editors.docs</a:t>
-            </a:r>
-            <a:endParaRPr lang="en-US"/>
-          </a:p>
-          <a:p>
-            <a:r>
-              <a:rPr lang="en-US"/>
-              <a:t>Google Apps Device Policy</a:t>
-            </a:r>
-          </a:p>
-          <a:p>
-            <a:r>
-              <a:rPr lang="en-US" err="1"/>
-              <a:t>com.google.android.apps.enterprise.dmagent</a:t>
-            </a:r>
-            <a:endParaRPr lang="en-US"/>
-          </a:p>
-          <a:p>
-            <a:r>
-              <a:rPr lang="en-US"/>
-              <a:t>Google Support Services</a:t>
-            </a:r>
-          </a:p>
-          <a:p>
-            <a:r>
-              <a:rPr lang="en-US" err="1"/>
-              <a:t>com.google.android.apps.helprtc</a:t>
-            </a:r>
-            <a:endParaRPr lang="en-US"/>
-          </a:p>
-          <a:p>
-            <a:r>
-              <a:rPr lang="en-US"/>
-              <a:t>Google News - Top world &amp;amp; local news headlines</a:t>
-            </a:r>
-          </a:p>
-          <a:p>
-            <a:r>
-              <a:rPr lang="en-US" err="1"/>
-              <a:t>com.google.android.apps.magazines</a:t>
-            </a:r>
-            <a:endParaRPr lang="en-US"/>
-          </a:p>
-          <a:p>
-            <a:r>
-              <a:rPr lang="en-US"/>
-              <a:t>Google Maps - Navigate &amp;amp; Explore</a:t>
-            </a:r>
-          </a:p>
-          <a:p>
-            <a:r>
-              <a:rPr lang="en-US" err="1"/>
-              <a:t>com.google.android.apps.maps</a:t>
-            </a:r>
-            <a:endParaRPr lang="en-US"/>
-          </a:p>
-          <a:p>
-            <a:r>
-              <a:rPr lang="en-US"/>
-              <a:t>Messages</a:t>
-            </a:r>
-          </a:p>
-          <a:p>
-            <a:r>
-              <a:rPr lang="en-US" err="1"/>
-              <a:t>com.google.android.apps.messaging</a:t>
-            </a:r>
-            <a:endParaRPr lang="en-US"/>
-          </a:p>
-          <a:p>
-            <a:r>
-              <a:rPr lang="en-US"/>
-              <a:t>Pixel Launcher</a:t>
-            </a:r>
-          </a:p>
-          <a:p>
-            <a:r>
-              <a:rPr lang="en-US" err="1"/>
-              <a:t>com.google.android.apps.nexuslauncher</a:t>
-            </a:r>
-            <a:endParaRPr lang="en-US"/>
-          </a:p>
-          <a:p>
-            <a:r>
-              <a:rPr lang="en-US"/>
-              <a:t>Google Photos</a:t>
-            </a:r>
-          </a:p>
-          <a:p>
-            <a:r>
-              <a:rPr lang="en-US" err="1"/>
-              <a:t>com.google.android.apps.photos</a:t>
-            </a:r>
-            <a:endParaRPr lang="en-US"/>
-          </a:p>
-          <a:p>
-            <a:r>
-              <a:rPr lang="en-US"/>
-              <a:t>Data Transfer Tool</a:t>
-            </a:r>
-          </a:p>
-          <a:p>
-            <a:r>
-              <a:rPr lang="en-US" err="1"/>
-              <a:t>com.google.android.apps.pixelmigrate</a:t>
-            </a:r>
-            <a:endParaRPr lang="en-US"/>
-          </a:p>
-          <a:p>
-            <a:r>
-              <a:rPr lang="en-US"/>
-              <a:t>Personal Safety</a:t>
-            </a:r>
-          </a:p>
-          <a:p>
-            <a:r>
-              <a:rPr lang="en-US" err="1"/>
-              <a:t>com.google.android.apps.safetyhub</a:t>
-            </a:r>
-            <a:endParaRPr lang="en-US"/>
-          </a:p>
-          <a:p>
-            <a:r>
-              <a:rPr lang="en-US"/>
-              <a:t>Google Duo - High Quality Video Calls</a:t>
-            </a:r>
-          </a:p>
-          <a:p>
-            <a:r>
-              <a:rPr lang="en-US" err="1"/>
-              <a:t>com.google.android.apps.tachyon</a:t>
-            </a:r>
-            <a:endParaRPr lang="en-US"/>
-          </a:p>
-          <a:p>
-            <a:r>
-              <a:rPr lang="en-US"/>
-              <a:t>Google Fi</a:t>
-            </a:r>
-          </a:p>
-          <a:p>
-            <a:r>
-              <a:rPr lang="en-US" err="1"/>
-              <a:t>com.google.android.apps.tycho</a:t>
-            </a:r>
-            <a:endParaRPr lang="en-US"/>
-          </a:p>
-          <a:p>
-            <a:r>
-              <a:rPr lang="en-US"/>
-              <a:t>Google Pay (old app)</a:t>
-            </a:r>
-          </a:p>
-          <a:p>
-            <a:r>
-              <a:rPr lang="en-US" err="1"/>
-              <a:t>com.google.android.apps.walletnfcrel</a:t>
-            </a:r>
-            <a:endParaRPr lang="en-US"/>
-          </a:p>
-          <a:p>
-            <a:r>
-              <a:rPr lang="en-US"/>
-              <a:t>Wallpapers</a:t>
-            </a:r>
-          </a:p>
-          <a:p>
-            <a:r>
-              <a:rPr lang="en-US" err="1"/>
-              <a:t>com.google.android.apps.wallpaper</a:t>
-            </a:r>
-            <a:endParaRPr lang="en-US"/>
-          </a:p>
-          <a:p>
-            <a:r>
-              <a:rPr lang="en-US"/>
-              <a:t>Digital Wellbeing</a:t>
-            </a:r>
-          </a:p>
-          <a:p>
-            <a:r>
-              <a:rPr lang="en-US" err="1"/>
-              <a:t>com.google.android.apps.wellbeing</a:t>
-            </a:r>
-            <a:endParaRPr lang="en-US"/>
-          </a:p>
-          <a:p>
-            <a:r>
-              <a:rPr lang="en-US"/>
-              <a:t>YouTube Music - Stream Songs &amp;amp; Music Videos</a:t>
-            </a:r>
-          </a:p>
-          <a:p>
-            <a:r>
-              <a:rPr lang="en-US" err="1"/>
-              <a:t>com.google.android.apps.youtube.music</a:t>
-            </a:r>
-            <a:endParaRPr lang="en-US"/>
-          </a:p>
-          <a:p>
-            <a:r>
-              <a:rPr lang="en-US"/>
-              <a:t>Google Calendar</a:t>
-            </a:r>
-          </a:p>
-          <a:p>
-            <a:r>
-              <a:rPr lang="en-US" err="1"/>
-              <a:t>com.google.android.calendar</a:t>
-            </a:r>
-            <a:endParaRPr lang="en-US"/>
-          </a:p>
-          <a:p>
-            <a:r>
-              <a:rPr lang="en-US"/>
-              <a:t>Contacts</a:t>
-            </a:r>
-          </a:p>
-          <a:p>
-            <a:r>
-              <a:rPr lang="en-US" err="1"/>
-              <a:t>com.google.android.contacts</a:t>
-            </a:r>
-            <a:endParaRPr lang="en-US"/>
-          </a:p>
-          <a:p>
-            <a:r>
-              <a:rPr lang="en-US"/>
-              <a:t>Clock</a:t>
-            </a:r>
-          </a:p>
-          <a:p>
-            <a:r>
-              <a:rPr lang="en-US" err="1"/>
-              <a:t>com.google.android.deskclock</a:t>
-            </a:r>
-            <a:endParaRPr lang="en-US"/>
-          </a:p>
-          <a:p>
-            <a:r>
-              <a:rPr lang="en-US"/>
-              <a:t>Phone by Google - Caller ID &amp;amp; Spam Protection</a:t>
-            </a:r>
-          </a:p>
-          <a:p>
-            <a:r>
-              <a:rPr lang="en-US" err="1"/>
-              <a:t>com.google.android.dialer</a:t>
-            </a:r>
-            <a:endParaRPr lang="en-US"/>
-          </a:p>
-          <a:p>
-            <a:r>
-              <a:rPr lang="en-US"/>
-              <a:t>Gmail</a:t>
-            </a:r>
-          </a:p>
-          <a:p>
-            <a:r>
-              <a:rPr lang="en-US"/>
-              <a:t>com.google.android.gm</a:t>
-            </a:r>
-          </a:p>
-          <a:p>
-            <a:r>
-              <a:rPr lang="en-US"/>
-              <a:t>Google Play services</a:t>
-            </a:r>
-          </a:p>
-          <a:p>
-            <a:r>
-              <a:rPr lang="en-US" err="1"/>
-              <a:t>com.google.android.gms</a:t>
-            </a:r>
-            <a:endParaRPr lang="en-US"/>
-          </a:p>
-          <a:p>
-            <a:r>
-              <a:rPr lang="en-US"/>
-              <a:t>Google Camera</a:t>
-            </a:r>
-          </a:p>
-          <a:p>
-            <a:r>
-              <a:rPr lang="en-US" err="1"/>
-              <a:t>com.google.android.GoogleCamera</a:t>
-            </a:r>
-            <a:endParaRPr lang="en-US"/>
-          </a:p>
-          <a:p>
-            <a:r>
-              <a:rPr lang="en-US"/>
-              <a:t>Google</a:t>
-            </a:r>
-          </a:p>
-          <a:p>
-            <a:r>
-              <a:rPr lang="en-US" err="1"/>
-              <a:t>com.google.android.googlequicksearchbox</a:t>
-            </a:r>
-            <a:endParaRPr lang="en-US"/>
-          </a:p>
-          <a:p>
-            <a:r>
-              <a:rPr lang="en-US"/>
-              <a:t>Carrier Services</a:t>
-            </a:r>
-          </a:p>
-          <a:p>
-            <a:r>
-              <a:rPr lang="en-US" err="1"/>
-              <a:t>com.google.android.ims</a:t>
-            </a:r>
-            <a:endParaRPr lang="en-US"/>
-          </a:p>
-          <a:p>
-            <a:r>
-              <a:rPr lang="en-US" err="1"/>
-              <a:t>Gboard</a:t>
-            </a:r>
-            <a:r>
-              <a:rPr lang="en-US"/>
-              <a:t> - the Google Keyboard</a:t>
-            </a:r>
-          </a:p>
-          <a:p>
-            <a:r>
-              <a:rPr lang="en-US" err="1"/>
-              <a:t>com.google.android.inputmethod.latin</a:t>
-            </a:r>
-            <a:endParaRPr lang="en-US"/>
-          </a:p>
-          <a:p>
-            <a:r>
-              <a:rPr lang="en-US"/>
-              <a:t>Google Keep - Notes and Lists</a:t>
-            </a:r>
-          </a:p>
-          <a:p>
-            <a:r>
-              <a:rPr lang="en-US" err="1"/>
-              <a:t>com.google.android.keep</a:t>
-            </a:r>
-            <a:endParaRPr lang="en-US"/>
-          </a:p>
-          <a:p>
-            <a:r>
-              <a:rPr lang="en-US"/>
-              <a:t>Google Play Music</a:t>
-            </a:r>
-          </a:p>
-          <a:p>
-            <a:r>
-              <a:rPr lang="en-US" err="1"/>
-              <a:t>com.google.android.music</a:t>
-            </a:r>
-            <a:endParaRPr lang="en-US"/>
-          </a:p>
-          <a:p>
-            <a:r>
-              <a:rPr lang="en-US"/>
-              <a:t>Android Auto - Google Maps, Media &amp;amp; Messaging</a:t>
-            </a:r>
-          </a:p>
-          <a:p>
-            <a:r>
-              <a:rPr lang="en-US" err="1"/>
-              <a:t>com.google.android.projection.gearhead</a:t>
-            </a:r>
-            <a:endParaRPr lang="en-US"/>
-          </a:p>
-          <a:p>
-            <a:r>
-              <a:rPr lang="en-US"/>
-              <a:t>Google Text-to-Speech</a:t>
-            </a:r>
-          </a:p>
-          <a:p>
-            <a:r>
-              <a:rPr lang="en-US" err="1"/>
-              <a:t>com.google.android.tts</a:t>
-            </a:r>
-            <a:endParaRPr lang="en-US"/>
-          </a:p>
-          <a:p>
-            <a:r>
-              <a:rPr lang="en-US"/>
-              <a:t>Google TV (previously Play Movies &amp;amp; TV)</a:t>
-            </a:r>
-          </a:p>
-          <a:p>
-            <a:r>
-              <a:rPr lang="en-US" err="1"/>
-              <a:t>com.google.android.videos</a:t>
-            </a:r>
-            <a:endParaRPr lang="en-US"/>
-          </a:p>
-          <a:p>
-            <a:r>
-              <a:rPr lang="en-US"/>
-              <a:t>Android System WebView</a:t>
-            </a:r>
-          </a:p>
-          <a:p>
-            <a:r>
-              <a:rPr lang="en-US" err="1"/>
-              <a:t>com.google.android.webview</a:t>
-            </a:r>
-            <a:endParaRPr lang="en-US"/>
-          </a:p>
-          <a:p>
-            <a:r>
-              <a:rPr lang="en-US"/>
-              <a:t>YouTube</a:t>
-            </a:r>
-          </a:p>
-          <a:p>
-            <a:r>
-              <a:rPr lang="en-US" err="1"/>
-              <a:t>com.google.android.youtube</a:t>
-            </a:r>
-            <a:endParaRPr lang="en-US"/>
-          </a:p>
-          <a:p>
-            <a:r>
-              <a:rPr lang="en-US"/>
-              <a:t>Google Play Services for AR</a:t>
-            </a:r>
-          </a:p>
-          <a:p>
-            <a:r>
-              <a:rPr lang="en-US" err="1"/>
-              <a:t>com.google.ar.core</a:t>
-            </a:r>
-            <a:endParaRPr lang="en-US"/>
-          </a:p>
-          <a:p>
-            <a:r>
-              <a:rPr lang="en-US"/>
-              <a:t>Pixel Ambient Services</a:t>
-            </a:r>
-          </a:p>
-          <a:p>
-            <a:r>
-              <a:rPr lang="en-US" err="1"/>
-              <a:t>com.google.intelligence.sense</a:t>
-            </a:r>
-            <a:endParaRPr lang="en-US"/>
-          </a:p>
-          <a:p>
-            <a:r>
-              <a:rPr lang="en-US"/>
-              <a:t>Playground (was AR Stickers)</a:t>
-            </a:r>
-          </a:p>
-          <a:p>
-            <a:r>
-              <a:rPr lang="en-US" err="1"/>
-              <a:t>com.google.vr.apps.ornament</a:t>
-            </a:r>
-            <a:endParaRPr lang="en-US"/>
-          </a:p>
-          <a:p>
-            <a:r>
-              <a:rPr lang="en-US"/>
-              <a:t>Google VR Services</a:t>
-            </a:r>
-          </a:p>
-          <a:p>
-            <a:r>
-              <a:rPr lang="en-US" err="1"/>
-              <a:t>com.google.vr.vrcore</a:t>
-            </a:r>
-            <a:endParaRPr lang="en-US"/>
-          </a:p>
-          <a:p>
-            <a:r>
-              <a:rPr lang="en-US" err="1"/>
-              <a:t>Imgur</a:t>
-            </a:r>
-            <a:r>
-              <a:rPr lang="en-US"/>
-              <a:t>: Find funny GIFs, memes &amp;amp; watch viral videos</a:t>
-            </a:r>
-          </a:p>
-          <a:p>
-            <a:r>
-              <a:rPr lang="en-US" err="1"/>
-              <a:t>com.imgur.mobile</a:t>
-            </a:r>
-            <a:endParaRPr lang="en-US"/>
-          </a:p>
-          <a:p>
-            <a:r>
-              <a:rPr lang="en-US" err="1"/>
-              <a:t>imo</a:t>
-            </a:r>
-            <a:r>
-              <a:rPr lang="en-US"/>
-              <a:t> free HD video calls and chat</a:t>
-            </a:r>
-          </a:p>
-          <a:p>
-            <a:r>
-              <a:rPr lang="en-US" err="1"/>
-              <a:t>com.imo.android.imous</a:t>
-            </a:r>
-            <a:endParaRPr lang="en-US"/>
-          </a:p>
-          <a:p>
-            <a:r>
-              <a:rPr lang="en-US"/>
-              <a:t>Instagram</a:t>
-            </a:r>
-          </a:p>
-          <a:p>
-            <a:r>
-              <a:rPr lang="en-US" err="1"/>
-              <a:t>com.instagram.android</a:t>
-            </a:r>
-            <a:endParaRPr lang="en-US"/>
-          </a:p>
-          <a:p>
-            <a:r>
-              <a:rPr lang="en-US"/>
-              <a:t>Threads from Instagram</a:t>
-            </a:r>
-          </a:p>
-          <a:p>
-            <a:r>
-              <a:rPr lang="en-US" err="1"/>
-              <a:t>com.instagram.threadsapp</a:t>
-            </a:r>
-            <a:endParaRPr lang="en-US"/>
-          </a:p>
-          <a:p>
-            <a:r>
-              <a:rPr lang="en-US" err="1"/>
-              <a:t>MeWe</a:t>
-            </a:r>
-            <a:endParaRPr lang="en-US"/>
-          </a:p>
-          <a:p>
-            <a:r>
-              <a:rPr lang="en-US" err="1"/>
-              <a:t>com.mewe</a:t>
-            </a:r>
-            <a:endParaRPr lang="en-US"/>
-          </a:p>
-          <a:p>
-            <a:r>
-              <a:rPr lang="en-US" err="1"/>
-              <a:t>Wickr</a:t>
-            </a:r>
-            <a:r>
-              <a:rPr lang="en-US"/>
-              <a:t> Me – Private Messenger</a:t>
-            </a:r>
-          </a:p>
-          <a:p>
-            <a:r>
-              <a:rPr lang="en-US"/>
-              <a:t>com.mywickr.wickr2</a:t>
-            </a:r>
-          </a:p>
-          <a:p>
-            <a:r>
-              <a:rPr lang="en-US"/>
-              <a:t>Dust - a safer place to text</a:t>
-            </a:r>
-          </a:p>
-          <a:p>
-            <a:r>
-              <a:rPr lang="en-US" err="1"/>
-              <a:t>com.radicalapps.cyberdust</a:t>
-            </a:r>
-            <a:endParaRPr lang="en-US"/>
-          </a:p>
-          <a:p>
-            <a:r>
-              <a:rPr lang="en-US"/>
-              <a:t>Silent Phone - Secure Calling &amp;amp; Messaging</a:t>
-            </a:r>
-          </a:p>
-          <a:p>
-            <a:r>
-              <a:rPr lang="en-US" err="1"/>
-              <a:t>com.silentcircle.silentphone</a:t>
-            </a:r>
-            <a:endParaRPr lang="en-US"/>
-          </a:p>
-          <a:p>
-            <a:r>
-              <a:rPr lang="en-US"/>
-              <a:t>SKOUT - Meet, Chat, Go Live</a:t>
-            </a:r>
-          </a:p>
-          <a:p>
-            <a:r>
-              <a:rPr lang="en-US" err="1"/>
-              <a:t>com.skout.android</a:t>
-            </a:r>
-            <a:endParaRPr lang="en-US"/>
-          </a:p>
-          <a:p>
-            <a:r>
-              <a:rPr lang="en-US"/>
-              <a:t>Skype - free IM &amp;amp; video calls</a:t>
-            </a:r>
-          </a:p>
-          <a:p>
-            <a:r>
-              <a:rPr lang="en-US" err="1"/>
-              <a:t>com.skype.raider</a:t>
-            </a:r>
-            <a:endParaRPr lang="en-US"/>
-          </a:p>
-          <a:p>
-            <a:r>
-              <a:rPr lang="en-US"/>
-              <a:t>Snapchat</a:t>
-            </a:r>
-          </a:p>
-          <a:p>
-            <a:r>
-              <a:rPr lang="en-US" err="1"/>
-              <a:t>com.snapchat.android</a:t>
-            </a:r>
-            <a:endParaRPr lang="en-US"/>
-          </a:p>
-          <a:p>
-            <a:r>
-              <a:rPr lang="en-US"/>
-              <a:t>Spotify: Listen to podcasts &amp;amp; find music you love</a:t>
-            </a:r>
-          </a:p>
-          <a:p>
-            <a:r>
-              <a:rPr lang="en-US" err="1"/>
-              <a:t>com.spotify.music</a:t>
-            </a:r>
-            <a:endParaRPr lang="en-US"/>
-          </a:p>
-          <a:p>
-            <a:r>
-              <a:rPr lang="en-US"/>
-              <a:t>Gallery Vault - Hide Pictures And Videos</a:t>
-            </a:r>
-          </a:p>
-          <a:p>
-            <a:r>
-              <a:rPr lang="en-US" err="1"/>
-              <a:t>com.thinkyeah.galleryvault</a:t>
-            </a:r>
-            <a:endParaRPr lang="en-US"/>
-          </a:p>
-          <a:p>
-            <a:r>
-              <a:rPr lang="en-US"/>
-              <a:t>Twitter</a:t>
-            </a:r>
-          </a:p>
-          <a:p>
-            <a:r>
-              <a:rPr lang="en-US" err="1"/>
-              <a:t>com.twitter.android</a:t>
-            </a:r>
-            <a:endParaRPr lang="en-US"/>
-          </a:p>
-          <a:p>
-            <a:r>
-              <a:rPr lang="en-US"/>
-              <a:t>Venmo</a:t>
-            </a:r>
-          </a:p>
-          <a:p>
-            <a:r>
-              <a:rPr lang="en-US" err="1"/>
-              <a:t>com.venmo</a:t>
-            </a:r>
-            <a:endParaRPr lang="en-US"/>
-          </a:p>
-          <a:p>
-            <a:r>
-              <a:rPr lang="en-US"/>
-              <a:t>Viber Messenger - Free Video Calls &amp;amp; Group Chats</a:t>
-            </a:r>
-          </a:p>
-          <a:p>
-            <a:r>
-              <a:rPr lang="en-US" err="1"/>
-              <a:t>com.viber.voip</a:t>
-            </a:r>
-            <a:endParaRPr lang="en-US"/>
-          </a:p>
-          <a:p>
-            <a:r>
-              <a:rPr lang="en-US"/>
-              <a:t>WhatsApp Messenger</a:t>
-            </a:r>
-          </a:p>
-          <a:p>
-            <a:r>
-              <a:rPr lang="en-US" err="1"/>
-              <a:t>com.whatsapp</a:t>
-            </a:r>
-            <a:endParaRPr lang="en-US"/>
-          </a:p>
-          <a:p>
-            <a:r>
-              <a:rPr lang="en-US"/>
-              <a:t>Wire • Secure Messenger</a:t>
-            </a:r>
-          </a:p>
-          <a:p>
-            <a:r>
-              <a:rPr lang="en-US" err="1"/>
-              <a:t>com.wire</a:t>
-            </a:r>
-            <a:endParaRPr lang="en-US"/>
-          </a:p>
-          <a:p>
-            <a:r>
-              <a:rPr lang="en-US" err="1"/>
-              <a:t>TikTok</a:t>
-            </a:r>
-            <a:endParaRPr lang="en-US"/>
-          </a:p>
-          <a:p>
-            <a:r>
-              <a:rPr lang="en-US" err="1"/>
-              <a:t>com.zhiliaoapp.musically</a:t>
-            </a:r>
-            <a:endParaRPr lang="en-US"/>
-          </a:p>
-          <a:p>
-            <a:r>
-              <a:rPr lang="en-US"/>
-              <a:t>LINE: Free Calls &amp;amp; Messages</a:t>
-            </a:r>
-          </a:p>
-          <a:p>
-            <a:r>
-              <a:rPr lang="en-US" err="1"/>
-              <a:t>jp.naver.line.android</a:t>
-            </a:r>
-            <a:endParaRPr lang="en-US"/>
-          </a:p>
-          <a:p>
-            <a:r>
-              <a:rPr lang="en-US"/>
-              <a:t>Kik</a:t>
-            </a:r>
-          </a:p>
-          <a:p>
-            <a:r>
-              <a:rPr lang="en-US" err="1"/>
-              <a:t>kik.android</a:t>
-            </a:r>
-            <a:endParaRPr lang="en-US"/>
-          </a:p>
-          <a:p>
-            <a:r>
-              <a:rPr lang="en-US"/>
-              <a:t>Telegram</a:t>
-            </a:r>
-          </a:p>
-          <a:p>
-            <a:r>
-              <a:rPr lang="en-US" err="1"/>
-              <a:t>org.telegram.messenger</a:t>
-            </a:r>
-            <a:endParaRPr lang="en-US"/>
-          </a:p>
-          <a:p>
-            <a:r>
-              <a:rPr lang="en-US"/>
-              <a:t>Signal Private Messenger</a:t>
-            </a:r>
-          </a:p>
-          <a:p>
-            <a:r>
-              <a:rPr lang="en-US" err="1"/>
-              <a:t>org.thoughtcrime.securesms</a:t>
-            </a:r>
-            <a:endParaRPr lang="en-US"/>
-          </a:p>
-          <a:p>
-            <a:r>
-              <a:rPr lang="en-US"/>
-              <a:t>Tor Browser: Official, Private, &amp;amp; Secure</a:t>
-            </a:r>
-          </a:p>
-          <a:p>
-            <a:r>
-              <a:rPr lang="en-US" err="1"/>
-              <a:t>org.torproject.torbrowser</a:t>
-            </a:r>
-            <a:endParaRPr lang="en-US"/>
-          </a:p>
-          <a:p>
-            <a:endParaRPr lang="en-US"/>
+              <a:rPr lang="en-GB" dirty="0"/>
+              <a:t>curl --no-progress-meter https://play.google.com/store/apps/details?id=com.twitter.android | grep -Pio 'itemprop="name"&gt;&lt;span&gt;Twitter&lt;/span&gt;’</a:t>
+            </a:r>
+          </a:p>
+          <a:p>
+            <a:r>
+              <a:rPr lang="en-US" dirty="0"/>
+              <a:t>curl --no-progress-meter https://play.google.com/store/apps/details?id=com.twitter.android | grep -Pio 'itemprop="name"&gt;&lt;span&gt;\K.*?(?=&lt;/span&gt;)’</a:t>
+            </a:r>
+          </a:p>
+          <a:p>
+            <a:r>
+              <a:rPr lang="en-US" dirty="0"/>
+              <a:t>echo "START </a:t>
+            </a:r>
+            <a:r>
+              <a:rPr lang="en-US" dirty="0" err="1"/>
+              <a:t>aaa</a:t>
+            </a:r>
+            <a:r>
+              <a:rPr lang="en-US" dirty="0"/>
+              <a:t> END START </a:t>
+            </a:r>
+            <a:r>
+              <a:rPr lang="en-US" dirty="0" err="1"/>
+              <a:t>bbb</a:t>
+            </a:r>
+            <a:r>
+              <a:rPr lang="en-US" dirty="0"/>
+              <a:t> END" | grep -</a:t>
+            </a:r>
+            <a:r>
+              <a:rPr lang="en-US" dirty="0" err="1"/>
+              <a:t>oP</a:t>
+            </a:r>
+            <a:r>
+              <a:rPr lang="en-US" dirty="0"/>
+              <a:t> 'START(.*)END’</a:t>
+            </a:r>
+          </a:p>
+          <a:p>
+            <a:pPr marL="0" marR="0" lvl="0" indent="0" algn="l" defTabSz="914400" rtl="0" eaLnBrk="1" fontAlgn="auto" latinLnBrk="0" hangingPunct="1">
+              <a:lnSpc>
+                <a:spcPct val="100000"/>
+              </a:lnSpc>
+              <a:spcBef>
+                <a:spcPts val="0"/>
+              </a:spcBef>
+              <a:spcAft>
+                <a:spcPts val="0"/>
+              </a:spcAft>
+              <a:buClrTx/>
+              <a:buSzTx/>
+              <a:buFontTx/>
+              <a:buNone/>
+              <a:tabLst/>
+              <a:defRPr/>
+            </a:pPr>
+            <a:r>
+              <a:rPr lang="en-US" dirty="0"/>
+              <a:t>echo "START </a:t>
+            </a:r>
+            <a:r>
+              <a:rPr lang="en-US" dirty="0" err="1"/>
+              <a:t>aaa</a:t>
+            </a:r>
+            <a:r>
+              <a:rPr lang="en-US" dirty="0"/>
+              <a:t> END START </a:t>
+            </a:r>
+            <a:r>
+              <a:rPr lang="en-US" dirty="0" err="1"/>
+              <a:t>bbb</a:t>
+            </a:r>
+            <a:r>
+              <a:rPr lang="en-US" dirty="0"/>
+              <a:t> END" | grep -</a:t>
+            </a:r>
+            <a:r>
+              <a:rPr lang="en-US" dirty="0" err="1"/>
+              <a:t>oP</a:t>
+            </a:r>
+            <a:r>
+              <a:rPr lang="en-US" dirty="0"/>
+              <a:t> 'START(.*?)END'</a:t>
+            </a:r>
+          </a:p>
+          <a:p>
+            <a:endParaRPr lang="en-US" dirty="0"/>
           </a:p>
         </p:txBody>
       </p:sp>
@@ -6750,7 +5979,7 @@
           <a:p>
             <a:fld id="{DDBF98C7-164A-4723-84F0-B1E4B080DDEC}" type="slidenum">
               <a:rPr lang="en-US" smtClean="0"/>
-              <a:t>29</a:t>
+              <a:t>27</a:t>
             </a:fld>
             <a:endParaRPr lang="en-US"/>
           </a:p>
@@ -6759,7 +5988,7 @@
     </p:spTree>
     <p:extLst>
       <p:ext uri="{BB962C8B-B14F-4D97-AF65-F5344CB8AC3E}">
-        <p14:creationId xmlns:p14="http://schemas.microsoft.com/office/powerpoint/2010/main" val="2819531897"/>
+        <p14:creationId xmlns:p14="http://schemas.microsoft.com/office/powerpoint/2010/main" val="40849243"/>
       </p:ext>
     </p:extLst>
   </p:cSld>
@@ -6815,7 +6044,7 @@
           <a:p>
             <a:r>
               <a:rPr lang="en-US"/>
-              <a:t>ls 'Pixel 3/data/data' \                                                           </a:t>
+              <a:t>ls 'Pixel 3/data/data' \</a:t>
             </a:r>
           </a:p>
           <a:p>
@@ -6833,23 +6062,7 @@
           <a:p>
             <a:r>
               <a:rPr lang="en-US"/>
-              <a:t>| grep -Pio '&lt;div </a:t>
-            </a:r>
-            <a:r>
-              <a:rPr lang="en-US" err="1"/>
-              <a:t>jsname</a:t>
-            </a:r>
-            <a:r>
-              <a:rPr lang="en-US"/>
-              <a:t>="</a:t>
-            </a:r>
-            <a:r>
-              <a:rPr lang="en-US" err="1"/>
-              <a:t>sngebd</a:t>
-            </a:r>
-            <a:r>
-              <a:rPr lang="en-US"/>
-              <a:t>"&gt;\K.*?(?=&lt;/div&gt;)'  | grep  -io money\</a:t>
+              <a:t>| grep -Pio 'itemprop="name"&gt;&lt;span&gt;\K.*?(?=&lt;/span&gt;)' \</a:t>
             </a:r>
           </a:p>
           <a:p>
@@ -6859,6 +6072,12 @@
             </a:r>
           </a:p>
           <a:p>
+            <a:r>
+              <a:rPr lang="en-US"/>
+              <a:t>done</a:t>
+            </a:r>
+          </a:p>
+          <a:p>
             <a:endParaRPr lang="en-US"/>
           </a:p>
           <a:p>
@@ -6867,13 +6086,37 @@
           <a:p>
             <a:r>
               <a:rPr lang="en-US"/>
-              <a:t>money</a:t>
-            </a:r>
+              <a:t>Google Chrome: Fast &amp;amp; Secure</a:t>
+            </a:r>
+          </a:p>
+          <a:p>
+            <a:r>
+              <a:rPr lang="en-US" err="1"/>
+              <a:t>com.android.chrome</a:t>
+            </a:r>
+            <a:endParaRPr lang="en-US"/>
           </a:p>
           <a:p>
             <a:r>
               <a:rPr lang="en-US"/>
-              <a:t>money</a:t>
+              <a:t>Discord - Talk, Video Chat &amp;amp; Hang Out with Friends</a:t>
+            </a:r>
+          </a:p>
+          <a:p>
+            <a:r>
+              <a:rPr lang="en-US" err="1"/>
+              <a:t>com.discord</a:t>
+            </a:r>
+            <a:endParaRPr lang="en-US"/>
+          </a:p>
+          <a:p>
+            <a:r>
+              <a:rPr lang="en-US" err="1"/>
+              <a:t>TextNow</a:t>
+            </a:r>
+            <a:r>
+              <a:rPr lang="en-US"/>
+              <a:t>: Free Texting &amp;amp; Calling App</a:t>
             </a:r>
           </a:p>
           <a:p>
@@ -6886,19 +6129,7 @@
           <a:p>
             <a:r>
               <a:rPr lang="en-US"/>
-              <a:t>MONEY</a:t>
-            </a:r>
-          </a:p>
-          <a:p>
-            <a:r>
-              <a:rPr lang="en-US"/>
-              <a:t>money</a:t>
-            </a:r>
-          </a:p>
-          <a:p>
-            <a:r>
-              <a:rPr lang="en-US"/>
-              <a:t>money</a:t>
+              <a:t>Messenger – Text and Video Chat for Free</a:t>
             </a:r>
           </a:p>
           <a:p>
@@ -6911,7 +6142,189 @@
           <a:p>
             <a:r>
               <a:rPr lang="en-US"/>
-              <a:t>money</a:t>
+              <a:t>Google Home</a:t>
+            </a:r>
+          </a:p>
+          <a:p>
+            <a:r>
+              <a:rPr lang="en-US" err="1"/>
+              <a:t>com.google.android.apps.chromecast.app</a:t>
+            </a:r>
+            <a:endParaRPr lang="en-US"/>
+          </a:p>
+          <a:p>
+            <a:r>
+              <a:rPr lang="en-US"/>
+              <a:t>Google Drive</a:t>
+            </a:r>
+          </a:p>
+          <a:p>
+            <a:r>
+              <a:rPr lang="en-US" err="1"/>
+              <a:t>com.google.android.apps.docs</a:t>
+            </a:r>
+            <a:endParaRPr lang="en-US"/>
+          </a:p>
+          <a:p>
+            <a:r>
+              <a:rPr lang="en-US"/>
+              <a:t>Google Docs</a:t>
+            </a:r>
+          </a:p>
+          <a:p>
+            <a:r>
+              <a:rPr lang="en-US" err="1"/>
+              <a:t>com.google.android.apps.docs.editors.docs</a:t>
+            </a:r>
+            <a:endParaRPr lang="en-US"/>
+          </a:p>
+          <a:p>
+            <a:r>
+              <a:rPr lang="en-US"/>
+              <a:t>Google Apps Device Policy</a:t>
+            </a:r>
+          </a:p>
+          <a:p>
+            <a:r>
+              <a:rPr lang="en-US" err="1"/>
+              <a:t>com.google.android.apps.enterprise.dmagent</a:t>
+            </a:r>
+            <a:endParaRPr lang="en-US"/>
+          </a:p>
+          <a:p>
+            <a:r>
+              <a:rPr lang="en-US"/>
+              <a:t>Google Support Services</a:t>
+            </a:r>
+          </a:p>
+          <a:p>
+            <a:r>
+              <a:rPr lang="en-US" err="1"/>
+              <a:t>com.google.android.apps.helprtc</a:t>
+            </a:r>
+            <a:endParaRPr lang="en-US"/>
+          </a:p>
+          <a:p>
+            <a:r>
+              <a:rPr lang="en-US"/>
+              <a:t>Google News - Top world &amp;amp; local news headlines</a:t>
+            </a:r>
+          </a:p>
+          <a:p>
+            <a:r>
+              <a:rPr lang="en-US" err="1"/>
+              <a:t>com.google.android.apps.magazines</a:t>
+            </a:r>
+            <a:endParaRPr lang="en-US"/>
+          </a:p>
+          <a:p>
+            <a:r>
+              <a:rPr lang="en-US"/>
+              <a:t>Google Maps - Navigate &amp;amp; Explore</a:t>
+            </a:r>
+          </a:p>
+          <a:p>
+            <a:r>
+              <a:rPr lang="en-US" err="1"/>
+              <a:t>com.google.android.apps.maps</a:t>
+            </a:r>
+            <a:endParaRPr lang="en-US"/>
+          </a:p>
+          <a:p>
+            <a:r>
+              <a:rPr lang="en-US"/>
+              <a:t>Messages</a:t>
+            </a:r>
+          </a:p>
+          <a:p>
+            <a:r>
+              <a:rPr lang="en-US" err="1"/>
+              <a:t>com.google.android.apps.messaging</a:t>
+            </a:r>
+            <a:endParaRPr lang="en-US"/>
+          </a:p>
+          <a:p>
+            <a:r>
+              <a:rPr lang="en-US"/>
+              <a:t>Pixel Launcher</a:t>
+            </a:r>
+          </a:p>
+          <a:p>
+            <a:r>
+              <a:rPr lang="en-US" err="1"/>
+              <a:t>com.google.android.apps.nexuslauncher</a:t>
+            </a:r>
+            <a:endParaRPr lang="en-US"/>
+          </a:p>
+          <a:p>
+            <a:r>
+              <a:rPr lang="en-US"/>
+              <a:t>Google Photos</a:t>
+            </a:r>
+          </a:p>
+          <a:p>
+            <a:r>
+              <a:rPr lang="en-US" err="1"/>
+              <a:t>com.google.android.apps.photos</a:t>
+            </a:r>
+            <a:endParaRPr lang="en-US"/>
+          </a:p>
+          <a:p>
+            <a:r>
+              <a:rPr lang="en-US"/>
+              <a:t>Data Transfer Tool</a:t>
+            </a:r>
+          </a:p>
+          <a:p>
+            <a:r>
+              <a:rPr lang="en-US" err="1"/>
+              <a:t>com.google.android.apps.pixelmigrate</a:t>
+            </a:r>
+            <a:endParaRPr lang="en-US"/>
+          </a:p>
+          <a:p>
+            <a:r>
+              <a:rPr lang="en-US"/>
+              <a:t>Personal Safety</a:t>
+            </a:r>
+          </a:p>
+          <a:p>
+            <a:r>
+              <a:rPr lang="en-US" err="1"/>
+              <a:t>com.google.android.apps.safetyhub</a:t>
+            </a:r>
+            <a:endParaRPr lang="en-US"/>
+          </a:p>
+          <a:p>
+            <a:r>
+              <a:rPr lang="en-US"/>
+              <a:t>Google Duo - High Quality Video Calls</a:t>
+            </a:r>
+          </a:p>
+          <a:p>
+            <a:r>
+              <a:rPr lang="en-US" err="1"/>
+              <a:t>com.google.android.apps.tachyon</a:t>
+            </a:r>
+            <a:endParaRPr lang="en-US"/>
+          </a:p>
+          <a:p>
+            <a:r>
+              <a:rPr lang="en-US"/>
+              <a:t>Google Fi</a:t>
+            </a:r>
+          </a:p>
+          <a:p>
+            <a:r>
+              <a:rPr lang="en-US" err="1"/>
+              <a:t>com.google.android.apps.tycho</a:t>
+            </a:r>
+            <a:endParaRPr lang="en-US"/>
+          </a:p>
+          <a:p>
+            <a:r>
+              <a:rPr lang="en-US"/>
+              <a:t>Google Pay (old app)</a:t>
             </a:r>
           </a:p>
           <a:p>
@@ -6924,73 +6337,640 @@
           <a:p>
             <a:r>
               <a:rPr lang="en-US"/>
-              <a:t>money</a:t>
-            </a:r>
+              <a:t>Wallpapers</a:t>
+            </a:r>
+          </a:p>
+          <a:p>
+            <a:r>
+              <a:rPr lang="en-US" err="1"/>
+              <a:t>com.google.android.apps.wallpaper</a:t>
+            </a:r>
+            <a:endParaRPr lang="en-US"/>
           </a:p>
           <a:p>
             <a:r>
               <a:rPr lang="en-US"/>
-              <a:t>money</a:t>
-            </a:r>
+              <a:t>Digital Wellbeing</a:t>
+            </a:r>
+          </a:p>
+          <a:p>
+            <a:r>
+              <a:rPr lang="en-US" err="1"/>
+              <a:t>com.google.android.apps.wellbeing</a:t>
+            </a:r>
+            <a:endParaRPr lang="en-US"/>
           </a:p>
           <a:p>
             <a:r>
               <a:rPr lang="en-US"/>
-              <a:t>money</a:t>
-            </a:r>
+              <a:t>YouTube Music - Stream Songs &amp;amp; Music Videos</a:t>
+            </a:r>
+          </a:p>
+          <a:p>
+            <a:r>
+              <a:rPr lang="en-US" err="1"/>
+              <a:t>com.google.android.apps.youtube.music</a:t>
+            </a:r>
+            <a:endParaRPr lang="en-US"/>
           </a:p>
           <a:p>
             <a:r>
               <a:rPr lang="en-US"/>
-              <a:t>money</a:t>
-            </a:r>
+              <a:t>Google Calendar</a:t>
+            </a:r>
+          </a:p>
+          <a:p>
+            <a:r>
+              <a:rPr lang="en-US" err="1"/>
+              <a:t>com.google.android.calendar</a:t>
+            </a:r>
+            <a:endParaRPr lang="en-US"/>
           </a:p>
           <a:p>
             <a:r>
               <a:rPr lang="en-US"/>
-              <a:t>money</a:t>
-            </a:r>
+              <a:t>Contacts</a:t>
+            </a:r>
+          </a:p>
+          <a:p>
+            <a:r>
+              <a:rPr lang="en-US" err="1"/>
+              <a:t>com.google.android.contacts</a:t>
+            </a:r>
+            <a:endParaRPr lang="en-US"/>
           </a:p>
           <a:p>
             <a:r>
               <a:rPr lang="en-US"/>
-              <a:t>money</a:t>
-            </a:r>
+              <a:t>Clock</a:t>
+            </a:r>
+          </a:p>
+          <a:p>
+            <a:r>
+              <a:rPr lang="en-US" err="1"/>
+              <a:t>com.google.android.deskclock</a:t>
+            </a:r>
+            <a:endParaRPr lang="en-US"/>
           </a:p>
           <a:p>
             <a:r>
               <a:rPr lang="en-US"/>
-              <a:t>money</a:t>
-            </a:r>
+              <a:t>Phone by Google - Caller ID &amp;amp; Spam Protection</a:t>
+            </a:r>
+          </a:p>
+          <a:p>
+            <a:r>
+              <a:rPr lang="en-US" err="1"/>
+              <a:t>com.google.android.dialer</a:t>
+            </a:r>
+            <a:endParaRPr lang="en-US"/>
           </a:p>
           <a:p>
             <a:r>
               <a:rPr lang="en-US"/>
-              <a:t>money</a:t>
+              <a:t>Gmail</a:t>
             </a:r>
           </a:p>
           <a:p>
             <a:r>
               <a:rPr lang="en-US"/>
-              <a:t>Money</a:t>
+              <a:t>com.google.android.gm</a:t>
             </a:r>
           </a:p>
           <a:p>
             <a:r>
               <a:rPr lang="en-US"/>
-              <a:t>Money</a:t>
-            </a:r>
+              <a:t>Google Play services</a:t>
+            </a:r>
+          </a:p>
+          <a:p>
+            <a:r>
+              <a:rPr lang="en-US" err="1"/>
+              <a:t>com.google.android.gms</a:t>
+            </a:r>
+            <a:endParaRPr lang="en-US"/>
           </a:p>
           <a:p>
             <a:r>
               <a:rPr lang="en-US"/>
-              <a:t>money</a:t>
+              <a:t>Google Camera</a:t>
+            </a:r>
+          </a:p>
+          <a:p>
+            <a:r>
+              <a:rPr lang="en-US" err="1"/>
+              <a:t>com.google.android.GoogleCamera</a:t>
+            </a:r>
+            <a:endParaRPr lang="en-US"/>
+          </a:p>
+          <a:p>
+            <a:r>
+              <a:rPr lang="en-US"/>
+              <a:t>Google</a:t>
+            </a:r>
+          </a:p>
+          <a:p>
+            <a:r>
+              <a:rPr lang="en-US" err="1"/>
+              <a:t>com.google.android.googlequicksearchbox</a:t>
+            </a:r>
+            <a:endParaRPr lang="en-US"/>
+          </a:p>
+          <a:p>
+            <a:r>
+              <a:rPr lang="en-US"/>
+              <a:t>Carrier Services</a:t>
+            </a:r>
+          </a:p>
+          <a:p>
+            <a:r>
+              <a:rPr lang="en-US" err="1"/>
+              <a:t>com.google.android.ims</a:t>
+            </a:r>
+            <a:endParaRPr lang="en-US"/>
+          </a:p>
+          <a:p>
+            <a:r>
+              <a:rPr lang="en-US" err="1"/>
+              <a:t>Gboard</a:t>
+            </a:r>
+            <a:r>
+              <a:rPr lang="en-US"/>
+              <a:t> - the Google Keyboard</a:t>
+            </a:r>
+          </a:p>
+          <a:p>
+            <a:r>
+              <a:rPr lang="en-US" err="1"/>
+              <a:t>com.google.android.inputmethod.latin</a:t>
+            </a:r>
+            <a:endParaRPr lang="en-US"/>
+          </a:p>
+          <a:p>
+            <a:r>
+              <a:rPr lang="en-US"/>
+              <a:t>Google Keep - Notes and Lists</a:t>
+            </a:r>
+          </a:p>
+          <a:p>
+            <a:r>
+              <a:rPr lang="en-US" err="1"/>
+              <a:t>com.google.android.keep</a:t>
+            </a:r>
+            <a:endParaRPr lang="en-US"/>
+          </a:p>
+          <a:p>
+            <a:r>
+              <a:rPr lang="en-US"/>
+              <a:t>Google Play Music</a:t>
+            </a:r>
+          </a:p>
+          <a:p>
+            <a:r>
+              <a:rPr lang="en-US" err="1"/>
+              <a:t>com.google.android.music</a:t>
+            </a:r>
+            <a:endParaRPr lang="en-US"/>
+          </a:p>
+          <a:p>
+            <a:r>
+              <a:rPr lang="en-US"/>
+              <a:t>Android Auto - Google Maps, Media &amp;amp; Messaging</a:t>
+            </a:r>
+          </a:p>
+          <a:p>
+            <a:r>
+              <a:rPr lang="en-US" err="1"/>
+              <a:t>com.google.android.projection.gearhead</a:t>
+            </a:r>
+            <a:endParaRPr lang="en-US"/>
+          </a:p>
+          <a:p>
+            <a:r>
+              <a:rPr lang="en-US"/>
+              <a:t>Google Text-to-Speech</a:t>
+            </a:r>
+          </a:p>
+          <a:p>
+            <a:r>
+              <a:rPr lang="en-US" err="1"/>
+              <a:t>com.google.android.tts</a:t>
+            </a:r>
+            <a:endParaRPr lang="en-US"/>
+          </a:p>
+          <a:p>
+            <a:r>
+              <a:rPr lang="en-US"/>
+              <a:t>Google TV (previously Play Movies &amp;amp; TV)</a:t>
+            </a:r>
+          </a:p>
+          <a:p>
+            <a:r>
+              <a:rPr lang="en-US" err="1"/>
+              <a:t>com.google.android.videos</a:t>
+            </a:r>
+            <a:endParaRPr lang="en-US"/>
+          </a:p>
+          <a:p>
+            <a:r>
+              <a:rPr lang="en-US"/>
+              <a:t>Android System WebView</a:t>
+            </a:r>
+          </a:p>
+          <a:p>
+            <a:r>
+              <a:rPr lang="en-US" err="1"/>
+              <a:t>com.google.android.webview</a:t>
+            </a:r>
+            <a:endParaRPr lang="en-US"/>
+          </a:p>
+          <a:p>
+            <a:r>
+              <a:rPr lang="en-US"/>
+              <a:t>YouTube</a:t>
+            </a:r>
+          </a:p>
+          <a:p>
+            <a:r>
+              <a:rPr lang="en-US" err="1"/>
+              <a:t>com.google.android.youtube</a:t>
+            </a:r>
+            <a:endParaRPr lang="en-US"/>
+          </a:p>
+          <a:p>
+            <a:r>
+              <a:rPr lang="en-US"/>
+              <a:t>Google Play Services for AR</a:t>
+            </a:r>
+          </a:p>
+          <a:p>
+            <a:r>
+              <a:rPr lang="en-US" err="1"/>
+              <a:t>com.google.ar.core</a:t>
+            </a:r>
+            <a:endParaRPr lang="en-US"/>
+          </a:p>
+          <a:p>
+            <a:r>
+              <a:rPr lang="en-US"/>
+              <a:t>Pixel Ambient Services</a:t>
+            </a:r>
+          </a:p>
+          <a:p>
+            <a:r>
+              <a:rPr lang="en-US" err="1"/>
+              <a:t>com.google.intelligence.sense</a:t>
+            </a:r>
+            <a:endParaRPr lang="en-US"/>
+          </a:p>
+          <a:p>
+            <a:r>
+              <a:rPr lang="en-US"/>
+              <a:t>Playground (was AR Stickers)</a:t>
+            </a:r>
+          </a:p>
+          <a:p>
+            <a:r>
+              <a:rPr lang="en-US" err="1"/>
+              <a:t>com.google.vr.apps.ornament</a:t>
+            </a:r>
+            <a:endParaRPr lang="en-US"/>
+          </a:p>
+          <a:p>
+            <a:r>
+              <a:rPr lang="en-US"/>
+              <a:t>Google VR Services</a:t>
+            </a:r>
+          </a:p>
+          <a:p>
+            <a:r>
+              <a:rPr lang="en-US" err="1"/>
+              <a:t>com.google.vr.vrcore</a:t>
+            </a:r>
+            <a:endParaRPr lang="en-US"/>
+          </a:p>
+          <a:p>
+            <a:r>
+              <a:rPr lang="en-US" err="1"/>
+              <a:t>Imgur</a:t>
+            </a:r>
+            <a:r>
+              <a:rPr lang="en-US"/>
+              <a:t>: Find funny GIFs, memes &amp;amp; watch viral videos</a:t>
+            </a:r>
+          </a:p>
+          <a:p>
+            <a:r>
+              <a:rPr lang="en-US" err="1"/>
+              <a:t>com.imgur.mobile</a:t>
+            </a:r>
+            <a:endParaRPr lang="en-US"/>
+          </a:p>
+          <a:p>
+            <a:r>
+              <a:rPr lang="en-US" err="1"/>
+              <a:t>imo</a:t>
+            </a:r>
+            <a:r>
+              <a:rPr lang="en-US"/>
+              <a:t> free HD video calls and chat</a:t>
+            </a:r>
+          </a:p>
+          <a:p>
+            <a:r>
+              <a:rPr lang="en-US" err="1"/>
+              <a:t>com.imo.android.imous</a:t>
+            </a:r>
+            <a:endParaRPr lang="en-US"/>
+          </a:p>
+          <a:p>
+            <a:r>
+              <a:rPr lang="en-US"/>
+              <a:t>Instagram</a:t>
+            </a:r>
+          </a:p>
+          <a:p>
+            <a:r>
+              <a:rPr lang="en-US" err="1"/>
+              <a:t>com.instagram.android</a:t>
+            </a:r>
+            <a:endParaRPr lang="en-US"/>
+          </a:p>
+          <a:p>
+            <a:r>
+              <a:rPr lang="en-US"/>
+              <a:t>Threads from Instagram</a:t>
+            </a:r>
+          </a:p>
+          <a:p>
+            <a:r>
+              <a:rPr lang="en-US" err="1"/>
+              <a:t>com.instagram.threadsapp</a:t>
+            </a:r>
+            <a:endParaRPr lang="en-US"/>
+          </a:p>
+          <a:p>
+            <a:r>
+              <a:rPr lang="en-US" err="1"/>
+              <a:t>MeWe</a:t>
+            </a:r>
+            <a:endParaRPr lang="en-US"/>
+          </a:p>
+          <a:p>
+            <a:r>
+              <a:rPr lang="en-US" err="1"/>
+              <a:t>com.mewe</a:t>
+            </a:r>
+            <a:endParaRPr lang="en-US"/>
+          </a:p>
+          <a:p>
+            <a:r>
+              <a:rPr lang="en-US" err="1"/>
+              <a:t>Wickr</a:t>
+            </a:r>
+            <a:r>
+              <a:rPr lang="en-US"/>
+              <a:t> Me – Private Messenger</a:t>
+            </a:r>
+          </a:p>
+          <a:p>
+            <a:r>
+              <a:rPr lang="en-US"/>
+              <a:t>com.mywickr.wickr2</a:t>
+            </a:r>
+          </a:p>
+          <a:p>
+            <a:r>
+              <a:rPr lang="en-US"/>
+              <a:t>Dust - a safer place to text</a:t>
+            </a:r>
+          </a:p>
+          <a:p>
+            <a:r>
+              <a:rPr lang="en-US" err="1"/>
+              <a:t>com.radicalapps.cyberdust</a:t>
+            </a:r>
+            <a:endParaRPr lang="en-US"/>
+          </a:p>
+          <a:p>
+            <a:r>
+              <a:rPr lang="en-US"/>
+              <a:t>Silent Phone - Secure Calling &amp;amp; Messaging</a:t>
+            </a:r>
+          </a:p>
+          <a:p>
+            <a:r>
+              <a:rPr lang="en-US" err="1"/>
+              <a:t>com.silentcircle.silentphone</a:t>
+            </a:r>
+            <a:endParaRPr lang="en-US"/>
+          </a:p>
+          <a:p>
+            <a:r>
+              <a:rPr lang="en-US"/>
+              <a:t>SKOUT - Meet, Chat, Go Live</a:t>
+            </a:r>
+          </a:p>
+          <a:p>
+            <a:r>
+              <a:rPr lang="en-US" err="1"/>
+              <a:t>com.skout.android</a:t>
+            </a:r>
+            <a:endParaRPr lang="en-US"/>
+          </a:p>
+          <a:p>
+            <a:r>
+              <a:rPr lang="en-US"/>
+              <a:t>Skype - free IM &amp;amp; video calls</a:t>
+            </a:r>
+          </a:p>
+          <a:p>
+            <a:r>
+              <a:rPr lang="en-US" err="1"/>
+              <a:t>com.skype.raider</a:t>
+            </a:r>
+            <a:endParaRPr lang="en-US"/>
+          </a:p>
+          <a:p>
+            <a:r>
+              <a:rPr lang="en-US"/>
+              <a:t>Snapchat</a:t>
+            </a:r>
+          </a:p>
+          <a:p>
+            <a:r>
+              <a:rPr lang="en-US" err="1"/>
+              <a:t>com.snapchat.android</a:t>
+            </a:r>
+            <a:endParaRPr lang="en-US"/>
+          </a:p>
+          <a:p>
+            <a:r>
+              <a:rPr lang="en-US"/>
+              <a:t>Spotify: Listen to podcasts &amp;amp; find music you love</a:t>
+            </a:r>
+          </a:p>
+          <a:p>
+            <a:r>
+              <a:rPr lang="en-US" err="1"/>
+              <a:t>com.spotify.music</a:t>
+            </a:r>
+            <a:endParaRPr lang="en-US"/>
+          </a:p>
+          <a:p>
+            <a:r>
+              <a:rPr lang="en-US"/>
+              <a:t>Gallery Vault - Hide Pictures And Videos</a:t>
+            </a:r>
+          </a:p>
+          <a:p>
+            <a:r>
+              <a:rPr lang="en-US" err="1"/>
+              <a:t>com.thinkyeah.galleryvault</a:t>
+            </a:r>
+            <a:endParaRPr lang="en-US"/>
+          </a:p>
+          <a:p>
+            <a:r>
+              <a:rPr lang="en-US"/>
+              <a:t>Twitter</a:t>
+            </a:r>
+          </a:p>
+          <a:p>
+            <a:r>
+              <a:rPr lang="en-US" err="1"/>
+              <a:t>com.twitter.android</a:t>
+            </a:r>
+            <a:endParaRPr lang="en-US"/>
+          </a:p>
+          <a:p>
+            <a:r>
+              <a:rPr lang="en-US"/>
+              <a:t>Venmo</a:t>
             </a:r>
           </a:p>
           <a:p>
             <a:r>
               <a:rPr lang="en-US" err="1"/>
               <a:t>com.venmo</a:t>
+            </a:r>
+            <a:endParaRPr lang="en-US"/>
+          </a:p>
+          <a:p>
+            <a:r>
+              <a:rPr lang="en-US"/>
+              <a:t>Viber Messenger - Free Video Calls &amp;amp; Group Chats</a:t>
+            </a:r>
+          </a:p>
+          <a:p>
+            <a:r>
+              <a:rPr lang="en-US" err="1"/>
+              <a:t>com.viber.voip</a:t>
+            </a:r>
+            <a:endParaRPr lang="en-US"/>
+          </a:p>
+          <a:p>
+            <a:r>
+              <a:rPr lang="en-US"/>
+              <a:t>WhatsApp Messenger</a:t>
+            </a:r>
+          </a:p>
+          <a:p>
+            <a:r>
+              <a:rPr lang="en-US" err="1"/>
+              <a:t>com.whatsapp</a:t>
+            </a:r>
+            <a:endParaRPr lang="en-US"/>
+          </a:p>
+          <a:p>
+            <a:r>
+              <a:rPr lang="en-US"/>
+              <a:t>Wire • Secure Messenger</a:t>
+            </a:r>
+          </a:p>
+          <a:p>
+            <a:r>
+              <a:rPr lang="en-US" err="1"/>
+              <a:t>com.wire</a:t>
+            </a:r>
+            <a:endParaRPr lang="en-US"/>
+          </a:p>
+          <a:p>
+            <a:r>
+              <a:rPr lang="en-US" err="1"/>
+              <a:t>TikTok</a:t>
+            </a:r>
+            <a:endParaRPr lang="en-US"/>
+          </a:p>
+          <a:p>
+            <a:r>
+              <a:rPr lang="en-US" err="1"/>
+              <a:t>com.zhiliaoapp.musically</a:t>
+            </a:r>
+            <a:endParaRPr lang="en-US"/>
+          </a:p>
+          <a:p>
+            <a:r>
+              <a:rPr lang="en-US"/>
+              <a:t>LINE: Free Calls &amp;amp; Messages</a:t>
+            </a:r>
+          </a:p>
+          <a:p>
+            <a:r>
+              <a:rPr lang="en-US" err="1"/>
+              <a:t>jp.naver.line.android</a:t>
+            </a:r>
+            <a:endParaRPr lang="en-US"/>
+          </a:p>
+          <a:p>
+            <a:r>
+              <a:rPr lang="en-US"/>
+              <a:t>Kik</a:t>
+            </a:r>
+          </a:p>
+          <a:p>
+            <a:r>
+              <a:rPr lang="en-US" err="1"/>
+              <a:t>kik.android</a:t>
+            </a:r>
+            <a:endParaRPr lang="en-US"/>
+          </a:p>
+          <a:p>
+            <a:r>
+              <a:rPr lang="en-US"/>
+              <a:t>Telegram</a:t>
+            </a:r>
+          </a:p>
+          <a:p>
+            <a:r>
+              <a:rPr lang="en-US" err="1"/>
+              <a:t>org.telegram.messenger</a:t>
+            </a:r>
+            <a:endParaRPr lang="en-US"/>
+          </a:p>
+          <a:p>
+            <a:r>
+              <a:rPr lang="en-US"/>
+              <a:t>Signal Private Messenger</a:t>
+            </a:r>
+          </a:p>
+          <a:p>
+            <a:r>
+              <a:rPr lang="en-US" err="1"/>
+              <a:t>org.thoughtcrime.securesms</a:t>
+            </a:r>
+            <a:endParaRPr lang="en-US"/>
+          </a:p>
+          <a:p>
+            <a:r>
+              <a:rPr lang="en-US"/>
+              <a:t>Tor Browser: Official, Private, &amp;amp; Secure</a:t>
+            </a:r>
+          </a:p>
+          <a:p>
+            <a:r>
+              <a:rPr lang="en-US" err="1"/>
+              <a:t>org.torproject.torbrowser</a:t>
             </a:r>
             <a:endParaRPr lang="en-US"/>
           </a:p>
@@ -7025,7 +7005,7 @@
     </p:spTree>
     <p:extLst>
       <p:ext uri="{BB962C8B-B14F-4D97-AF65-F5344CB8AC3E}">
-        <p14:creationId xmlns:p14="http://schemas.microsoft.com/office/powerpoint/2010/main" val="1414179321"/>
+        <p14:creationId xmlns:p14="http://schemas.microsoft.com/office/powerpoint/2010/main" val="2819531897"/>
       </p:ext>
     </p:extLst>
   </p:cSld>
@@ -7079,2470 +7059,189 @@
           <a:bodyPr/>
           <a:lstStyle/>
           <a:p>
-            <a:pPr>
-              <a:lnSpc>
-                <a:spcPts val="1425"/>
-              </a:lnSpc>
-            </a:pPr>
-            <a:r>
-              <a:rPr lang="en-US" b="0" dirty="0">
-                <a:solidFill>
-                  <a:srgbClr val="CE9178"/>
-                </a:solidFill>
-                <a:effectLst/>
-                <a:latin typeface="Consolas" panose="020B0609020204030204" pitchFamily="49" charset="0"/>
-              </a:rPr>
-              <a:t>"""</a:t>
-            </a:r>
-            <a:endParaRPr lang="en-US" b="0" dirty="0">
-              <a:solidFill>
-                <a:srgbClr val="CCCCCC"/>
-              </a:solidFill>
-              <a:effectLst/>
-              <a:latin typeface="Consolas" panose="020B0609020204030204" pitchFamily="49" charset="0"/>
-            </a:endParaRPr>
-          </a:p>
-          <a:p>
-            <a:pPr>
-              <a:lnSpc>
-                <a:spcPts val="1425"/>
-              </a:lnSpc>
-            </a:pPr>
-            <a:r>
-              <a:rPr lang="en-US" b="0" dirty="0">
-                <a:solidFill>
-                  <a:srgbClr val="CE9178"/>
-                </a:solidFill>
-                <a:effectLst/>
-                <a:latin typeface="Consolas" panose="020B0609020204030204" pitchFamily="49" charset="0"/>
-              </a:rPr>
-              <a:t>Explanation of the Code</a:t>
-            </a:r>
-            <a:endParaRPr lang="en-US" b="0" dirty="0">
-              <a:solidFill>
-                <a:srgbClr val="CCCCCC"/>
-              </a:solidFill>
-              <a:effectLst/>
-              <a:latin typeface="Consolas" panose="020B0609020204030204" pitchFamily="49" charset="0"/>
-            </a:endParaRPr>
-          </a:p>
-          <a:p>
-            <a:pPr>
-              <a:lnSpc>
-                <a:spcPts val="1425"/>
-              </a:lnSpc>
-            </a:pPr>
-            <a:r>
-              <a:rPr lang="en-US" b="0" dirty="0">
-                <a:solidFill>
-                  <a:srgbClr val="CE9178"/>
-                </a:solidFill>
-                <a:effectLst/>
-                <a:latin typeface="Consolas" panose="020B0609020204030204" pitchFamily="49" charset="0"/>
-              </a:rPr>
-              <a:t>Listing Package IDs :</a:t>
-            </a:r>
-            <a:endParaRPr lang="en-US" b="0" dirty="0">
-              <a:solidFill>
-                <a:srgbClr val="CCCCCC"/>
-              </a:solidFill>
-              <a:effectLst/>
-              <a:latin typeface="Consolas" panose="020B0609020204030204" pitchFamily="49" charset="0"/>
-            </a:endParaRPr>
-          </a:p>
-          <a:p>
-            <a:pPr>
-              <a:lnSpc>
-                <a:spcPts val="1425"/>
-              </a:lnSpc>
-            </a:pPr>
-            <a:r>
-              <a:rPr lang="en-US" b="0" dirty="0">
-                <a:solidFill>
-                  <a:srgbClr val="CE9178"/>
-                </a:solidFill>
-                <a:effectLst/>
-                <a:latin typeface="Consolas" panose="020B0609020204030204" pitchFamily="49" charset="0"/>
-              </a:rPr>
-              <a:t>- The script uses </a:t>
-            </a:r>
-            <a:r>
-              <a:rPr lang="en-US" b="0" dirty="0" err="1">
-                <a:solidFill>
-                  <a:srgbClr val="CE9178"/>
-                </a:solidFill>
-                <a:effectLst/>
-                <a:latin typeface="Consolas" panose="020B0609020204030204" pitchFamily="49" charset="0"/>
-              </a:rPr>
-              <a:t>os.listdir</a:t>
-            </a:r>
-            <a:r>
-              <a:rPr lang="en-US" b="0" dirty="0">
-                <a:solidFill>
-                  <a:srgbClr val="CE9178"/>
-                </a:solidFill>
-                <a:effectLst/>
-                <a:latin typeface="Consolas" panose="020B0609020204030204" pitchFamily="49" charset="0"/>
-              </a:rPr>
-              <a:t>() to list all directories in the Pixel 3/data/data folder. Each directory corresponds to an installed app's package ID.</a:t>
-            </a:r>
-            <a:endParaRPr lang="en-US" b="0" dirty="0">
-              <a:solidFill>
-                <a:srgbClr val="CCCCCC"/>
-              </a:solidFill>
-              <a:effectLst/>
-              <a:latin typeface="Consolas" panose="020B0609020204030204" pitchFamily="49" charset="0"/>
-            </a:endParaRPr>
-          </a:p>
-          <a:p>
-            <a:pPr>
-              <a:lnSpc>
-                <a:spcPts val="1425"/>
-              </a:lnSpc>
-            </a:pPr>
-            <a:r>
-              <a:rPr lang="en-US" b="0" dirty="0">
-                <a:solidFill>
-                  <a:srgbClr val="CE9178"/>
-                </a:solidFill>
-                <a:effectLst/>
-                <a:latin typeface="Consolas" panose="020B0609020204030204" pitchFamily="49" charset="0"/>
-              </a:rPr>
-              <a:t>Fetching App Details :</a:t>
-            </a:r>
-            <a:endParaRPr lang="en-US" b="0" dirty="0">
-              <a:solidFill>
-                <a:srgbClr val="CCCCCC"/>
-              </a:solidFill>
-              <a:effectLst/>
-              <a:latin typeface="Consolas" panose="020B0609020204030204" pitchFamily="49" charset="0"/>
-            </a:endParaRPr>
-          </a:p>
-          <a:p>
-            <a:pPr>
-              <a:lnSpc>
-                <a:spcPts val="1425"/>
-              </a:lnSpc>
-            </a:pPr>
-            <a:r>
-              <a:rPr lang="en-US" b="0" dirty="0">
-                <a:solidFill>
-                  <a:srgbClr val="CE9178"/>
-                </a:solidFill>
-                <a:effectLst/>
-                <a:latin typeface="Consolas" panose="020B0609020204030204" pitchFamily="49" charset="0"/>
-              </a:rPr>
-              <a:t>- For each package ID, the script constructs the Google Play Store URL (https://play.google.com/store/apps/details?id=&lt;package&gt;).</a:t>
-            </a:r>
-            <a:endParaRPr lang="en-US" b="0" dirty="0">
-              <a:solidFill>
-                <a:srgbClr val="CCCCCC"/>
-              </a:solidFill>
-              <a:effectLst/>
-              <a:latin typeface="Consolas" panose="020B0609020204030204" pitchFamily="49" charset="0"/>
-            </a:endParaRPr>
-          </a:p>
-          <a:p>
-            <a:pPr>
-              <a:lnSpc>
-                <a:spcPts val="1425"/>
-              </a:lnSpc>
-            </a:pPr>
-            <a:r>
-              <a:rPr lang="en-US" b="0" dirty="0">
-                <a:solidFill>
-                  <a:srgbClr val="CE9178"/>
-                </a:solidFill>
-                <a:effectLst/>
-                <a:latin typeface="Consolas" panose="020B0609020204030204" pitchFamily="49" charset="0"/>
-              </a:rPr>
-              <a:t>- It uses the requests library to fetch the HTML content of the app's details page.</a:t>
-            </a:r>
-            <a:endParaRPr lang="en-US" b="0" dirty="0">
-              <a:solidFill>
-                <a:srgbClr val="CCCCCC"/>
-              </a:solidFill>
-              <a:effectLst/>
-              <a:latin typeface="Consolas" panose="020B0609020204030204" pitchFamily="49" charset="0"/>
-            </a:endParaRPr>
-          </a:p>
-          <a:p>
-            <a:pPr>
-              <a:lnSpc>
-                <a:spcPts val="1425"/>
-              </a:lnSpc>
-            </a:pPr>
-            <a:r>
-              <a:rPr lang="en-US" b="0" dirty="0">
-                <a:solidFill>
-                  <a:srgbClr val="CE9178"/>
-                </a:solidFill>
-                <a:effectLst/>
-                <a:latin typeface="Consolas" panose="020B0609020204030204" pitchFamily="49" charset="0"/>
-              </a:rPr>
-              <a:t>Parsing the HTML :</a:t>
-            </a:r>
-            <a:endParaRPr lang="en-US" b="0" dirty="0">
-              <a:solidFill>
-                <a:srgbClr val="CCCCCC"/>
-              </a:solidFill>
-              <a:effectLst/>
-              <a:latin typeface="Consolas" panose="020B0609020204030204" pitchFamily="49" charset="0"/>
-            </a:endParaRPr>
-          </a:p>
-          <a:p>
-            <a:pPr>
-              <a:lnSpc>
-                <a:spcPts val="1425"/>
-              </a:lnSpc>
-            </a:pPr>
-            <a:r>
-              <a:rPr lang="en-US" b="0" dirty="0">
-                <a:solidFill>
-                  <a:srgbClr val="CE9178"/>
-                </a:solidFill>
-                <a:effectLst/>
-                <a:latin typeface="Consolas" panose="020B0609020204030204" pitchFamily="49" charset="0"/>
-              </a:rPr>
-              <a:t>- The script uses </a:t>
-            </a:r>
-            <a:r>
-              <a:rPr lang="en-US" b="0" dirty="0" err="1">
-                <a:solidFill>
-                  <a:srgbClr val="CE9178"/>
-                </a:solidFill>
-                <a:effectLst/>
-                <a:latin typeface="Consolas" panose="020B0609020204030204" pitchFamily="49" charset="0"/>
-              </a:rPr>
-              <a:t>BeautifulSoup</a:t>
-            </a:r>
-            <a:r>
-              <a:rPr lang="en-US" b="0" dirty="0">
-                <a:solidFill>
-                  <a:srgbClr val="CE9178"/>
-                </a:solidFill>
-                <a:effectLst/>
-                <a:latin typeface="Consolas" panose="020B0609020204030204" pitchFamily="49" charset="0"/>
-              </a:rPr>
-              <a:t> from the bs4 module to parse the HTML response.</a:t>
-            </a:r>
-            <a:endParaRPr lang="en-US" b="0" dirty="0">
-              <a:solidFill>
-                <a:srgbClr val="CCCCCC"/>
-              </a:solidFill>
-              <a:effectLst/>
-              <a:latin typeface="Consolas" panose="020B0609020204030204" pitchFamily="49" charset="0"/>
-            </a:endParaRPr>
-          </a:p>
-          <a:p>
-            <a:pPr>
-              <a:lnSpc>
-                <a:spcPts val="1425"/>
-              </a:lnSpc>
-            </a:pPr>
-            <a:r>
-              <a:rPr lang="en-US" b="0" dirty="0">
-                <a:solidFill>
-                  <a:srgbClr val="CE9178"/>
-                </a:solidFill>
-                <a:effectLst/>
-                <a:latin typeface="Consolas" panose="020B0609020204030204" pitchFamily="49" charset="0"/>
-              </a:rPr>
-              <a:t>- It looks for the &lt;h1&gt; tag with the attribute itemprop="name" to extract the app name.</a:t>
-            </a:r>
-            <a:endParaRPr lang="en-US" b="0" dirty="0">
-              <a:solidFill>
-                <a:srgbClr val="CCCCCC"/>
-              </a:solidFill>
-              <a:effectLst/>
-              <a:latin typeface="Consolas" panose="020B0609020204030204" pitchFamily="49" charset="0"/>
-            </a:endParaRPr>
-          </a:p>
-          <a:p>
-            <a:pPr>
-              <a:lnSpc>
-                <a:spcPts val="1425"/>
-              </a:lnSpc>
-            </a:pPr>
-            <a:r>
-              <a:rPr lang="en-US" b="0" dirty="0">
-                <a:solidFill>
-                  <a:srgbClr val="CE9178"/>
-                </a:solidFill>
-                <a:effectLst/>
-                <a:latin typeface="Consolas" panose="020B0609020204030204" pitchFamily="49" charset="0"/>
-              </a:rPr>
-              <a:t>Output :</a:t>
-            </a:r>
-            <a:endParaRPr lang="en-US" b="0" dirty="0">
-              <a:solidFill>
-                <a:srgbClr val="CCCCCC"/>
-              </a:solidFill>
-              <a:effectLst/>
-              <a:latin typeface="Consolas" panose="020B0609020204030204" pitchFamily="49" charset="0"/>
-            </a:endParaRPr>
-          </a:p>
-          <a:p>
-            <a:pPr>
-              <a:lnSpc>
-                <a:spcPts val="1425"/>
-              </a:lnSpc>
-            </a:pPr>
-            <a:r>
-              <a:rPr lang="en-US" b="0" dirty="0">
-                <a:solidFill>
-                  <a:srgbClr val="CE9178"/>
-                </a:solidFill>
-                <a:effectLst/>
-                <a:latin typeface="Consolas" panose="020B0609020204030204" pitchFamily="49" charset="0"/>
-              </a:rPr>
-              <a:t>- The script prints the app name and its corresponding package ID.</a:t>
-            </a:r>
-            <a:endParaRPr lang="en-US" b="0" dirty="0">
-              <a:solidFill>
-                <a:srgbClr val="CCCCCC"/>
-              </a:solidFill>
-              <a:effectLst/>
-              <a:latin typeface="Consolas" panose="020B0609020204030204" pitchFamily="49" charset="0"/>
-            </a:endParaRPr>
-          </a:p>
-          <a:p>
-            <a:pPr>
-              <a:lnSpc>
-                <a:spcPts val="1425"/>
-              </a:lnSpc>
-            </a:pPr>
-            <a:r>
-              <a:rPr lang="en-US" b="0" dirty="0">
-                <a:solidFill>
-                  <a:srgbClr val="CE9178"/>
-                </a:solidFill>
-                <a:effectLst/>
-                <a:latin typeface="Consolas" panose="020B0609020204030204" pitchFamily="49" charset="0"/>
-              </a:rPr>
-              <a:t>"""</a:t>
-            </a:r>
-            <a:endParaRPr lang="en-US" b="0" dirty="0">
-              <a:solidFill>
-                <a:srgbClr val="CCCCCC"/>
-              </a:solidFill>
-              <a:effectLst/>
-              <a:latin typeface="Consolas" panose="020B0609020204030204" pitchFamily="49" charset="0"/>
-            </a:endParaRPr>
-          </a:p>
-          <a:p>
-            <a:pPr>
-              <a:lnSpc>
-                <a:spcPts val="1425"/>
-              </a:lnSpc>
-            </a:pPr>
-            <a:r>
-              <a:rPr lang="en-US" b="0" dirty="0">
-                <a:solidFill>
-                  <a:srgbClr val="C586C0"/>
-                </a:solidFill>
-                <a:effectLst/>
-                <a:latin typeface="Consolas" panose="020B0609020204030204" pitchFamily="49" charset="0"/>
-              </a:rPr>
-              <a:t>import</a:t>
-            </a:r>
-            <a:r>
-              <a:rPr lang="en-US" b="0" dirty="0">
-                <a:solidFill>
-                  <a:srgbClr val="CCCCCC"/>
-                </a:solidFill>
-                <a:effectLst/>
-                <a:latin typeface="Consolas" panose="020B0609020204030204" pitchFamily="49" charset="0"/>
-              </a:rPr>
-              <a:t> </a:t>
-            </a:r>
-            <a:r>
-              <a:rPr lang="en-US" b="0" dirty="0" err="1">
-                <a:solidFill>
-                  <a:srgbClr val="4EC9B0"/>
-                </a:solidFill>
-                <a:effectLst/>
-                <a:latin typeface="Consolas" panose="020B0609020204030204" pitchFamily="49" charset="0"/>
-              </a:rPr>
-              <a:t>os</a:t>
-            </a:r>
-            <a:endParaRPr lang="en-US" b="0" dirty="0">
-              <a:solidFill>
-                <a:srgbClr val="CCCCCC"/>
-              </a:solidFill>
-              <a:effectLst/>
-              <a:latin typeface="Consolas" panose="020B0609020204030204" pitchFamily="49" charset="0"/>
-            </a:endParaRPr>
-          </a:p>
-          <a:p>
-            <a:pPr>
-              <a:lnSpc>
-                <a:spcPts val="1425"/>
-              </a:lnSpc>
-            </a:pPr>
-            <a:r>
-              <a:rPr lang="en-US" b="0" dirty="0">
-                <a:solidFill>
-                  <a:srgbClr val="C586C0"/>
-                </a:solidFill>
-                <a:effectLst/>
-                <a:latin typeface="Consolas" panose="020B0609020204030204" pitchFamily="49" charset="0"/>
-              </a:rPr>
-              <a:t>import</a:t>
-            </a:r>
-            <a:r>
-              <a:rPr lang="en-US" b="0" dirty="0">
-                <a:solidFill>
-                  <a:srgbClr val="CCCCCC"/>
-                </a:solidFill>
-                <a:effectLst/>
-                <a:latin typeface="Consolas" panose="020B0609020204030204" pitchFamily="49" charset="0"/>
-              </a:rPr>
-              <a:t> </a:t>
-            </a:r>
-            <a:r>
-              <a:rPr lang="en-US" b="0" dirty="0">
-                <a:solidFill>
-                  <a:srgbClr val="4EC9B0"/>
-                </a:solidFill>
-                <a:effectLst/>
-                <a:latin typeface="Consolas" panose="020B0609020204030204" pitchFamily="49" charset="0"/>
-              </a:rPr>
-              <a:t>requests</a:t>
-            </a:r>
-            <a:endParaRPr lang="en-US" b="0" dirty="0">
-              <a:solidFill>
-                <a:srgbClr val="CCCCCC"/>
-              </a:solidFill>
-              <a:effectLst/>
-              <a:latin typeface="Consolas" panose="020B0609020204030204" pitchFamily="49" charset="0"/>
-            </a:endParaRPr>
-          </a:p>
-          <a:p>
-            <a:pPr>
-              <a:lnSpc>
-                <a:spcPts val="1425"/>
-              </a:lnSpc>
-            </a:pPr>
-            <a:r>
-              <a:rPr lang="en-US" b="0" dirty="0">
-                <a:solidFill>
-                  <a:srgbClr val="C586C0"/>
-                </a:solidFill>
-                <a:effectLst/>
-                <a:latin typeface="Consolas" panose="020B0609020204030204" pitchFamily="49" charset="0"/>
-              </a:rPr>
-              <a:t>import</a:t>
-            </a:r>
-            <a:r>
-              <a:rPr lang="en-US" b="0" dirty="0">
-                <a:solidFill>
-                  <a:srgbClr val="CCCCCC"/>
-                </a:solidFill>
-                <a:effectLst/>
-                <a:latin typeface="Consolas" panose="020B0609020204030204" pitchFamily="49" charset="0"/>
-              </a:rPr>
-              <a:t> </a:t>
-            </a:r>
-            <a:r>
-              <a:rPr lang="en-US" b="0" dirty="0">
-                <a:solidFill>
-                  <a:srgbClr val="4EC9B0"/>
-                </a:solidFill>
-                <a:effectLst/>
-                <a:latin typeface="Consolas" panose="020B0609020204030204" pitchFamily="49" charset="0"/>
-              </a:rPr>
-              <a:t>re</a:t>
-            </a:r>
-            <a:endParaRPr lang="en-US" b="0" dirty="0">
-              <a:solidFill>
-                <a:srgbClr val="CCCCCC"/>
-              </a:solidFill>
-              <a:effectLst/>
-              <a:latin typeface="Consolas" panose="020B0609020204030204" pitchFamily="49" charset="0"/>
-            </a:endParaRPr>
-          </a:p>
-          <a:p>
-            <a:pPr>
-              <a:lnSpc>
-                <a:spcPts val="1425"/>
-              </a:lnSpc>
-            </a:pPr>
-            <a:r>
-              <a:rPr lang="en-US" b="0" dirty="0">
-                <a:solidFill>
-                  <a:srgbClr val="569CD6"/>
-                </a:solidFill>
-                <a:effectLst/>
-                <a:latin typeface="Consolas" panose="020B0609020204030204" pitchFamily="49" charset="0"/>
-              </a:rPr>
-              <a:t>def</a:t>
-            </a:r>
-            <a:r>
-              <a:rPr lang="en-US" b="0" dirty="0">
-                <a:solidFill>
-                  <a:srgbClr val="CCCCCC"/>
-                </a:solidFill>
-                <a:effectLst/>
-                <a:latin typeface="Consolas" panose="020B0609020204030204" pitchFamily="49" charset="0"/>
-              </a:rPr>
-              <a:t> </a:t>
-            </a:r>
-            <a:r>
-              <a:rPr lang="en-US" b="0" dirty="0" err="1">
-                <a:solidFill>
-                  <a:srgbClr val="DCDCAA"/>
-                </a:solidFill>
-                <a:effectLst/>
-                <a:latin typeface="Consolas" panose="020B0609020204030204" pitchFamily="49" charset="0"/>
-              </a:rPr>
-              <a:t>get_android_apps</a:t>
-            </a:r>
-            <a:r>
-              <a:rPr lang="en-US" b="0" dirty="0">
-                <a:solidFill>
-                  <a:srgbClr val="CCCCCC"/>
-                </a:solidFill>
-                <a:effectLst/>
-                <a:latin typeface="Consolas" panose="020B0609020204030204" pitchFamily="49" charset="0"/>
-              </a:rPr>
-              <a:t>():</a:t>
-            </a:r>
-          </a:p>
-          <a:p>
-            <a:pPr>
-              <a:lnSpc>
-                <a:spcPts val="1425"/>
-              </a:lnSpc>
-            </a:pPr>
-            <a:r>
-              <a:rPr lang="en-US" b="0" dirty="0">
-                <a:solidFill>
-                  <a:srgbClr val="CCCCCC"/>
-                </a:solidFill>
-                <a:effectLst/>
-                <a:latin typeface="Consolas" panose="020B0609020204030204" pitchFamily="49" charset="0"/>
-              </a:rPr>
-              <a:t>    </a:t>
-            </a:r>
-            <a:r>
-              <a:rPr lang="en-US" b="0" dirty="0">
-                <a:solidFill>
-                  <a:srgbClr val="9CDCFE"/>
-                </a:solidFill>
-                <a:effectLst/>
-                <a:latin typeface="Consolas" panose="020B0609020204030204" pitchFamily="49" charset="0"/>
-              </a:rPr>
-              <a:t>package</a:t>
-            </a:r>
-            <a:r>
-              <a:rPr lang="en-US" b="0" dirty="0">
-                <a:solidFill>
-                  <a:srgbClr val="CCCCCC"/>
-                </a:solidFill>
-                <a:effectLst/>
-                <a:latin typeface="Consolas" panose="020B0609020204030204" pitchFamily="49" charset="0"/>
-              </a:rPr>
-              <a:t> </a:t>
-            </a:r>
-            <a:r>
-              <a:rPr lang="en-US" b="0" dirty="0">
-                <a:solidFill>
-                  <a:srgbClr val="D4D4D4"/>
-                </a:solidFill>
-                <a:effectLst/>
-                <a:latin typeface="Consolas" panose="020B0609020204030204" pitchFamily="49" charset="0"/>
-              </a:rPr>
-              <a:t>=</a:t>
-            </a:r>
-            <a:r>
-              <a:rPr lang="en-US" b="0" dirty="0">
-                <a:solidFill>
-                  <a:srgbClr val="CCCCCC"/>
-                </a:solidFill>
-                <a:effectLst/>
-                <a:latin typeface="Consolas" panose="020B0609020204030204" pitchFamily="49" charset="0"/>
-              </a:rPr>
-              <a:t> </a:t>
-            </a:r>
-            <a:r>
-              <a:rPr lang="en-US" b="0" dirty="0">
-                <a:solidFill>
-                  <a:srgbClr val="CE9178"/>
-                </a:solidFill>
-                <a:effectLst/>
-                <a:latin typeface="Consolas" panose="020B0609020204030204" pitchFamily="49" charset="0"/>
-              </a:rPr>
-              <a:t>"</a:t>
-            </a:r>
-            <a:r>
-              <a:rPr lang="en-US" b="0" dirty="0" err="1">
-                <a:solidFill>
-                  <a:srgbClr val="CE9178"/>
-                </a:solidFill>
-                <a:effectLst/>
-                <a:latin typeface="Consolas" panose="020B0609020204030204" pitchFamily="49" charset="0"/>
-              </a:rPr>
-              <a:t>com.twitter.android</a:t>
-            </a:r>
-            <a:r>
-              <a:rPr lang="en-US" b="0" dirty="0">
-                <a:solidFill>
-                  <a:srgbClr val="CE9178"/>
-                </a:solidFill>
-                <a:effectLst/>
-                <a:latin typeface="Consolas" panose="020B0609020204030204" pitchFamily="49" charset="0"/>
-              </a:rPr>
-              <a:t>"</a:t>
-            </a:r>
-            <a:endParaRPr lang="en-US" b="0" dirty="0">
-              <a:solidFill>
-                <a:srgbClr val="CCCCCC"/>
-              </a:solidFill>
-              <a:effectLst/>
-              <a:latin typeface="Consolas" panose="020B0609020204030204" pitchFamily="49" charset="0"/>
-            </a:endParaRPr>
-          </a:p>
-          <a:p>
-            <a:pPr>
-              <a:lnSpc>
-                <a:spcPts val="1425"/>
-              </a:lnSpc>
-            </a:pPr>
-            <a:r>
-              <a:rPr lang="en-US" b="0" dirty="0">
-                <a:solidFill>
-                  <a:srgbClr val="CCCCCC"/>
-                </a:solidFill>
-                <a:effectLst/>
-                <a:latin typeface="Consolas" panose="020B0609020204030204" pitchFamily="49" charset="0"/>
-              </a:rPr>
-              <a:t>    </a:t>
-            </a:r>
-            <a:r>
-              <a:rPr lang="en-US" b="0" dirty="0">
-                <a:solidFill>
-                  <a:srgbClr val="6A9955"/>
-                </a:solidFill>
-                <a:effectLst/>
-                <a:latin typeface="Consolas" panose="020B0609020204030204" pitchFamily="49" charset="0"/>
-              </a:rPr>
-              <a:t># Base URL for Google Play Store app details</a:t>
-            </a:r>
-            <a:endParaRPr lang="en-US" b="0" dirty="0">
-              <a:solidFill>
-                <a:srgbClr val="CCCCCC"/>
-              </a:solidFill>
-              <a:effectLst/>
-              <a:latin typeface="Consolas" panose="020B0609020204030204" pitchFamily="49" charset="0"/>
-            </a:endParaRPr>
-          </a:p>
-          <a:p>
-            <a:pPr>
-              <a:lnSpc>
-                <a:spcPts val="1425"/>
-              </a:lnSpc>
-            </a:pPr>
-            <a:r>
-              <a:rPr lang="en-US" b="0" dirty="0">
-                <a:solidFill>
-                  <a:srgbClr val="CCCCCC"/>
-                </a:solidFill>
-                <a:effectLst/>
-                <a:latin typeface="Consolas" panose="020B0609020204030204" pitchFamily="49" charset="0"/>
-              </a:rPr>
-              <a:t>    </a:t>
-            </a:r>
-            <a:r>
-              <a:rPr lang="en-US" b="0" dirty="0" err="1">
-                <a:solidFill>
-                  <a:srgbClr val="9CDCFE"/>
-                </a:solidFill>
-                <a:effectLst/>
-                <a:latin typeface="Consolas" panose="020B0609020204030204" pitchFamily="49" charset="0"/>
-              </a:rPr>
-              <a:t>base_url</a:t>
-            </a:r>
-            <a:r>
-              <a:rPr lang="en-US" b="0" dirty="0">
-                <a:solidFill>
-                  <a:srgbClr val="CCCCCC"/>
-                </a:solidFill>
-                <a:effectLst/>
-                <a:latin typeface="Consolas" panose="020B0609020204030204" pitchFamily="49" charset="0"/>
-              </a:rPr>
-              <a:t> </a:t>
-            </a:r>
-            <a:r>
-              <a:rPr lang="en-US" b="0" dirty="0">
-                <a:solidFill>
-                  <a:srgbClr val="D4D4D4"/>
-                </a:solidFill>
-                <a:effectLst/>
-                <a:latin typeface="Consolas" panose="020B0609020204030204" pitchFamily="49" charset="0"/>
-              </a:rPr>
-              <a:t>=</a:t>
-            </a:r>
-            <a:r>
-              <a:rPr lang="en-US" b="0" dirty="0">
-                <a:solidFill>
-                  <a:srgbClr val="CCCCCC"/>
-                </a:solidFill>
-                <a:effectLst/>
-                <a:latin typeface="Consolas" panose="020B0609020204030204" pitchFamily="49" charset="0"/>
-              </a:rPr>
-              <a:t> </a:t>
-            </a:r>
-            <a:r>
-              <a:rPr lang="en-US" b="0" dirty="0">
-                <a:solidFill>
-                  <a:srgbClr val="CE9178"/>
-                </a:solidFill>
-                <a:effectLst/>
-                <a:latin typeface="Consolas" panose="020B0609020204030204" pitchFamily="49" charset="0"/>
-              </a:rPr>
-              <a:t>"https://play.google.com/store/apps/</a:t>
-            </a:r>
-            <a:r>
-              <a:rPr lang="en-US" b="0" dirty="0" err="1">
-                <a:solidFill>
-                  <a:srgbClr val="CE9178"/>
-                </a:solidFill>
-                <a:effectLst/>
-                <a:latin typeface="Consolas" panose="020B0609020204030204" pitchFamily="49" charset="0"/>
-              </a:rPr>
-              <a:t>details?id</a:t>
-            </a:r>
-            <a:r>
-              <a:rPr lang="en-US" b="0" dirty="0">
-                <a:solidFill>
-                  <a:srgbClr val="CE9178"/>
-                </a:solidFill>
-                <a:effectLst/>
-                <a:latin typeface="Consolas" panose="020B0609020204030204" pitchFamily="49" charset="0"/>
-              </a:rPr>
+            <a:r>
+              <a:rPr lang="en-US"/>
+              <a:t>ls 'Pixel 3/data/data' \                                                           </a:t>
+            </a:r>
+          </a:p>
+          <a:p>
+            <a:r>
+              <a:rPr lang="en-US"/>
+              <a:t>| while read package; do \</a:t>
+            </a:r>
+          </a:p>
+          <a:p>
+            <a:r>
+              <a:rPr lang="en-US"/>
+              <a:t>curl --no-progress-meter https://play.google.com/store/apps/details?id=$package \</a:t>
+            </a:r>
+          </a:p>
+          <a:p>
+            <a:r>
+              <a:rPr lang="en-US"/>
+              <a:t>| grep -Pio '&lt;div </a:t>
+            </a:r>
+            <a:r>
+              <a:rPr lang="en-US" err="1"/>
+              <a:t>jsname</a:t>
+            </a:r>
+            <a:r>
+              <a:rPr lang="en-US"/>
               <a:t>="</a:t>
             </a:r>
-            <a:endParaRPr lang="en-US" b="0" dirty="0">
-              <a:solidFill>
-                <a:srgbClr val="CCCCCC"/>
-              </a:solidFill>
-              <a:effectLst/>
-              <a:latin typeface="Consolas" panose="020B0609020204030204" pitchFamily="49" charset="0"/>
-            </a:endParaRPr>
-          </a:p>
-          <a:p>
-            <a:pPr>
-              <a:lnSpc>
-                <a:spcPts val="1425"/>
-              </a:lnSpc>
-            </a:pPr>
-            <a:r>
-              <a:rPr lang="en-US" b="0" dirty="0">
-                <a:solidFill>
-                  <a:srgbClr val="CCCCCC"/>
-                </a:solidFill>
-                <a:effectLst/>
-                <a:latin typeface="Consolas" panose="020B0609020204030204" pitchFamily="49" charset="0"/>
-              </a:rPr>
-              <a:t>    </a:t>
-            </a:r>
-            <a:r>
-              <a:rPr lang="en-US" b="0" dirty="0">
-                <a:solidFill>
-                  <a:srgbClr val="C586C0"/>
-                </a:solidFill>
-                <a:effectLst/>
-                <a:latin typeface="Consolas" panose="020B0609020204030204" pitchFamily="49" charset="0"/>
-              </a:rPr>
-              <a:t>try</a:t>
-            </a:r>
-            <a:r>
-              <a:rPr lang="en-US" b="0" dirty="0">
-                <a:solidFill>
-                  <a:srgbClr val="CCCCCC"/>
-                </a:solidFill>
-                <a:effectLst/>
-                <a:latin typeface="Consolas" panose="020B0609020204030204" pitchFamily="49" charset="0"/>
-              </a:rPr>
-              <a:t>:</a:t>
-            </a:r>
-          </a:p>
-          <a:p>
-            <a:pPr>
-              <a:lnSpc>
-                <a:spcPts val="1425"/>
-              </a:lnSpc>
-            </a:pPr>
-            <a:r>
-              <a:rPr lang="en-US" b="0" dirty="0">
-                <a:solidFill>
-                  <a:srgbClr val="CCCCCC"/>
-                </a:solidFill>
-                <a:effectLst/>
-                <a:latin typeface="Consolas" panose="020B0609020204030204" pitchFamily="49" charset="0"/>
-              </a:rPr>
-              <a:t>        </a:t>
-            </a:r>
-            <a:r>
-              <a:rPr lang="en-US" b="0" dirty="0">
-                <a:solidFill>
-                  <a:srgbClr val="6A9955"/>
-                </a:solidFill>
-                <a:effectLst/>
-                <a:latin typeface="Consolas" panose="020B0609020204030204" pitchFamily="49" charset="0"/>
-              </a:rPr>
-              <a:t># Fetch the app details page</a:t>
-            </a:r>
-            <a:endParaRPr lang="en-US" b="0" dirty="0">
-              <a:solidFill>
-                <a:srgbClr val="CCCCCC"/>
-              </a:solidFill>
-              <a:effectLst/>
-              <a:latin typeface="Consolas" panose="020B0609020204030204" pitchFamily="49" charset="0"/>
-            </a:endParaRPr>
-          </a:p>
-          <a:p>
-            <a:pPr>
-              <a:lnSpc>
-                <a:spcPts val="1425"/>
-              </a:lnSpc>
-            </a:pPr>
-            <a:r>
-              <a:rPr lang="en-US" b="0" dirty="0">
-                <a:solidFill>
-                  <a:srgbClr val="CCCCCC"/>
-                </a:solidFill>
-                <a:effectLst/>
-                <a:latin typeface="Consolas" panose="020B0609020204030204" pitchFamily="49" charset="0"/>
-              </a:rPr>
-              <a:t>        </a:t>
-            </a:r>
-            <a:r>
-              <a:rPr lang="en-US" b="0" dirty="0" err="1">
-                <a:solidFill>
-                  <a:srgbClr val="9CDCFE"/>
-                </a:solidFill>
-                <a:effectLst/>
-                <a:latin typeface="Consolas" panose="020B0609020204030204" pitchFamily="49" charset="0"/>
-              </a:rPr>
-              <a:t>url</a:t>
-            </a:r>
-            <a:r>
-              <a:rPr lang="en-US" b="0" dirty="0">
-                <a:solidFill>
-                  <a:srgbClr val="CCCCCC"/>
-                </a:solidFill>
-                <a:effectLst/>
-                <a:latin typeface="Consolas" panose="020B0609020204030204" pitchFamily="49" charset="0"/>
-              </a:rPr>
-              <a:t> </a:t>
-            </a:r>
-            <a:r>
-              <a:rPr lang="en-US" b="0" dirty="0">
-                <a:solidFill>
-                  <a:srgbClr val="D4D4D4"/>
-                </a:solidFill>
-                <a:effectLst/>
-                <a:latin typeface="Consolas" panose="020B0609020204030204" pitchFamily="49" charset="0"/>
-              </a:rPr>
-              <a:t>=</a:t>
-            </a:r>
-            <a:r>
-              <a:rPr lang="en-US" b="0" dirty="0">
-                <a:solidFill>
-                  <a:srgbClr val="CCCCCC"/>
-                </a:solidFill>
-                <a:effectLst/>
-                <a:latin typeface="Consolas" panose="020B0609020204030204" pitchFamily="49" charset="0"/>
-              </a:rPr>
-              <a:t> </a:t>
-            </a:r>
-            <a:r>
-              <a:rPr lang="en-US" b="0" dirty="0" err="1">
-                <a:solidFill>
-                  <a:srgbClr val="9CDCFE"/>
-                </a:solidFill>
-                <a:effectLst/>
-                <a:latin typeface="Consolas" panose="020B0609020204030204" pitchFamily="49" charset="0"/>
-              </a:rPr>
-              <a:t>base_url</a:t>
-            </a:r>
-            <a:r>
-              <a:rPr lang="en-US" b="0" dirty="0">
-                <a:solidFill>
-                  <a:srgbClr val="CCCCCC"/>
-                </a:solidFill>
-                <a:effectLst/>
-                <a:latin typeface="Consolas" panose="020B0609020204030204" pitchFamily="49" charset="0"/>
-              </a:rPr>
-              <a:t> </a:t>
-            </a:r>
-            <a:r>
-              <a:rPr lang="en-US" b="0" dirty="0">
-                <a:solidFill>
-                  <a:srgbClr val="D4D4D4"/>
-                </a:solidFill>
-                <a:effectLst/>
-                <a:latin typeface="Consolas" panose="020B0609020204030204" pitchFamily="49" charset="0"/>
-              </a:rPr>
-              <a:t>+</a:t>
-            </a:r>
-            <a:r>
-              <a:rPr lang="en-US" b="0" dirty="0">
-                <a:solidFill>
-                  <a:srgbClr val="CCCCCC"/>
-                </a:solidFill>
-                <a:effectLst/>
-                <a:latin typeface="Consolas" panose="020B0609020204030204" pitchFamily="49" charset="0"/>
-              </a:rPr>
-              <a:t> </a:t>
-            </a:r>
-            <a:r>
-              <a:rPr lang="en-US" b="0" dirty="0">
-                <a:solidFill>
-                  <a:srgbClr val="9CDCFE"/>
-                </a:solidFill>
-                <a:effectLst/>
-                <a:latin typeface="Consolas" panose="020B0609020204030204" pitchFamily="49" charset="0"/>
-              </a:rPr>
-              <a:t>package</a:t>
-            </a:r>
-            <a:endParaRPr lang="en-US" b="0" dirty="0">
-              <a:solidFill>
-                <a:srgbClr val="CCCCCC"/>
-              </a:solidFill>
-              <a:effectLst/>
-              <a:latin typeface="Consolas" panose="020B0609020204030204" pitchFamily="49" charset="0"/>
-            </a:endParaRPr>
-          </a:p>
-          <a:p>
-            <a:pPr>
-              <a:lnSpc>
-                <a:spcPts val="1425"/>
-              </a:lnSpc>
-            </a:pPr>
-            <a:r>
-              <a:rPr lang="en-US" b="0" dirty="0">
-                <a:solidFill>
-                  <a:srgbClr val="CCCCCC"/>
-                </a:solidFill>
-                <a:effectLst/>
-                <a:latin typeface="Consolas" panose="020B0609020204030204" pitchFamily="49" charset="0"/>
-              </a:rPr>
-              <a:t>        </a:t>
-            </a:r>
-            <a:r>
-              <a:rPr lang="en-US" b="0" dirty="0">
-                <a:solidFill>
-                  <a:srgbClr val="DCDCAA"/>
-                </a:solidFill>
-                <a:effectLst/>
-                <a:latin typeface="Consolas" panose="020B0609020204030204" pitchFamily="49" charset="0"/>
-              </a:rPr>
-              <a:t>print</a:t>
-            </a:r>
-            <a:r>
-              <a:rPr lang="en-US" b="0" dirty="0">
-                <a:solidFill>
-                  <a:srgbClr val="CCCCCC"/>
-                </a:solidFill>
-                <a:effectLst/>
-                <a:latin typeface="Consolas" panose="020B0609020204030204" pitchFamily="49" charset="0"/>
-              </a:rPr>
-              <a:t>(</a:t>
-            </a:r>
-            <a:r>
-              <a:rPr lang="en-US" b="0" dirty="0" err="1">
-                <a:solidFill>
-                  <a:srgbClr val="9CDCFE"/>
-                </a:solidFill>
-                <a:effectLst/>
-                <a:latin typeface="Consolas" panose="020B0609020204030204" pitchFamily="49" charset="0"/>
-              </a:rPr>
-              <a:t>url</a:t>
-            </a:r>
-            <a:r>
-              <a:rPr lang="en-US" b="0" dirty="0">
-                <a:solidFill>
-                  <a:srgbClr val="CCCCCC"/>
-                </a:solidFill>
-                <a:effectLst/>
-                <a:latin typeface="Consolas" panose="020B0609020204030204" pitchFamily="49" charset="0"/>
-              </a:rPr>
-              <a:t>)</a:t>
-            </a:r>
-          </a:p>
-          <a:p>
-            <a:pPr>
-              <a:lnSpc>
-                <a:spcPts val="1425"/>
-              </a:lnSpc>
-            </a:pPr>
-            <a:r>
-              <a:rPr lang="en-US" b="0" dirty="0">
-                <a:solidFill>
-                  <a:srgbClr val="CCCCCC"/>
-                </a:solidFill>
-                <a:effectLst/>
-                <a:latin typeface="Consolas" panose="020B0609020204030204" pitchFamily="49" charset="0"/>
-              </a:rPr>
-              <a:t>        </a:t>
-            </a:r>
-            <a:r>
-              <a:rPr lang="en-US" b="0" dirty="0">
-                <a:solidFill>
-                  <a:srgbClr val="9CDCFE"/>
-                </a:solidFill>
-                <a:effectLst/>
-                <a:latin typeface="Consolas" panose="020B0609020204030204" pitchFamily="49" charset="0"/>
-              </a:rPr>
-              <a:t>response</a:t>
-            </a:r>
-            <a:r>
-              <a:rPr lang="en-US" b="0" dirty="0">
-                <a:solidFill>
-                  <a:srgbClr val="CCCCCC"/>
-                </a:solidFill>
-                <a:effectLst/>
-                <a:latin typeface="Consolas" panose="020B0609020204030204" pitchFamily="49" charset="0"/>
-              </a:rPr>
-              <a:t> </a:t>
-            </a:r>
-            <a:r>
-              <a:rPr lang="en-US" b="0" dirty="0">
-                <a:solidFill>
-                  <a:srgbClr val="D4D4D4"/>
-                </a:solidFill>
-                <a:effectLst/>
-                <a:latin typeface="Consolas" panose="020B0609020204030204" pitchFamily="49" charset="0"/>
-              </a:rPr>
-              <a:t>=</a:t>
-            </a:r>
-            <a:r>
-              <a:rPr lang="en-US" b="0" dirty="0">
-                <a:solidFill>
-                  <a:srgbClr val="CCCCCC"/>
-                </a:solidFill>
-                <a:effectLst/>
-                <a:latin typeface="Consolas" panose="020B0609020204030204" pitchFamily="49" charset="0"/>
-              </a:rPr>
-              <a:t> </a:t>
-            </a:r>
-            <a:r>
-              <a:rPr lang="en-US" b="0" dirty="0" err="1">
-                <a:solidFill>
-                  <a:srgbClr val="4EC9B0"/>
-                </a:solidFill>
-                <a:effectLst/>
-                <a:latin typeface="Consolas" panose="020B0609020204030204" pitchFamily="49" charset="0"/>
-              </a:rPr>
-              <a:t>requests</a:t>
-            </a:r>
-            <a:r>
-              <a:rPr lang="en-US" b="0" dirty="0" err="1">
-                <a:solidFill>
-                  <a:srgbClr val="CCCCCC"/>
-                </a:solidFill>
-                <a:effectLst/>
-                <a:latin typeface="Consolas" panose="020B0609020204030204" pitchFamily="49" charset="0"/>
-              </a:rPr>
-              <a:t>.</a:t>
-            </a:r>
-            <a:r>
-              <a:rPr lang="en-US" b="0" dirty="0" err="1">
-                <a:solidFill>
-                  <a:srgbClr val="DCDCAA"/>
-                </a:solidFill>
-                <a:effectLst/>
-                <a:latin typeface="Consolas" panose="020B0609020204030204" pitchFamily="49" charset="0"/>
-              </a:rPr>
-              <a:t>get</a:t>
-            </a:r>
-            <a:r>
-              <a:rPr lang="en-US" b="0" dirty="0">
-                <a:solidFill>
-                  <a:srgbClr val="CCCCCC"/>
-                </a:solidFill>
-                <a:effectLst/>
-                <a:latin typeface="Consolas" panose="020B0609020204030204" pitchFamily="49" charset="0"/>
-              </a:rPr>
-              <a:t>(</a:t>
-            </a:r>
-            <a:r>
-              <a:rPr lang="en-US" b="0" dirty="0" err="1">
-                <a:solidFill>
-                  <a:srgbClr val="9CDCFE"/>
-                </a:solidFill>
-                <a:effectLst/>
-                <a:latin typeface="Consolas" panose="020B0609020204030204" pitchFamily="49" charset="0"/>
-              </a:rPr>
-              <a:t>url</a:t>
-            </a:r>
-            <a:r>
-              <a:rPr lang="en-US" b="0" dirty="0">
-                <a:solidFill>
-                  <a:srgbClr val="CCCCCC"/>
-                </a:solidFill>
-                <a:effectLst/>
-                <a:latin typeface="Consolas" panose="020B0609020204030204" pitchFamily="49" charset="0"/>
-              </a:rPr>
-              <a:t>)</a:t>
-            </a:r>
-          </a:p>
-          <a:p>
-            <a:pPr>
-              <a:lnSpc>
-                <a:spcPts val="1425"/>
-              </a:lnSpc>
-            </a:pPr>
-            <a:r>
-              <a:rPr lang="en-US" b="0" dirty="0">
-                <a:solidFill>
-                  <a:srgbClr val="CCCCCC"/>
-                </a:solidFill>
-                <a:effectLst/>
-                <a:latin typeface="Consolas" panose="020B0609020204030204" pitchFamily="49" charset="0"/>
-              </a:rPr>
-              <a:t>        </a:t>
-            </a:r>
-            <a:r>
-              <a:rPr lang="en-US" b="0" dirty="0">
-                <a:solidFill>
-                  <a:srgbClr val="C586C0"/>
-                </a:solidFill>
-                <a:effectLst/>
-                <a:latin typeface="Consolas" panose="020B0609020204030204" pitchFamily="49" charset="0"/>
-              </a:rPr>
-              <a:t>if</a:t>
-            </a:r>
-            <a:r>
-              <a:rPr lang="en-US" b="0" dirty="0">
-                <a:solidFill>
-                  <a:srgbClr val="CCCCCC"/>
-                </a:solidFill>
-                <a:effectLst/>
-                <a:latin typeface="Consolas" panose="020B0609020204030204" pitchFamily="49" charset="0"/>
-              </a:rPr>
-              <a:t> </a:t>
-            </a:r>
-            <a:r>
-              <a:rPr lang="en-US" b="0" dirty="0" err="1">
-                <a:solidFill>
-                  <a:srgbClr val="9CDCFE"/>
-                </a:solidFill>
-                <a:effectLst/>
-                <a:latin typeface="Consolas" panose="020B0609020204030204" pitchFamily="49" charset="0"/>
-              </a:rPr>
-              <a:t>response</a:t>
-            </a:r>
-            <a:r>
-              <a:rPr lang="en-US" b="0" dirty="0" err="1">
-                <a:solidFill>
-                  <a:srgbClr val="CCCCCC"/>
-                </a:solidFill>
-                <a:effectLst/>
-                <a:latin typeface="Consolas" panose="020B0609020204030204" pitchFamily="49" charset="0"/>
-              </a:rPr>
-              <a:t>.</a:t>
-            </a:r>
-            <a:r>
-              <a:rPr lang="en-US" b="0" dirty="0" err="1">
-                <a:solidFill>
-                  <a:srgbClr val="9CDCFE"/>
-                </a:solidFill>
-                <a:effectLst/>
-                <a:latin typeface="Consolas" panose="020B0609020204030204" pitchFamily="49" charset="0"/>
-              </a:rPr>
-              <a:t>status_code</a:t>
-            </a:r>
-            <a:r>
-              <a:rPr lang="en-US" b="0" dirty="0">
-                <a:solidFill>
-                  <a:srgbClr val="CCCCCC"/>
-                </a:solidFill>
-                <a:effectLst/>
-                <a:latin typeface="Consolas" panose="020B0609020204030204" pitchFamily="49" charset="0"/>
-              </a:rPr>
-              <a:t> </a:t>
-            </a:r>
-            <a:r>
-              <a:rPr lang="en-US" b="0" dirty="0">
-                <a:solidFill>
-                  <a:srgbClr val="D4D4D4"/>
-                </a:solidFill>
-                <a:effectLst/>
-                <a:latin typeface="Consolas" panose="020B0609020204030204" pitchFamily="49" charset="0"/>
-              </a:rPr>
-              <a:t>!=</a:t>
-            </a:r>
-            <a:r>
-              <a:rPr lang="en-US" b="0" dirty="0">
-                <a:solidFill>
-                  <a:srgbClr val="CCCCCC"/>
-                </a:solidFill>
-                <a:effectLst/>
-                <a:latin typeface="Consolas" panose="020B0609020204030204" pitchFamily="49" charset="0"/>
-              </a:rPr>
-              <a:t> </a:t>
-            </a:r>
-            <a:r>
-              <a:rPr lang="en-US" b="0" dirty="0">
-                <a:solidFill>
-                  <a:srgbClr val="B5CEA8"/>
-                </a:solidFill>
-                <a:effectLst/>
-                <a:latin typeface="Consolas" panose="020B0609020204030204" pitchFamily="49" charset="0"/>
-              </a:rPr>
-              <a:t>200</a:t>
-            </a:r>
-            <a:r>
-              <a:rPr lang="en-US" b="0" dirty="0">
-                <a:solidFill>
-                  <a:srgbClr val="CCCCCC"/>
-                </a:solidFill>
-                <a:effectLst/>
-                <a:latin typeface="Consolas" panose="020B0609020204030204" pitchFamily="49" charset="0"/>
-              </a:rPr>
-              <a:t>:</a:t>
-            </a:r>
-          </a:p>
-          <a:p>
-            <a:pPr>
-              <a:lnSpc>
-                <a:spcPts val="1425"/>
-              </a:lnSpc>
-            </a:pPr>
-            <a:r>
-              <a:rPr lang="en-US" b="0" dirty="0">
-                <a:solidFill>
-                  <a:srgbClr val="CCCCCC"/>
-                </a:solidFill>
-                <a:effectLst/>
-                <a:latin typeface="Consolas" panose="020B0609020204030204" pitchFamily="49" charset="0"/>
-              </a:rPr>
-              <a:t>            </a:t>
-            </a:r>
-            <a:r>
-              <a:rPr lang="en-US" b="0" dirty="0">
-                <a:solidFill>
-                  <a:srgbClr val="DCDCAA"/>
-                </a:solidFill>
-                <a:effectLst/>
-                <a:latin typeface="Consolas" panose="020B0609020204030204" pitchFamily="49" charset="0"/>
-              </a:rPr>
-              <a:t>print</a:t>
-            </a:r>
-            <a:r>
-              <a:rPr lang="en-US" b="0" dirty="0">
-                <a:solidFill>
-                  <a:srgbClr val="CCCCCC"/>
-                </a:solidFill>
-                <a:effectLst/>
-                <a:latin typeface="Consolas" panose="020B0609020204030204" pitchFamily="49" charset="0"/>
-              </a:rPr>
-              <a:t>(</a:t>
-            </a:r>
-            <a:r>
-              <a:rPr lang="en-US" b="0" dirty="0" err="1">
-                <a:solidFill>
-                  <a:srgbClr val="569CD6"/>
-                </a:solidFill>
-                <a:effectLst/>
-                <a:latin typeface="Consolas" panose="020B0609020204030204" pitchFamily="49" charset="0"/>
-              </a:rPr>
-              <a:t>f</a:t>
-            </a:r>
-            <a:r>
-              <a:rPr lang="en-US" b="0" dirty="0" err="1">
-                <a:solidFill>
-                  <a:srgbClr val="CE9178"/>
-                </a:solidFill>
-                <a:effectLst/>
-                <a:latin typeface="Consolas" panose="020B0609020204030204" pitchFamily="49" charset="0"/>
-              </a:rPr>
-              <a:t>"Failed</a:t>
-            </a:r>
-            <a:r>
-              <a:rPr lang="en-US" b="0" dirty="0">
-                <a:solidFill>
-                  <a:srgbClr val="CE9178"/>
-                </a:solidFill>
-                <a:effectLst/>
-                <a:latin typeface="Consolas" panose="020B0609020204030204" pitchFamily="49" charset="0"/>
-              </a:rPr>
-              <a:t> to fetch details for package: </a:t>
-            </a:r>
-            <a:r>
-              <a:rPr lang="en-US" b="0" dirty="0">
-                <a:solidFill>
-                  <a:srgbClr val="569CD6"/>
-                </a:solidFill>
-                <a:effectLst/>
-                <a:latin typeface="Consolas" panose="020B0609020204030204" pitchFamily="49" charset="0"/>
-              </a:rPr>
-              <a:t>{</a:t>
-            </a:r>
-            <a:r>
-              <a:rPr lang="en-US" b="0" dirty="0">
-                <a:solidFill>
-                  <a:srgbClr val="9CDCFE"/>
-                </a:solidFill>
-                <a:effectLst/>
-                <a:latin typeface="Consolas" panose="020B0609020204030204" pitchFamily="49" charset="0"/>
-              </a:rPr>
-              <a:t>package</a:t>
-            </a:r>
-            <a:r>
-              <a:rPr lang="en-US" b="0" dirty="0">
-                <a:solidFill>
-                  <a:srgbClr val="569CD6"/>
-                </a:solidFill>
-                <a:effectLst/>
-                <a:latin typeface="Consolas" panose="020B0609020204030204" pitchFamily="49" charset="0"/>
-              </a:rPr>
-              <a:t>}</a:t>
-            </a:r>
-            <a:r>
-              <a:rPr lang="en-US" b="0" dirty="0">
-                <a:solidFill>
-                  <a:srgbClr val="CE9178"/>
-                </a:solidFill>
-                <a:effectLst/>
-                <a:latin typeface="Consolas" panose="020B0609020204030204" pitchFamily="49" charset="0"/>
-              </a:rPr>
-              <a:t>"</a:t>
-            </a:r>
-            <a:r>
-              <a:rPr lang="en-US" b="0" dirty="0">
-                <a:solidFill>
-                  <a:srgbClr val="CCCCCC"/>
-                </a:solidFill>
-                <a:effectLst/>
-                <a:latin typeface="Consolas" panose="020B0609020204030204" pitchFamily="49" charset="0"/>
-              </a:rPr>
-              <a:t>)</a:t>
-            </a:r>
-          </a:p>
-          <a:p>
-            <a:pPr>
-              <a:lnSpc>
-                <a:spcPts val="1425"/>
-              </a:lnSpc>
-            </a:pPr>
-            <a:r>
-              <a:rPr lang="en-US" b="0" dirty="0">
-                <a:solidFill>
-                  <a:srgbClr val="CCCCCC"/>
-                </a:solidFill>
-                <a:effectLst/>
-                <a:latin typeface="Consolas" panose="020B0609020204030204" pitchFamily="49" charset="0"/>
-              </a:rPr>
-              <a:t>            </a:t>
-            </a:r>
-          </a:p>
-          <a:p>
-            <a:pPr>
-              <a:lnSpc>
-                <a:spcPts val="1425"/>
-              </a:lnSpc>
-            </a:pPr>
-            <a:r>
-              <a:rPr lang="en-US" b="0" dirty="0">
-                <a:solidFill>
-                  <a:srgbClr val="CCCCCC"/>
-                </a:solidFill>
-                <a:effectLst/>
-                <a:latin typeface="Consolas" panose="020B0609020204030204" pitchFamily="49" charset="0"/>
-              </a:rPr>
-              <a:t>        </a:t>
-            </a:r>
-            <a:r>
-              <a:rPr lang="en-US" b="0" dirty="0">
-                <a:solidFill>
-                  <a:srgbClr val="C586C0"/>
-                </a:solidFill>
-                <a:effectLst/>
-                <a:latin typeface="Consolas" panose="020B0609020204030204" pitchFamily="49" charset="0"/>
-              </a:rPr>
-              <a:t>else</a:t>
-            </a:r>
-            <a:r>
-              <a:rPr lang="en-US" b="0" dirty="0">
-                <a:solidFill>
-                  <a:srgbClr val="CCCCCC"/>
-                </a:solidFill>
-                <a:effectLst/>
-                <a:latin typeface="Consolas" panose="020B0609020204030204" pitchFamily="49" charset="0"/>
-              </a:rPr>
-              <a:t>:</a:t>
-            </a:r>
-          </a:p>
-          <a:p>
-            <a:pPr>
-              <a:lnSpc>
-                <a:spcPts val="1425"/>
-              </a:lnSpc>
-            </a:pPr>
-            <a:r>
-              <a:rPr lang="en-US" b="0" dirty="0">
-                <a:solidFill>
-                  <a:srgbClr val="CCCCCC"/>
-                </a:solidFill>
-                <a:effectLst/>
-                <a:latin typeface="Consolas" panose="020B0609020204030204" pitchFamily="49" charset="0"/>
-              </a:rPr>
-              <a:t>            </a:t>
-            </a:r>
-            <a:r>
-              <a:rPr lang="en-US" b="0" dirty="0">
-                <a:solidFill>
-                  <a:srgbClr val="6A9955"/>
-                </a:solidFill>
-                <a:effectLst/>
-                <a:latin typeface="Consolas" panose="020B0609020204030204" pitchFamily="49" charset="0"/>
-              </a:rPr>
-              <a:t># Extract the app name using a regular expression</a:t>
-            </a:r>
-            <a:endParaRPr lang="en-US" b="0" dirty="0">
-              <a:solidFill>
-                <a:srgbClr val="CCCCCC"/>
-              </a:solidFill>
-              <a:effectLst/>
-              <a:latin typeface="Consolas" panose="020B0609020204030204" pitchFamily="49" charset="0"/>
-            </a:endParaRPr>
-          </a:p>
-          <a:p>
-            <a:pPr>
-              <a:lnSpc>
-                <a:spcPts val="1425"/>
-              </a:lnSpc>
-            </a:pPr>
-            <a:r>
-              <a:rPr lang="en-US" b="0" dirty="0">
-                <a:solidFill>
-                  <a:srgbClr val="CCCCCC"/>
-                </a:solidFill>
-                <a:effectLst/>
-                <a:latin typeface="Consolas" panose="020B0609020204030204" pitchFamily="49" charset="0"/>
-              </a:rPr>
-              <a:t>            </a:t>
-            </a:r>
-            <a:r>
-              <a:rPr lang="en-US" b="0" dirty="0">
-                <a:solidFill>
-                  <a:srgbClr val="9CDCFE"/>
-                </a:solidFill>
-                <a:effectLst/>
-                <a:latin typeface="Consolas" panose="020B0609020204030204" pitchFamily="49" charset="0"/>
-              </a:rPr>
-              <a:t>match</a:t>
-            </a:r>
-            <a:r>
-              <a:rPr lang="en-US" b="0" dirty="0">
-                <a:solidFill>
-                  <a:srgbClr val="CCCCCC"/>
-                </a:solidFill>
-                <a:effectLst/>
-                <a:latin typeface="Consolas" panose="020B0609020204030204" pitchFamily="49" charset="0"/>
-              </a:rPr>
-              <a:t> </a:t>
-            </a:r>
-            <a:r>
-              <a:rPr lang="en-US" b="0" dirty="0">
-                <a:solidFill>
-                  <a:srgbClr val="D4D4D4"/>
-                </a:solidFill>
-                <a:effectLst/>
-                <a:latin typeface="Consolas" panose="020B0609020204030204" pitchFamily="49" charset="0"/>
-              </a:rPr>
-              <a:t>=</a:t>
-            </a:r>
-            <a:r>
-              <a:rPr lang="en-US" b="0" dirty="0">
-                <a:solidFill>
-                  <a:srgbClr val="CCCCCC"/>
-                </a:solidFill>
-                <a:effectLst/>
-                <a:latin typeface="Consolas" panose="020B0609020204030204" pitchFamily="49" charset="0"/>
-              </a:rPr>
-              <a:t> </a:t>
-            </a:r>
-            <a:r>
-              <a:rPr lang="en-US" b="0" dirty="0" err="1">
-                <a:solidFill>
-                  <a:srgbClr val="4EC9B0"/>
-                </a:solidFill>
-                <a:effectLst/>
-                <a:latin typeface="Consolas" panose="020B0609020204030204" pitchFamily="49" charset="0"/>
-              </a:rPr>
-              <a:t>re</a:t>
-            </a:r>
-            <a:r>
-              <a:rPr lang="en-US" b="0" dirty="0" err="1">
-                <a:solidFill>
-                  <a:srgbClr val="CCCCCC"/>
-                </a:solidFill>
-                <a:effectLst/>
-                <a:latin typeface="Consolas" panose="020B0609020204030204" pitchFamily="49" charset="0"/>
-              </a:rPr>
-              <a:t>.</a:t>
-            </a:r>
-            <a:r>
-              <a:rPr lang="en-US" b="0" dirty="0" err="1">
-                <a:solidFill>
-                  <a:srgbClr val="DCDCAA"/>
-                </a:solidFill>
-                <a:effectLst/>
-                <a:latin typeface="Consolas" panose="020B0609020204030204" pitchFamily="49" charset="0"/>
-              </a:rPr>
-              <a:t>search</a:t>
-            </a:r>
-            <a:r>
-              <a:rPr lang="en-US" b="0" dirty="0">
-                <a:solidFill>
-                  <a:srgbClr val="CCCCCC"/>
-                </a:solidFill>
-                <a:effectLst/>
-                <a:latin typeface="Consolas" panose="020B0609020204030204" pitchFamily="49" charset="0"/>
-              </a:rPr>
-              <a:t>(</a:t>
-            </a:r>
-            <a:r>
-              <a:rPr lang="en-US" b="0" dirty="0" err="1">
-                <a:solidFill>
-                  <a:srgbClr val="569CD6"/>
-                </a:solidFill>
-                <a:effectLst/>
-                <a:latin typeface="Consolas" panose="020B0609020204030204" pitchFamily="49" charset="0"/>
-              </a:rPr>
-              <a:t>r</a:t>
-            </a:r>
-            <a:r>
-              <a:rPr lang="en-US" b="0" dirty="0" err="1">
-                <a:solidFill>
-                  <a:srgbClr val="D16969"/>
-                </a:solidFill>
-                <a:effectLst/>
-                <a:latin typeface="Consolas" panose="020B0609020204030204" pitchFamily="49" charset="0"/>
-              </a:rPr>
-              <a:t>'itemprop</a:t>
-            </a:r>
-            <a:r>
-              <a:rPr lang="en-US" b="0" dirty="0">
-                <a:solidFill>
-                  <a:srgbClr val="D16969"/>
-                </a:solidFill>
-                <a:effectLst/>
-                <a:latin typeface="Consolas" panose="020B0609020204030204" pitchFamily="49" charset="0"/>
-              </a:rPr>
-              <a:t>="name"&gt;</a:t>
-            </a:r>
-            <a:r>
-              <a:rPr lang="en-US" b="0" dirty="0">
-                <a:solidFill>
-                  <a:srgbClr val="CE9178"/>
-                </a:solidFill>
-                <a:effectLst/>
-                <a:latin typeface="Consolas" panose="020B0609020204030204" pitchFamily="49" charset="0"/>
-              </a:rPr>
-              <a:t>(</a:t>
-            </a:r>
-            <a:r>
-              <a:rPr lang="en-US" b="0" dirty="0">
-                <a:solidFill>
-                  <a:srgbClr val="D16969"/>
-                </a:solidFill>
-                <a:effectLst/>
-                <a:latin typeface="Consolas" panose="020B0609020204030204" pitchFamily="49" charset="0"/>
-              </a:rPr>
-              <a:t>.</a:t>
-            </a:r>
-            <a:r>
-              <a:rPr lang="en-US" b="0" dirty="0">
-                <a:solidFill>
-                  <a:srgbClr val="D7BA7D"/>
-                </a:solidFill>
-                <a:effectLst/>
-                <a:latin typeface="Consolas" panose="020B0609020204030204" pitchFamily="49" charset="0"/>
-              </a:rPr>
-              <a:t>*?</a:t>
-            </a:r>
-            <a:r>
-              <a:rPr lang="en-US" b="0" dirty="0">
-                <a:solidFill>
-                  <a:srgbClr val="CE9178"/>
-                </a:solidFill>
-                <a:effectLst/>
-                <a:latin typeface="Consolas" panose="020B0609020204030204" pitchFamily="49" charset="0"/>
-              </a:rPr>
-              <a:t>)</a:t>
-            </a:r>
-            <a:r>
-              <a:rPr lang="en-US" b="0" dirty="0">
-                <a:solidFill>
-                  <a:srgbClr val="D16969"/>
-                </a:solidFill>
-                <a:effectLst/>
-                <a:latin typeface="Consolas" panose="020B0609020204030204" pitchFamily="49" charset="0"/>
-              </a:rPr>
-              <a:t>&lt;/span&gt;'</a:t>
-            </a:r>
-            <a:r>
-              <a:rPr lang="en-US" b="0" dirty="0">
-                <a:solidFill>
-                  <a:srgbClr val="CCCCCC"/>
-                </a:solidFill>
-                <a:effectLst/>
-                <a:latin typeface="Consolas" panose="020B0609020204030204" pitchFamily="49" charset="0"/>
-              </a:rPr>
-              <a:t>, </a:t>
-            </a:r>
-            <a:r>
-              <a:rPr lang="en-US" b="0" dirty="0" err="1">
-                <a:solidFill>
-                  <a:srgbClr val="9CDCFE"/>
-                </a:solidFill>
-                <a:effectLst/>
-                <a:latin typeface="Consolas" panose="020B0609020204030204" pitchFamily="49" charset="0"/>
-              </a:rPr>
-              <a:t>response</a:t>
-            </a:r>
-            <a:r>
-              <a:rPr lang="en-US" b="0" dirty="0" err="1">
-                <a:solidFill>
-                  <a:srgbClr val="CCCCCC"/>
-                </a:solidFill>
-                <a:effectLst/>
-                <a:latin typeface="Consolas" panose="020B0609020204030204" pitchFamily="49" charset="0"/>
-              </a:rPr>
-              <a:t>.</a:t>
-            </a:r>
-            <a:r>
-              <a:rPr lang="en-US" b="0" dirty="0" err="1">
-                <a:solidFill>
-                  <a:srgbClr val="9CDCFE"/>
-                </a:solidFill>
-                <a:effectLst/>
-                <a:latin typeface="Consolas" panose="020B0609020204030204" pitchFamily="49" charset="0"/>
-              </a:rPr>
-              <a:t>text</a:t>
-            </a:r>
-            <a:r>
-              <a:rPr lang="en-US" b="0" dirty="0">
-                <a:solidFill>
-                  <a:srgbClr val="CCCCCC"/>
-                </a:solidFill>
-                <a:effectLst/>
-                <a:latin typeface="Consolas" panose="020B0609020204030204" pitchFamily="49" charset="0"/>
-              </a:rPr>
-              <a:t>)</a:t>
-            </a:r>
-          </a:p>
-          <a:p>
-            <a:pPr>
-              <a:lnSpc>
-                <a:spcPts val="1425"/>
-              </a:lnSpc>
-            </a:pPr>
-            <a:r>
-              <a:rPr lang="en-US" b="0" dirty="0">
-                <a:solidFill>
-                  <a:srgbClr val="CCCCCC"/>
-                </a:solidFill>
-                <a:effectLst/>
-                <a:latin typeface="Consolas" panose="020B0609020204030204" pitchFamily="49" charset="0"/>
-              </a:rPr>
-              <a:t>            </a:t>
-            </a:r>
-            <a:r>
-              <a:rPr lang="en-US" b="0" dirty="0" err="1">
-                <a:solidFill>
-                  <a:srgbClr val="9CDCFE"/>
-                </a:solidFill>
-                <a:effectLst/>
-                <a:latin typeface="Consolas" panose="020B0609020204030204" pitchFamily="49" charset="0"/>
-              </a:rPr>
-              <a:t>app_name</a:t>
-            </a:r>
-            <a:r>
-              <a:rPr lang="en-US" b="0" dirty="0">
-                <a:solidFill>
-                  <a:srgbClr val="CCCCCC"/>
-                </a:solidFill>
-                <a:effectLst/>
-                <a:latin typeface="Consolas" panose="020B0609020204030204" pitchFamily="49" charset="0"/>
-              </a:rPr>
-              <a:t> </a:t>
-            </a:r>
-            <a:r>
-              <a:rPr lang="en-US" b="0" dirty="0">
-                <a:solidFill>
-                  <a:srgbClr val="D4D4D4"/>
-                </a:solidFill>
-                <a:effectLst/>
-                <a:latin typeface="Consolas" panose="020B0609020204030204" pitchFamily="49" charset="0"/>
-              </a:rPr>
-              <a:t>=</a:t>
-            </a:r>
-            <a:r>
-              <a:rPr lang="en-US" b="0" dirty="0">
-                <a:solidFill>
-                  <a:srgbClr val="CCCCCC"/>
-                </a:solidFill>
-                <a:effectLst/>
-                <a:latin typeface="Consolas" panose="020B0609020204030204" pitchFamily="49" charset="0"/>
-              </a:rPr>
-              <a:t> </a:t>
-            </a:r>
-            <a:r>
-              <a:rPr lang="en-US" b="0" dirty="0" err="1">
-                <a:solidFill>
-                  <a:srgbClr val="9CDCFE"/>
-                </a:solidFill>
-                <a:effectLst/>
-                <a:latin typeface="Consolas" panose="020B0609020204030204" pitchFamily="49" charset="0"/>
-              </a:rPr>
-              <a:t>match</a:t>
-            </a:r>
-            <a:r>
-              <a:rPr lang="en-US" b="0" dirty="0" err="1">
-                <a:solidFill>
-                  <a:srgbClr val="CCCCCC"/>
-                </a:solidFill>
-                <a:effectLst/>
-                <a:latin typeface="Consolas" panose="020B0609020204030204" pitchFamily="49" charset="0"/>
-              </a:rPr>
-              <a:t>.</a:t>
-            </a:r>
-            <a:r>
-              <a:rPr lang="en-US" b="0" dirty="0" err="1">
-                <a:solidFill>
-                  <a:srgbClr val="DCDCAA"/>
-                </a:solidFill>
-                <a:effectLst/>
-                <a:latin typeface="Consolas" panose="020B0609020204030204" pitchFamily="49" charset="0"/>
-              </a:rPr>
-              <a:t>group</a:t>
-            </a:r>
-            <a:r>
-              <a:rPr lang="en-US" b="0" dirty="0">
-                <a:solidFill>
-                  <a:srgbClr val="CCCCCC"/>
-                </a:solidFill>
-                <a:effectLst/>
-                <a:latin typeface="Consolas" panose="020B0609020204030204" pitchFamily="49" charset="0"/>
-              </a:rPr>
-              <a:t>(</a:t>
-            </a:r>
-            <a:r>
-              <a:rPr lang="en-US" b="0" dirty="0">
-                <a:solidFill>
-                  <a:srgbClr val="B5CEA8"/>
-                </a:solidFill>
-                <a:effectLst/>
-                <a:latin typeface="Consolas" panose="020B0609020204030204" pitchFamily="49" charset="0"/>
-              </a:rPr>
-              <a:t>1</a:t>
-            </a:r>
-            <a:r>
-              <a:rPr lang="en-US" b="0" dirty="0">
-                <a:solidFill>
-                  <a:srgbClr val="CCCCCC"/>
-                </a:solidFill>
-                <a:effectLst/>
-                <a:latin typeface="Consolas" panose="020B0609020204030204" pitchFamily="49" charset="0"/>
-              </a:rPr>
-              <a:t>) </a:t>
-            </a:r>
-            <a:r>
-              <a:rPr lang="en-US" b="0" dirty="0">
-                <a:solidFill>
-                  <a:srgbClr val="C586C0"/>
-                </a:solidFill>
-                <a:effectLst/>
-                <a:latin typeface="Consolas" panose="020B0609020204030204" pitchFamily="49" charset="0"/>
-              </a:rPr>
-              <a:t>if</a:t>
-            </a:r>
-            <a:r>
-              <a:rPr lang="en-US" b="0" dirty="0">
-                <a:solidFill>
-                  <a:srgbClr val="CCCCCC"/>
-                </a:solidFill>
-                <a:effectLst/>
-                <a:latin typeface="Consolas" panose="020B0609020204030204" pitchFamily="49" charset="0"/>
-              </a:rPr>
-              <a:t> </a:t>
-            </a:r>
-            <a:r>
-              <a:rPr lang="en-US" b="0" dirty="0">
-                <a:solidFill>
-                  <a:srgbClr val="9CDCFE"/>
-                </a:solidFill>
-                <a:effectLst/>
-                <a:latin typeface="Consolas" panose="020B0609020204030204" pitchFamily="49" charset="0"/>
-              </a:rPr>
-              <a:t>match</a:t>
-            </a:r>
-            <a:r>
-              <a:rPr lang="en-US" b="0" dirty="0">
-                <a:solidFill>
-                  <a:srgbClr val="CCCCCC"/>
-                </a:solidFill>
-                <a:effectLst/>
-                <a:latin typeface="Consolas" panose="020B0609020204030204" pitchFamily="49" charset="0"/>
-              </a:rPr>
-              <a:t> </a:t>
-            </a:r>
-            <a:r>
-              <a:rPr lang="en-US" b="0" dirty="0">
-                <a:solidFill>
-                  <a:srgbClr val="C586C0"/>
-                </a:solidFill>
-                <a:effectLst/>
-                <a:latin typeface="Consolas" panose="020B0609020204030204" pitchFamily="49" charset="0"/>
-              </a:rPr>
-              <a:t>else</a:t>
-            </a:r>
-            <a:r>
-              <a:rPr lang="en-US" b="0" dirty="0">
-                <a:solidFill>
-                  <a:srgbClr val="CCCCCC"/>
-                </a:solidFill>
-                <a:effectLst/>
-                <a:latin typeface="Consolas" panose="020B0609020204030204" pitchFamily="49" charset="0"/>
-              </a:rPr>
-              <a:t> </a:t>
-            </a:r>
-            <a:r>
-              <a:rPr lang="en-US" b="0" dirty="0">
-                <a:solidFill>
-                  <a:srgbClr val="CE9178"/>
-                </a:solidFill>
-                <a:effectLst/>
-                <a:latin typeface="Consolas" panose="020B0609020204030204" pitchFamily="49" charset="0"/>
-              </a:rPr>
-              <a:t>"Unknown"</a:t>
-            </a:r>
-            <a:endParaRPr lang="en-US" b="0" dirty="0">
-              <a:solidFill>
-                <a:srgbClr val="CCCCCC"/>
-              </a:solidFill>
-              <a:effectLst/>
-              <a:latin typeface="Consolas" panose="020B0609020204030204" pitchFamily="49" charset="0"/>
-            </a:endParaRPr>
-          </a:p>
-          <a:p>
-            <a:pPr>
-              <a:lnSpc>
-                <a:spcPts val="1425"/>
-              </a:lnSpc>
-            </a:pPr>
-            <a:r>
-              <a:rPr lang="en-US" b="0" dirty="0">
-                <a:solidFill>
-                  <a:srgbClr val="CCCCCC"/>
-                </a:solidFill>
-                <a:effectLst/>
-                <a:latin typeface="Consolas" panose="020B0609020204030204" pitchFamily="49" charset="0"/>
-              </a:rPr>
-              <a:t>            </a:t>
-            </a:r>
-            <a:r>
-              <a:rPr lang="en-US" b="0" dirty="0">
-                <a:solidFill>
-                  <a:srgbClr val="6A9955"/>
-                </a:solidFill>
-                <a:effectLst/>
-                <a:latin typeface="Consolas" panose="020B0609020204030204" pitchFamily="49" charset="0"/>
-              </a:rPr>
-              <a:t># Print the app name and package ID</a:t>
-            </a:r>
-            <a:endParaRPr lang="en-US" b="0" dirty="0">
-              <a:solidFill>
-                <a:srgbClr val="CCCCCC"/>
-              </a:solidFill>
-              <a:effectLst/>
-              <a:latin typeface="Consolas" panose="020B0609020204030204" pitchFamily="49" charset="0"/>
-            </a:endParaRPr>
-          </a:p>
-          <a:p>
-            <a:pPr>
-              <a:lnSpc>
-                <a:spcPts val="1425"/>
-              </a:lnSpc>
-            </a:pPr>
-            <a:r>
-              <a:rPr lang="en-US" b="0" dirty="0">
-                <a:solidFill>
-                  <a:srgbClr val="CCCCCC"/>
-                </a:solidFill>
-                <a:effectLst/>
-                <a:latin typeface="Consolas" panose="020B0609020204030204" pitchFamily="49" charset="0"/>
-              </a:rPr>
-              <a:t>            </a:t>
-            </a:r>
-            <a:r>
-              <a:rPr lang="en-US" b="0" dirty="0">
-                <a:solidFill>
-                  <a:srgbClr val="DCDCAA"/>
-                </a:solidFill>
-                <a:effectLst/>
-                <a:latin typeface="Consolas" panose="020B0609020204030204" pitchFamily="49" charset="0"/>
-              </a:rPr>
-              <a:t>print</a:t>
-            </a:r>
-            <a:r>
-              <a:rPr lang="en-US" b="0" dirty="0">
-                <a:solidFill>
-                  <a:srgbClr val="CCCCCC"/>
-                </a:solidFill>
-                <a:effectLst/>
-                <a:latin typeface="Consolas" panose="020B0609020204030204" pitchFamily="49" charset="0"/>
-              </a:rPr>
-              <a:t>(</a:t>
-            </a:r>
-            <a:r>
-              <a:rPr lang="en-US" b="0" dirty="0" err="1">
-                <a:solidFill>
-                  <a:srgbClr val="569CD6"/>
-                </a:solidFill>
-                <a:effectLst/>
-                <a:latin typeface="Consolas" panose="020B0609020204030204" pitchFamily="49" charset="0"/>
-              </a:rPr>
-              <a:t>f</a:t>
-            </a:r>
-            <a:r>
-              <a:rPr lang="en-US" b="0" dirty="0" err="1">
-                <a:solidFill>
-                  <a:srgbClr val="CE9178"/>
-                </a:solidFill>
-                <a:effectLst/>
-                <a:latin typeface="Consolas" panose="020B0609020204030204" pitchFamily="49" charset="0"/>
-              </a:rPr>
-              <a:t>"App</a:t>
-            </a:r>
-            <a:r>
-              <a:rPr lang="en-US" b="0" dirty="0">
-                <a:solidFill>
-                  <a:srgbClr val="CE9178"/>
-                </a:solidFill>
-                <a:effectLst/>
-                <a:latin typeface="Consolas" panose="020B0609020204030204" pitchFamily="49" charset="0"/>
-              </a:rPr>
-              <a:t> Name: </a:t>
-            </a:r>
-            <a:r>
-              <a:rPr lang="en-US" b="0" dirty="0">
-                <a:solidFill>
-                  <a:srgbClr val="569CD6"/>
-                </a:solidFill>
-                <a:effectLst/>
-                <a:latin typeface="Consolas" panose="020B0609020204030204" pitchFamily="49" charset="0"/>
-              </a:rPr>
-              <a:t>{</a:t>
-            </a:r>
-            <a:r>
-              <a:rPr lang="en-US" b="0" dirty="0" err="1">
-                <a:solidFill>
-                  <a:srgbClr val="9CDCFE"/>
-                </a:solidFill>
-                <a:effectLst/>
-                <a:latin typeface="Consolas" panose="020B0609020204030204" pitchFamily="49" charset="0"/>
-              </a:rPr>
-              <a:t>app_name</a:t>
-            </a:r>
-            <a:r>
-              <a:rPr lang="en-US" b="0" dirty="0">
-                <a:solidFill>
-                  <a:srgbClr val="569CD6"/>
-                </a:solidFill>
-                <a:effectLst/>
-                <a:latin typeface="Consolas" panose="020B0609020204030204" pitchFamily="49" charset="0"/>
-              </a:rPr>
-              <a:t>}</a:t>
-            </a:r>
-            <a:r>
-              <a:rPr lang="en-US" b="0" dirty="0">
-                <a:solidFill>
-                  <a:srgbClr val="CE9178"/>
-                </a:solidFill>
-                <a:effectLst/>
-                <a:latin typeface="Consolas" panose="020B0609020204030204" pitchFamily="49" charset="0"/>
-              </a:rPr>
-              <a:t>, Package ID: </a:t>
-            </a:r>
-            <a:r>
-              <a:rPr lang="en-US" b="0" dirty="0">
-                <a:solidFill>
-                  <a:srgbClr val="569CD6"/>
-                </a:solidFill>
-                <a:effectLst/>
-                <a:latin typeface="Consolas" panose="020B0609020204030204" pitchFamily="49" charset="0"/>
-              </a:rPr>
-              <a:t>{</a:t>
-            </a:r>
-            <a:r>
-              <a:rPr lang="en-US" b="0" dirty="0">
-                <a:solidFill>
-                  <a:srgbClr val="9CDCFE"/>
-                </a:solidFill>
-                <a:effectLst/>
-                <a:latin typeface="Consolas" panose="020B0609020204030204" pitchFamily="49" charset="0"/>
-              </a:rPr>
-              <a:t>package</a:t>
-            </a:r>
-            <a:r>
-              <a:rPr lang="en-US" b="0" dirty="0">
-                <a:solidFill>
-                  <a:srgbClr val="569CD6"/>
-                </a:solidFill>
-                <a:effectLst/>
-                <a:latin typeface="Consolas" panose="020B0609020204030204" pitchFamily="49" charset="0"/>
-              </a:rPr>
-              <a:t>}</a:t>
-            </a:r>
-            <a:r>
-              <a:rPr lang="en-US" b="0" dirty="0">
-                <a:solidFill>
-                  <a:srgbClr val="CE9178"/>
-                </a:solidFill>
-                <a:effectLst/>
-                <a:latin typeface="Consolas" panose="020B0609020204030204" pitchFamily="49" charset="0"/>
-              </a:rPr>
-              <a:t>"</a:t>
-            </a:r>
-            <a:r>
-              <a:rPr lang="en-US" b="0" dirty="0">
-                <a:solidFill>
-                  <a:srgbClr val="CCCCCC"/>
-                </a:solidFill>
-                <a:effectLst/>
-                <a:latin typeface="Consolas" panose="020B0609020204030204" pitchFamily="49" charset="0"/>
-              </a:rPr>
-              <a:t>)</a:t>
-            </a:r>
-          </a:p>
-          <a:p>
-            <a:pPr>
-              <a:lnSpc>
-                <a:spcPts val="1425"/>
-              </a:lnSpc>
-            </a:pPr>
-            <a:r>
-              <a:rPr lang="en-US" b="0" dirty="0">
-                <a:solidFill>
-                  <a:srgbClr val="CCCCCC"/>
-                </a:solidFill>
-                <a:effectLst/>
-                <a:latin typeface="Consolas" panose="020B0609020204030204" pitchFamily="49" charset="0"/>
-              </a:rPr>
-              <a:t>    </a:t>
-            </a:r>
-            <a:r>
-              <a:rPr lang="en-US" b="0" dirty="0">
-                <a:solidFill>
-                  <a:srgbClr val="C586C0"/>
-                </a:solidFill>
-                <a:effectLst/>
-                <a:latin typeface="Consolas" panose="020B0609020204030204" pitchFamily="49" charset="0"/>
-              </a:rPr>
-              <a:t>except</a:t>
-            </a:r>
-            <a:r>
-              <a:rPr lang="en-US" b="0" dirty="0">
-                <a:solidFill>
-                  <a:srgbClr val="CCCCCC"/>
-                </a:solidFill>
-                <a:effectLst/>
-                <a:latin typeface="Consolas" panose="020B0609020204030204" pitchFamily="49" charset="0"/>
-              </a:rPr>
-              <a:t> </a:t>
-            </a:r>
-            <a:r>
-              <a:rPr lang="en-US" b="0" dirty="0">
-                <a:solidFill>
-                  <a:srgbClr val="4EC9B0"/>
-                </a:solidFill>
-                <a:effectLst/>
-                <a:latin typeface="Consolas" panose="020B0609020204030204" pitchFamily="49" charset="0"/>
-              </a:rPr>
-              <a:t>Exception</a:t>
-            </a:r>
-            <a:r>
-              <a:rPr lang="en-US" b="0" dirty="0">
-                <a:solidFill>
-                  <a:srgbClr val="CCCCCC"/>
-                </a:solidFill>
-                <a:effectLst/>
-                <a:latin typeface="Consolas" panose="020B0609020204030204" pitchFamily="49" charset="0"/>
-              </a:rPr>
-              <a:t> </a:t>
-            </a:r>
-            <a:r>
-              <a:rPr lang="en-US" b="0" dirty="0">
-                <a:solidFill>
-                  <a:srgbClr val="C586C0"/>
-                </a:solidFill>
-                <a:effectLst/>
-                <a:latin typeface="Consolas" panose="020B0609020204030204" pitchFamily="49" charset="0"/>
-              </a:rPr>
-              <a:t>as</a:t>
-            </a:r>
-            <a:r>
-              <a:rPr lang="en-US" b="0" dirty="0">
-                <a:solidFill>
-                  <a:srgbClr val="CCCCCC"/>
-                </a:solidFill>
-                <a:effectLst/>
-                <a:latin typeface="Consolas" panose="020B0609020204030204" pitchFamily="49" charset="0"/>
-              </a:rPr>
-              <a:t> </a:t>
-            </a:r>
-            <a:r>
-              <a:rPr lang="en-US" b="0" dirty="0">
-                <a:solidFill>
-                  <a:srgbClr val="9CDCFE"/>
-                </a:solidFill>
-                <a:effectLst/>
-                <a:latin typeface="Consolas" panose="020B0609020204030204" pitchFamily="49" charset="0"/>
-              </a:rPr>
-              <a:t>e</a:t>
-            </a:r>
-            <a:r>
-              <a:rPr lang="en-US" b="0" dirty="0">
-                <a:solidFill>
-                  <a:srgbClr val="CCCCCC"/>
-                </a:solidFill>
-                <a:effectLst/>
-                <a:latin typeface="Consolas" panose="020B0609020204030204" pitchFamily="49" charset="0"/>
-              </a:rPr>
-              <a:t>:</a:t>
-            </a:r>
-          </a:p>
-          <a:p>
-            <a:pPr>
-              <a:lnSpc>
-                <a:spcPts val="1425"/>
-              </a:lnSpc>
-            </a:pPr>
-            <a:r>
-              <a:rPr lang="en-US" b="0" dirty="0">
-                <a:solidFill>
-                  <a:srgbClr val="CCCCCC"/>
-                </a:solidFill>
-                <a:effectLst/>
-                <a:latin typeface="Consolas" panose="020B0609020204030204" pitchFamily="49" charset="0"/>
-              </a:rPr>
-              <a:t>        </a:t>
-            </a:r>
-            <a:r>
-              <a:rPr lang="en-US" b="0" dirty="0">
-                <a:solidFill>
-                  <a:srgbClr val="DCDCAA"/>
-                </a:solidFill>
-                <a:effectLst/>
-                <a:latin typeface="Consolas" panose="020B0609020204030204" pitchFamily="49" charset="0"/>
-              </a:rPr>
-              <a:t>print</a:t>
-            </a:r>
-            <a:r>
-              <a:rPr lang="en-US" b="0" dirty="0">
-                <a:solidFill>
-                  <a:srgbClr val="CCCCCC"/>
-                </a:solidFill>
-                <a:effectLst/>
-                <a:latin typeface="Consolas" panose="020B0609020204030204" pitchFamily="49" charset="0"/>
-              </a:rPr>
-              <a:t>(</a:t>
-            </a:r>
-            <a:r>
-              <a:rPr lang="en-US" b="0" dirty="0" err="1">
-                <a:solidFill>
-                  <a:srgbClr val="569CD6"/>
-                </a:solidFill>
-                <a:effectLst/>
-                <a:latin typeface="Consolas" panose="020B0609020204030204" pitchFamily="49" charset="0"/>
-              </a:rPr>
-              <a:t>f</a:t>
-            </a:r>
-            <a:r>
-              <a:rPr lang="en-US" b="0" dirty="0" err="1">
-                <a:solidFill>
-                  <a:srgbClr val="CE9178"/>
-                </a:solidFill>
-                <a:effectLst/>
-                <a:latin typeface="Consolas" panose="020B0609020204030204" pitchFamily="49" charset="0"/>
-              </a:rPr>
-              <a:t>"Error</a:t>
-            </a:r>
-            <a:r>
-              <a:rPr lang="en-US" b="0" dirty="0">
-                <a:solidFill>
-                  <a:srgbClr val="CE9178"/>
-                </a:solidFill>
-                <a:effectLst/>
-                <a:latin typeface="Consolas" panose="020B0609020204030204" pitchFamily="49" charset="0"/>
-              </a:rPr>
-              <a:t> processing package </a:t>
-            </a:r>
-            <a:r>
-              <a:rPr lang="en-US" b="0" dirty="0">
-                <a:solidFill>
-                  <a:srgbClr val="569CD6"/>
-                </a:solidFill>
-                <a:effectLst/>
-                <a:latin typeface="Consolas" panose="020B0609020204030204" pitchFamily="49" charset="0"/>
-              </a:rPr>
-              <a:t>{</a:t>
-            </a:r>
-            <a:r>
-              <a:rPr lang="en-US" b="0" dirty="0">
-                <a:solidFill>
-                  <a:srgbClr val="9CDCFE"/>
-                </a:solidFill>
-                <a:effectLst/>
-                <a:latin typeface="Consolas" panose="020B0609020204030204" pitchFamily="49" charset="0"/>
-              </a:rPr>
-              <a:t>package</a:t>
-            </a:r>
-            <a:r>
-              <a:rPr lang="en-US" b="0" dirty="0">
-                <a:solidFill>
-                  <a:srgbClr val="569CD6"/>
-                </a:solidFill>
-                <a:effectLst/>
-                <a:latin typeface="Consolas" panose="020B0609020204030204" pitchFamily="49" charset="0"/>
-              </a:rPr>
-              <a:t>}</a:t>
-            </a:r>
-            <a:r>
-              <a:rPr lang="en-US" b="0" dirty="0">
-                <a:solidFill>
-                  <a:srgbClr val="CE9178"/>
-                </a:solidFill>
-                <a:effectLst/>
-                <a:latin typeface="Consolas" panose="020B0609020204030204" pitchFamily="49" charset="0"/>
-              </a:rPr>
-              <a:t>: </a:t>
-            </a:r>
-            <a:r>
-              <a:rPr lang="en-US" b="0" dirty="0">
-                <a:solidFill>
-                  <a:srgbClr val="569CD6"/>
-                </a:solidFill>
-                <a:effectLst/>
-                <a:latin typeface="Consolas" panose="020B0609020204030204" pitchFamily="49" charset="0"/>
-              </a:rPr>
-              <a:t>{</a:t>
-            </a:r>
-            <a:r>
-              <a:rPr lang="en-US" b="0" dirty="0">
-                <a:solidFill>
-                  <a:srgbClr val="4EC9B0"/>
-                </a:solidFill>
-                <a:effectLst/>
-                <a:latin typeface="Consolas" panose="020B0609020204030204" pitchFamily="49" charset="0"/>
-              </a:rPr>
-              <a:t>str</a:t>
-            </a:r>
-            <a:r>
-              <a:rPr lang="en-US" b="0" dirty="0">
-                <a:solidFill>
-                  <a:srgbClr val="CCCCCC"/>
-                </a:solidFill>
-                <a:effectLst/>
-                <a:latin typeface="Consolas" panose="020B0609020204030204" pitchFamily="49" charset="0"/>
-              </a:rPr>
-              <a:t>(</a:t>
-            </a:r>
-            <a:r>
-              <a:rPr lang="en-US" b="0" dirty="0">
-                <a:solidFill>
-                  <a:srgbClr val="9CDCFE"/>
-                </a:solidFill>
-                <a:effectLst/>
-                <a:latin typeface="Consolas" panose="020B0609020204030204" pitchFamily="49" charset="0"/>
-              </a:rPr>
-              <a:t>e</a:t>
-            </a:r>
-            <a:r>
-              <a:rPr lang="en-US" b="0" dirty="0">
-                <a:solidFill>
-                  <a:srgbClr val="CCCCCC"/>
-                </a:solidFill>
-                <a:effectLst/>
-                <a:latin typeface="Consolas" panose="020B0609020204030204" pitchFamily="49" charset="0"/>
-              </a:rPr>
-              <a:t>)</a:t>
-            </a:r>
-            <a:r>
-              <a:rPr lang="en-US" b="0" dirty="0">
-                <a:solidFill>
-                  <a:srgbClr val="569CD6"/>
-                </a:solidFill>
-                <a:effectLst/>
-                <a:latin typeface="Consolas" panose="020B0609020204030204" pitchFamily="49" charset="0"/>
-              </a:rPr>
-              <a:t>}</a:t>
-            </a:r>
-            <a:r>
-              <a:rPr lang="en-US" b="0" dirty="0">
-                <a:solidFill>
-                  <a:srgbClr val="CE9178"/>
-                </a:solidFill>
-                <a:effectLst/>
-                <a:latin typeface="Consolas" panose="020B0609020204030204" pitchFamily="49" charset="0"/>
-              </a:rPr>
-              <a:t>"</a:t>
-            </a:r>
-            <a:r>
-              <a:rPr lang="en-US" b="0" dirty="0">
-                <a:solidFill>
-                  <a:srgbClr val="CCCCCC"/>
-                </a:solidFill>
-                <a:effectLst/>
-                <a:latin typeface="Consolas" panose="020B0609020204030204" pitchFamily="49" charset="0"/>
-              </a:rPr>
-              <a:t>)</a:t>
-            </a:r>
-          </a:p>
-          <a:p>
-            <a:pPr>
-              <a:lnSpc>
-                <a:spcPts val="1425"/>
-              </a:lnSpc>
-            </a:pPr>
-            <a:br>
-              <a:rPr lang="en-US" b="0" dirty="0">
-                <a:solidFill>
-                  <a:srgbClr val="CCCCCC"/>
-                </a:solidFill>
-                <a:effectLst/>
-                <a:latin typeface="Consolas" panose="020B0609020204030204" pitchFamily="49" charset="0"/>
-              </a:rPr>
-            </a:br>
-            <a:r>
-              <a:rPr lang="en-US" b="0" dirty="0">
-                <a:solidFill>
-                  <a:srgbClr val="C586C0"/>
-                </a:solidFill>
-                <a:effectLst/>
-                <a:latin typeface="Consolas" panose="020B0609020204030204" pitchFamily="49" charset="0"/>
-              </a:rPr>
-              <a:t>if</a:t>
-            </a:r>
-            <a:r>
-              <a:rPr lang="en-US" b="0" dirty="0">
-                <a:solidFill>
-                  <a:srgbClr val="CCCCCC"/>
-                </a:solidFill>
-                <a:effectLst/>
-                <a:latin typeface="Consolas" panose="020B0609020204030204" pitchFamily="49" charset="0"/>
-              </a:rPr>
-              <a:t> </a:t>
-            </a:r>
-            <a:r>
-              <a:rPr lang="en-US" b="0" dirty="0">
-                <a:solidFill>
-                  <a:srgbClr val="9CDCFE"/>
-                </a:solidFill>
-                <a:effectLst/>
-                <a:latin typeface="Consolas" panose="020B0609020204030204" pitchFamily="49" charset="0"/>
-              </a:rPr>
-              <a:t>__name__</a:t>
-            </a:r>
-            <a:r>
-              <a:rPr lang="en-US" b="0" dirty="0">
-                <a:solidFill>
-                  <a:srgbClr val="CCCCCC"/>
-                </a:solidFill>
-                <a:effectLst/>
-                <a:latin typeface="Consolas" panose="020B0609020204030204" pitchFamily="49" charset="0"/>
-              </a:rPr>
-              <a:t> </a:t>
-            </a:r>
-            <a:r>
-              <a:rPr lang="en-US" b="0" dirty="0">
-                <a:solidFill>
-                  <a:srgbClr val="D4D4D4"/>
-                </a:solidFill>
-                <a:effectLst/>
-                <a:latin typeface="Consolas" panose="020B0609020204030204" pitchFamily="49" charset="0"/>
-              </a:rPr>
-              <a:t>==</a:t>
-            </a:r>
-            <a:r>
-              <a:rPr lang="en-US" b="0" dirty="0">
-                <a:solidFill>
-                  <a:srgbClr val="CCCCCC"/>
-                </a:solidFill>
-                <a:effectLst/>
-                <a:latin typeface="Consolas" panose="020B0609020204030204" pitchFamily="49" charset="0"/>
-              </a:rPr>
-              <a:t> </a:t>
-            </a:r>
-            <a:r>
-              <a:rPr lang="en-US" b="0" dirty="0">
-                <a:solidFill>
-                  <a:srgbClr val="CE9178"/>
-                </a:solidFill>
-                <a:effectLst/>
-                <a:latin typeface="Consolas" panose="020B0609020204030204" pitchFamily="49" charset="0"/>
-              </a:rPr>
-              <a:t>"__main__"</a:t>
-            </a:r>
-            <a:r>
-              <a:rPr lang="en-US" b="0" dirty="0">
-                <a:solidFill>
-                  <a:srgbClr val="CCCCCC"/>
-                </a:solidFill>
-                <a:effectLst/>
-                <a:latin typeface="Consolas" panose="020B0609020204030204" pitchFamily="49" charset="0"/>
-              </a:rPr>
-              <a:t>:</a:t>
-            </a:r>
-          </a:p>
-          <a:p>
-            <a:pPr>
-              <a:lnSpc>
-                <a:spcPts val="1425"/>
-              </a:lnSpc>
-            </a:pPr>
-            <a:r>
-              <a:rPr lang="en-US" b="0" dirty="0">
-                <a:solidFill>
-                  <a:srgbClr val="CCCCCC"/>
-                </a:solidFill>
-                <a:effectLst/>
-                <a:latin typeface="Consolas" panose="020B0609020204030204" pitchFamily="49" charset="0"/>
-              </a:rPr>
-              <a:t>    </a:t>
-            </a:r>
-            <a:r>
-              <a:rPr lang="en-US" b="0" dirty="0" err="1">
-                <a:solidFill>
-                  <a:srgbClr val="DCDCAA"/>
-                </a:solidFill>
-                <a:effectLst/>
-                <a:latin typeface="Consolas" panose="020B0609020204030204" pitchFamily="49" charset="0"/>
-              </a:rPr>
-              <a:t>get_android_apps</a:t>
-            </a:r>
-            <a:r>
-              <a:rPr lang="en-US" b="0" dirty="0">
-                <a:solidFill>
-                  <a:srgbClr val="CCCCCC"/>
-                </a:solidFill>
-                <a:effectLst/>
-                <a:latin typeface="Consolas" panose="020B0609020204030204" pitchFamily="49" charset="0"/>
-              </a:rPr>
-              <a:t>()</a:t>
-            </a:r>
-          </a:p>
-          <a:p>
-            <a:endParaRPr lang="en-US" dirty="0"/>
+            <a:r>
+              <a:rPr lang="en-US" err="1"/>
+              <a:t>sngebd</a:t>
+            </a:r>
+            <a:r>
+              <a:rPr lang="en-US"/>
+              <a:t>"&gt;\K.*?(?=&lt;/div&gt;)'  | grep  -io money\</a:t>
+            </a:r>
+          </a:p>
+          <a:p>
+            <a:r>
+              <a:rPr lang="en-US"/>
+              <a:t>&amp;&amp; echo $package; \</a:t>
+            </a:r>
+          </a:p>
+          <a:p>
+            <a:endParaRPr lang="en-US"/>
+          </a:p>
+          <a:p>
+            <a:endParaRPr lang="en-US"/>
+          </a:p>
+          <a:p>
+            <a:r>
+              <a:rPr lang="en-US"/>
+              <a:t>money</a:t>
+            </a:r>
+          </a:p>
+          <a:p>
+            <a:r>
+              <a:rPr lang="en-US"/>
+              <a:t>money</a:t>
+            </a:r>
+          </a:p>
+          <a:p>
+            <a:r>
+              <a:rPr lang="en-US" err="1"/>
+              <a:t>com.enflick.android.TextNow</a:t>
+            </a:r>
+            <a:endParaRPr lang="en-US"/>
+          </a:p>
+          <a:p>
+            <a:r>
+              <a:rPr lang="en-US"/>
+              <a:t>MONEY</a:t>
+            </a:r>
+          </a:p>
+          <a:p>
+            <a:r>
+              <a:rPr lang="en-US"/>
+              <a:t>money</a:t>
+            </a:r>
+          </a:p>
+          <a:p>
+            <a:r>
+              <a:rPr lang="en-US"/>
+              <a:t>money</a:t>
+            </a:r>
+          </a:p>
+          <a:p>
+            <a:r>
+              <a:rPr lang="en-US" err="1"/>
+              <a:t>com.facebook.orca</a:t>
+            </a:r>
+            <a:endParaRPr lang="en-US"/>
+          </a:p>
+          <a:p>
+            <a:r>
+              <a:rPr lang="en-US"/>
+              <a:t>money</a:t>
+            </a:r>
+          </a:p>
+          <a:p>
+            <a:r>
+              <a:rPr lang="en-US" err="1"/>
+              <a:t>com.google.android.apps.walletnfcrel</a:t>
+            </a:r>
+            <a:endParaRPr lang="en-US"/>
+          </a:p>
+          <a:p>
+            <a:r>
+              <a:rPr lang="en-US"/>
+              <a:t>money</a:t>
+            </a:r>
+          </a:p>
+          <a:p>
+            <a:r>
+              <a:rPr lang="en-US"/>
+              <a:t>money</a:t>
+            </a:r>
+          </a:p>
+          <a:p>
+            <a:r>
+              <a:rPr lang="en-US"/>
+              <a:t>money</a:t>
+            </a:r>
+          </a:p>
+          <a:p>
+            <a:r>
+              <a:rPr lang="en-US"/>
+              <a:t>money</a:t>
+            </a:r>
+          </a:p>
+          <a:p>
+            <a:r>
+              <a:rPr lang="en-US"/>
+              <a:t>money</a:t>
+            </a:r>
+          </a:p>
+          <a:p>
+            <a:r>
+              <a:rPr lang="en-US"/>
+              <a:t>money</a:t>
+            </a:r>
+          </a:p>
+          <a:p>
+            <a:r>
+              <a:rPr lang="en-US"/>
+              <a:t>money</a:t>
+            </a:r>
+          </a:p>
+          <a:p>
+            <a:r>
+              <a:rPr lang="en-US"/>
+              <a:t>money</a:t>
+            </a:r>
+          </a:p>
+          <a:p>
+            <a:r>
+              <a:rPr lang="en-US"/>
+              <a:t>Money</a:t>
+            </a:r>
+          </a:p>
+          <a:p>
+            <a:r>
+              <a:rPr lang="en-US"/>
+              <a:t>Money</a:t>
+            </a:r>
+          </a:p>
+          <a:p>
+            <a:r>
+              <a:rPr lang="en-US"/>
+              <a:t>money</a:t>
+            </a:r>
+          </a:p>
+          <a:p>
+            <a:r>
+              <a:rPr lang="en-US" err="1"/>
+              <a:t>com.venmo</a:t>
+            </a:r>
+            <a:endParaRPr lang="en-US"/>
+          </a:p>
+          <a:p>
+            <a:endParaRPr lang="en-US"/>
           </a:p>
         </p:txBody>
       </p:sp>
@@ -9572,7 +7271,7 @@
     </p:spTree>
     <p:extLst>
       <p:ext uri="{BB962C8B-B14F-4D97-AF65-F5344CB8AC3E}">
-        <p14:creationId xmlns:p14="http://schemas.microsoft.com/office/powerpoint/2010/main" val="51097941"/>
+        <p14:creationId xmlns:p14="http://schemas.microsoft.com/office/powerpoint/2010/main" val="1414179321"/>
       </p:ext>
     </p:extLst>
   </p:cSld>
@@ -9714,6 +7413,2553 @@
     <p:extLst>
       <p:ext uri="{BB962C8B-B14F-4D97-AF65-F5344CB8AC3E}">
         <p14:creationId xmlns:p14="http://schemas.microsoft.com/office/powerpoint/2010/main" val="1668012879"/>
+      </p:ext>
+    </p:extLst>
+  </p:cSld>
+  <p:clrMapOvr>
+    <a:masterClrMapping/>
+  </p:clrMapOvr>
+</p:notes>
+</file>
+
+<file path=ppt/notesSlides/notesSlide20.xml><?xml version="1.0" encoding="utf-8"?>
+<p:notes xmlns:a="http://schemas.openxmlformats.org/drawingml/2006/main" xmlns:r="http://schemas.openxmlformats.org/officeDocument/2006/relationships" xmlns:p="http://schemas.openxmlformats.org/presentationml/2006/main">
+  <p:cSld>
+    <p:spTree>
+      <p:nvGrpSpPr>
+        <p:cNvPr id="1" name=""/>
+        <p:cNvGrpSpPr/>
+        <p:nvPr/>
+      </p:nvGrpSpPr>
+      <p:grpSpPr>
+        <a:xfrm>
+          <a:off x="0" y="0"/>
+          <a:ext cx="0" cy="0"/>
+          <a:chOff x="0" y="0"/>
+          <a:chExt cx="0" cy="0"/>
+        </a:xfrm>
+      </p:grpSpPr>
+      <p:sp>
+        <p:nvSpPr>
+          <p:cNvPr id="2" name="Slide Image Placeholder 1"/>
+          <p:cNvSpPr>
+            <a:spLocks noGrp="1" noRot="1" noChangeAspect="1"/>
+          </p:cNvSpPr>
+          <p:nvPr>
+            <p:ph type="sldImg"/>
+          </p:nvPr>
+        </p:nvSpPr>
+        <p:spPr/>
+      </p:sp>
+      <p:sp>
+        <p:nvSpPr>
+          <p:cNvPr id="3" name="Notes Placeholder 2"/>
+          <p:cNvSpPr>
+            <a:spLocks noGrp="1"/>
+          </p:cNvSpPr>
+          <p:nvPr>
+            <p:ph type="body" idx="1"/>
+          </p:nvPr>
+        </p:nvSpPr>
+        <p:spPr/>
+        <p:txBody>
+          <a:bodyPr/>
+          <a:lstStyle/>
+          <a:p>
+            <a:pPr>
+              <a:lnSpc>
+                <a:spcPts val="1425"/>
+              </a:lnSpc>
+            </a:pPr>
+            <a:r>
+              <a:rPr lang="en-US" b="0" dirty="0">
+                <a:solidFill>
+                  <a:srgbClr val="CE9178"/>
+                </a:solidFill>
+                <a:effectLst/>
+                <a:latin typeface="Consolas" panose="020B0609020204030204" pitchFamily="49" charset="0"/>
+              </a:rPr>
+              <a:t>"""</a:t>
+            </a:r>
+            <a:endParaRPr lang="en-US" b="0" dirty="0">
+              <a:solidFill>
+                <a:srgbClr val="CCCCCC"/>
+              </a:solidFill>
+              <a:effectLst/>
+              <a:latin typeface="Consolas" panose="020B0609020204030204" pitchFamily="49" charset="0"/>
+            </a:endParaRPr>
+          </a:p>
+          <a:p>
+            <a:pPr>
+              <a:lnSpc>
+                <a:spcPts val="1425"/>
+              </a:lnSpc>
+            </a:pPr>
+            <a:r>
+              <a:rPr lang="en-US" b="0" dirty="0">
+                <a:solidFill>
+                  <a:srgbClr val="CE9178"/>
+                </a:solidFill>
+                <a:effectLst/>
+                <a:latin typeface="Consolas" panose="020B0609020204030204" pitchFamily="49" charset="0"/>
+              </a:rPr>
+              <a:t>Explanation of the Code</a:t>
+            </a:r>
+            <a:endParaRPr lang="en-US" b="0" dirty="0">
+              <a:solidFill>
+                <a:srgbClr val="CCCCCC"/>
+              </a:solidFill>
+              <a:effectLst/>
+              <a:latin typeface="Consolas" panose="020B0609020204030204" pitchFamily="49" charset="0"/>
+            </a:endParaRPr>
+          </a:p>
+          <a:p>
+            <a:pPr>
+              <a:lnSpc>
+                <a:spcPts val="1425"/>
+              </a:lnSpc>
+            </a:pPr>
+            <a:r>
+              <a:rPr lang="en-US" b="0" dirty="0">
+                <a:solidFill>
+                  <a:srgbClr val="CE9178"/>
+                </a:solidFill>
+                <a:effectLst/>
+                <a:latin typeface="Consolas" panose="020B0609020204030204" pitchFamily="49" charset="0"/>
+              </a:rPr>
+              <a:t>Listing Package IDs :</a:t>
+            </a:r>
+            <a:endParaRPr lang="en-US" b="0" dirty="0">
+              <a:solidFill>
+                <a:srgbClr val="CCCCCC"/>
+              </a:solidFill>
+              <a:effectLst/>
+              <a:latin typeface="Consolas" panose="020B0609020204030204" pitchFamily="49" charset="0"/>
+            </a:endParaRPr>
+          </a:p>
+          <a:p>
+            <a:pPr>
+              <a:lnSpc>
+                <a:spcPts val="1425"/>
+              </a:lnSpc>
+            </a:pPr>
+            <a:r>
+              <a:rPr lang="en-US" b="0" dirty="0">
+                <a:solidFill>
+                  <a:srgbClr val="CE9178"/>
+                </a:solidFill>
+                <a:effectLst/>
+                <a:latin typeface="Consolas" panose="020B0609020204030204" pitchFamily="49" charset="0"/>
+              </a:rPr>
+              <a:t>- The script uses </a:t>
+            </a:r>
+            <a:r>
+              <a:rPr lang="en-US" b="0" dirty="0" err="1">
+                <a:solidFill>
+                  <a:srgbClr val="CE9178"/>
+                </a:solidFill>
+                <a:effectLst/>
+                <a:latin typeface="Consolas" panose="020B0609020204030204" pitchFamily="49" charset="0"/>
+              </a:rPr>
+              <a:t>os.listdir</a:t>
+            </a:r>
+            <a:r>
+              <a:rPr lang="en-US" b="0" dirty="0">
+                <a:solidFill>
+                  <a:srgbClr val="CE9178"/>
+                </a:solidFill>
+                <a:effectLst/>
+                <a:latin typeface="Consolas" panose="020B0609020204030204" pitchFamily="49" charset="0"/>
+              </a:rPr>
+              <a:t>() to list all directories in the Pixel 3/data/data folder. Each directory corresponds to an installed app's package ID.</a:t>
+            </a:r>
+            <a:endParaRPr lang="en-US" b="0" dirty="0">
+              <a:solidFill>
+                <a:srgbClr val="CCCCCC"/>
+              </a:solidFill>
+              <a:effectLst/>
+              <a:latin typeface="Consolas" panose="020B0609020204030204" pitchFamily="49" charset="0"/>
+            </a:endParaRPr>
+          </a:p>
+          <a:p>
+            <a:pPr>
+              <a:lnSpc>
+                <a:spcPts val="1425"/>
+              </a:lnSpc>
+            </a:pPr>
+            <a:r>
+              <a:rPr lang="en-US" b="0" dirty="0">
+                <a:solidFill>
+                  <a:srgbClr val="CE9178"/>
+                </a:solidFill>
+                <a:effectLst/>
+                <a:latin typeface="Consolas" panose="020B0609020204030204" pitchFamily="49" charset="0"/>
+              </a:rPr>
+              <a:t>Fetching App Details :</a:t>
+            </a:r>
+            <a:endParaRPr lang="en-US" b="0" dirty="0">
+              <a:solidFill>
+                <a:srgbClr val="CCCCCC"/>
+              </a:solidFill>
+              <a:effectLst/>
+              <a:latin typeface="Consolas" panose="020B0609020204030204" pitchFamily="49" charset="0"/>
+            </a:endParaRPr>
+          </a:p>
+          <a:p>
+            <a:pPr>
+              <a:lnSpc>
+                <a:spcPts val="1425"/>
+              </a:lnSpc>
+            </a:pPr>
+            <a:r>
+              <a:rPr lang="en-US" b="0" dirty="0">
+                <a:solidFill>
+                  <a:srgbClr val="CE9178"/>
+                </a:solidFill>
+                <a:effectLst/>
+                <a:latin typeface="Consolas" panose="020B0609020204030204" pitchFamily="49" charset="0"/>
+              </a:rPr>
+              <a:t>- For each package ID, the script constructs the Google Play Store URL (https://play.google.com/store/apps/details?id=&lt;package&gt;).</a:t>
+            </a:r>
+            <a:endParaRPr lang="en-US" b="0" dirty="0">
+              <a:solidFill>
+                <a:srgbClr val="CCCCCC"/>
+              </a:solidFill>
+              <a:effectLst/>
+              <a:latin typeface="Consolas" panose="020B0609020204030204" pitchFamily="49" charset="0"/>
+            </a:endParaRPr>
+          </a:p>
+          <a:p>
+            <a:pPr>
+              <a:lnSpc>
+                <a:spcPts val="1425"/>
+              </a:lnSpc>
+            </a:pPr>
+            <a:r>
+              <a:rPr lang="en-US" b="0" dirty="0">
+                <a:solidFill>
+                  <a:srgbClr val="CE9178"/>
+                </a:solidFill>
+                <a:effectLst/>
+                <a:latin typeface="Consolas" panose="020B0609020204030204" pitchFamily="49" charset="0"/>
+              </a:rPr>
+              <a:t>- It uses the requests library to fetch the HTML content of the app's details page.</a:t>
+            </a:r>
+            <a:endParaRPr lang="en-US" b="0" dirty="0">
+              <a:solidFill>
+                <a:srgbClr val="CCCCCC"/>
+              </a:solidFill>
+              <a:effectLst/>
+              <a:latin typeface="Consolas" panose="020B0609020204030204" pitchFamily="49" charset="0"/>
+            </a:endParaRPr>
+          </a:p>
+          <a:p>
+            <a:pPr>
+              <a:lnSpc>
+                <a:spcPts val="1425"/>
+              </a:lnSpc>
+            </a:pPr>
+            <a:r>
+              <a:rPr lang="en-US" b="0" dirty="0">
+                <a:solidFill>
+                  <a:srgbClr val="CE9178"/>
+                </a:solidFill>
+                <a:effectLst/>
+                <a:latin typeface="Consolas" panose="020B0609020204030204" pitchFamily="49" charset="0"/>
+              </a:rPr>
+              <a:t>Parsing the HTML :</a:t>
+            </a:r>
+            <a:endParaRPr lang="en-US" b="0" dirty="0">
+              <a:solidFill>
+                <a:srgbClr val="CCCCCC"/>
+              </a:solidFill>
+              <a:effectLst/>
+              <a:latin typeface="Consolas" panose="020B0609020204030204" pitchFamily="49" charset="0"/>
+            </a:endParaRPr>
+          </a:p>
+          <a:p>
+            <a:pPr>
+              <a:lnSpc>
+                <a:spcPts val="1425"/>
+              </a:lnSpc>
+            </a:pPr>
+            <a:r>
+              <a:rPr lang="en-US" b="0" dirty="0">
+                <a:solidFill>
+                  <a:srgbClr val="CE9178"/>
+                </a:solidFill>
+                <a:effectLst/>
+                <a:latin typeface="Consolas" panose="020B0609020204030204" pitchFamily="49" charset="0"/>
+              </a:rPr>
+              <a:t>- The script uses </a:t>
+            </a:r>
+            <a:r>
+              <a:rPr lang="en-US" b="0" dirty="0" err="1">
+                <a:solidFill>
+                  <a:srgbClr val="CE9178"/>
+                </a:solidFill>
+                <a:effectLst/>
+                <a:latin typeface="Consolas" panose="020B0609020204030204" pitchFamily="49" charset="0"/>
+              </a:rPr>
+              <a:t>BeautifulSoup</a:t>
+            </a:r>
+            <a:r>
+              <a:rPr lang="en-US" b="0" dirty="0">
+                <a:solidFill>
+                  <a:srgbClr val="CE9178"/>
+                </a:solidFill>
+                <a:effectLst/>
+                <a:latin typeface="Consolas" panose="020B0609020204030204" pitchFamily="49" charset="0"/>
+              </a:rPr>
+              <a:t> from the bs4 module to parse the HTML response.</a:t>
+            </a:r>
+            <a:endParaRPr lang="en-US" b="0" dirty="0">
+              <a:solidFill>
+                <a:srgbClr val="CCCCCC"/>
+              </a:solidFill>
+              <a:effectLst/>
+              <a:latin typeface="Consolas" panose="020B0609020204030204" pitchFamily="49" charset="0"/>
+            </a:endParaRPr>
+          </a:p>
+          <a:p>
+            <a:pPr>
+              <a:lnSpc>
+                <a:spcPts val="1425"/>
+              </a:lnSpc>
+            </a:pPr>
+            <a:r>
+              <a:rPr lang="en-US" b="0" dirty="0">
+                <a:solidFill>
+                  <a:srgbClr val="CE9178"/>
+                </a:solidFill>
+                <a:effectLst/>
+                <a:latin typeface="Consolas" panose="020B0609020204030204" pitchFamily="49" charset="0"/>
+              </a:rPr>
+              <a:t>- It looks for the &lt;h1&gt; tag with the attribute itemprop="name" to extract the app name.</a:t>
+            </a:r>
+            <a:endParaRPr lang="en-US" b="0" dirty="0">
+              <a:solidFill>
+                <a:srgbClr val="CCCCCC"/>
+              </a:solidFill>
+              <a:effectLst/>
+              <a:latin typeface="Consolas" panose="020B0609020204030204" pitchFamily="49" charset="0"/>
+            </a:endParaRPr>
+          </a:p>
+          <a:p>
+            <a:pPr>
+              <a:lnSpc>
+                <a:spcPts val="1425"/>
+              </a:lnSpc>
+            </a:pPr>
+            <a:r>
+              <a:rPr lang="en-US" b="0" dirty="0">
+                <a:solidFill>
+                  <a:srgbClr val="CE9178"/>
+                </a:solidFill>
+                <a:effectLst/>
+                <a:latin typeface="Consolas" panose="020B0609020204030204" pitchFamily="49" charset="0"/>
+              </a:rPr>
+              <a:t>Output :</a:t>
+            </a:r>
+            <a:endParaRPr lang="en-US" b="0" dirty="0">
+              <a:solidFill>
+                <a:srgbClr val="CCCCCC"/>
+              </a:solidFill>
+              <a:effectLst/>
+              <a:latin typeface="Consolas" panose="020B0609020204030204" pitchFamily="49" charset="0"/>
+            </a:endParaRPr>
+          </a:p>
+          <a:p>
+            <a:pPr>
+              <a:lnSpc>
+                <a:spcPts val="1425"/>
+              </a:lnSpc>
+            </a:pPr>
+            <a:r>
+              <a:rPr lang="en-US" b="0" dirty="0">
+                <a:solidFill>
+                  <a:srgbClr val="CE9178"/>
+                </a:solidFill>
+                <a:effectLst/>
+                <a:latin typeface="Consolas" panose="020B0609020204030204" pitchFamily="49" charset="0"/>
+              </a:rPr>
+              <a:t>- The script prints the app name and its corresponding package ID.</a:t>
+            </a:r>
+            <a:endParaRPr lang="en-US" b="0" dirty="0">
+              <a:solidFill>
+                <a:srgbClr val="CCCCCC"/>
+              </a:solidFill>
+              <a:effectLst/>
+              <a:latin typeface="Consolas" panose="020B0609020204030204" pitchFamily="49" charset="0"/>
+            </a:endParaRPr>
+          </a:p>
+          <a:p>
+            <a:pPr>
+              <a:lnSpc>
+                <a:spcPts val="1425"/>
+              </a:lnSpc>
+            </a:pPr>
+            <a:r>
+              <a:rPr lang="en-US" b="0" dirty="0">
+                <a:solidFill>
+                  <a:srgbClr val="CE9178"/>
+                </a:solidFill>
+                <a:effectLst/>
+                <a:latin typeface="Consolas" panose="020B0609020204030204" pitchFamily="49" charset="0"/>
+              </a:rPr>
+              <a:t>"""</a:t>
+            </a:r>
+            <a:endParaRPr lang="en-US" b="0" dirty="0">
+              <a:solidFill>
+                <a:srgbClr val="CCCCCC"/>
+              </a:solidFill>
+              <a:effectLst/>
+              <a:latin typeface="Consolas" panose="020B0609020204030204" pitchFamily="49" charset="0"/>
+            </a:endParaRPr>
+          </a:p>
+          <a:p>
+            <a:pPr>
+              <a:lnSpc>
+                <a:spcPts val="1425"/>
+              </a:lnSpc>
+            </a:pPr>
+            <a:r>
+              <a:rPr lang="en-US" b="0" dirty="0">
+                <a:solidFill>
+                  <a:srgbClr val="C586C0"/>
+                </a:solidFill>
+                <a:effectLst/>
+                <a:latin typeface="Consolas" panose="020B0609020204030204" pitchFamily="49" charset="0"/>
+              </a:rPr>
+              <a:t>import</a:t>
+            </a:r>
+            <a:r>
+              <a:rPr lang="en-US" b="0" dirty="0">
+                <a:solidFill>
+                  <a:srgbClr val="CCCCCC"/>
+                </a:solidFill>
+                <a:effectLst/>
+                <a:latin typeface="Consolas" panose="020B0609020204030204" pitchFamily="49" charset="0"/>
+              </a:rPr>
+              <a:t> </a:t>
+            </a:r>
+            <a:r>
+              <a:rPr lang="en-US" b="0" dirty="0" err="1">
+                <a:solidFill>
+                  <a:srgbClr val="4EC9B0"/>
+                </a:solidFill>
+                <a:effectLst/>
+                <a:latin typeface="Consolas" panose="020B0609020204030204" pitchFamily="49" charset="0"/>
+              </a:rPr>
+              <a:t>os</a:t>
+            </a:r>
+            <a:endParaRPr lang="en-US" b="0" dirty="0">
+              <a:solidFill>
+                <a:srgbClr val="CCCCCC"/>
+              </a:solidFill>
+              <a:effectLst/>
+              <a:latin typeface="Consolas" panose="020B0609020204030204" pitchFamily="49" charset="0"/>
+            </a:endParaRPr>
+          </a:p>
+          <a:p>
+            <a:pPr>
+              <a:lnSpc>
+                <a:spcPts val="1425"/>
+              </a:lnSpc>
+            </a:pPr>
+            <a:r>
+              <a:rPr lang="en-US" b="0" dirty="0">
+                <a:solidFill>
+                  <a:srgbClr val="C586C0"/>
+                </a:solidFill>
+                <a:effectLst/>
+                <a:latin typeface="Consolas" panose="020B0609020204030204" pitchFamily="49" charset="0"/>
+              </a:rPr>
+              <a:t>import</a:t>
+            </a:r>
+            <a:r>
+              <a:rPr lang="en-US" b="0" dirty="0">
+                <a:solidFill>
+                  <a:srgbClr val="CCCCCC"/>
+                </a:solidFill>
+                <a:effectLst/>
+                <a:latin typeface="Consolas" panose="020B0609020204030204" pitchFamily="49" charset="0"/>
+              </a:rPr>
+              <a:t> </a:t>
+            </a:r>
+            <a:r>
+              <a:rPr lang="en-US" b="0" dirty="0">
+                <a:solidFill>
+                  <a:srgbClr val="4EC9B0"/>
+                </a:solidFill>
+                <a:effectLst/>
+                <a:latin typeface="Consolas" panose="020B0609020204030204" pitchFamily="49" charset="0"/>
+              </a:rPr>
+              <a:t>requests</a:t>
+            </a:r>
+            <a:endParaRPr lang="en-US" b="0" dirty="0">
+              <a:solidFill>
+                <a:srgbClr val="CCCCCC"/>
+              </a:solidFill>
+              <a:effectLst/>
+              <a:latin typeface="Consolas" panose="020B0609020204030204" pitchFamily="49" charset="0"/>
+            </a:endParaRPr>
+          </a:p>
+          <a:p>
+            <a:pPr>
+              <a:lnSpc>
+                <a:spcPts val="1425"/>
+              </a:lnSpc>
+            </a:pPr>
+            <a:r>
+              <a:rPr lang="en-US" b="0" dirty="0">
+                <a:solidFill>
+                  <a:srgbClr val="C586C0"/>
+                </a:solidFill>
+                <a:effectLst/>
+                <a:latin typeface="Consolas" panose="020B0609020204030204" pitchFamily="49" charset="0"/>
+              </a:rPr>
+              <a:t>import</a:t>
+            </a:r>
+            <a:r>
+              <a:rPr lang="en-US" b="0" dirty="0">
+                <a:solidFill>
+                  <a:srgbClr val="CCCCCC"/>
+                </a:solidFill>
+                <a:effectLst/>
+                <a:latin typeface="Consolas" panose="020B0609020204030204" pitchFamily="49" charset="0"/>
+              </a:rPr>
+              <a:t> </a:t>
+            </a:r>
+            <a:r>
+              <a:rPr lang="en-US" b="0" dirty="0">
+                <a:solidFill>
+                  <a:srgbClr val="4EC9B0"/>
+                </a:solidFill>
+                <a:effectLst/>
+                <a:latin typeface="Consolas" panose="020B0609020204030204" pitchFamily="49" charset="0"/>
+              </a:rPr>
+              <a:t>re</a:t>
+            </a:r>
+            <a:endParaRPr lang="en-US" b="0" dirty="0">
+              <a:solidFill>
+                <a:srgbClr val="CCCCCC"/>
+              </a:solidFill>
+              <a:effectLst/>
+              <a:latin typeface="Consolas" panose="020B0609020204030204" pitchFamily="49" charset="0"/>
+            </a:endParaRPr>
+          </a:p>
+          <a:p>
+            <a:pPr>
+              <a:lnSpc>
+                <a:spcPts val="1425"/>
+              </a:lnSpc>
+            </a:pPr>
+            <a:r>
+              <a:rPr lang="en-US" b="0" dirty="0">
+                <a:solidFill>
+                  <a:srgbClr val="569CD6"/>
+                </a:solidFill>
+                <a:effectLst/>
+                <a:latin typeface="Consolas" panose="020B0609020204030204" pitchFamily="49" charset="0"/>
+              </a:rPr>
+              <a:t>def</a:t>
+            </a:r>
+            <a:r>
+              <a:rPr lang="en-US" b="0" dirty="0">
+                <a:solidFill>
+                  <a:srgbClr val="CCCCCC"/>
+                </a:solidFill>
+                <a:effectLst/>
+                <a:latin typeface="Consolas" panose="020B0609020204030204" pitchFamily="49" charset="0"/>
+              </a:rPr>
+              <a:t> </a:t>
+            </a:r>
+            <a:r>
+              <a:rPr lang="en-US" b="0" dirty="0" err="1">
+                <a:solidFill>
+                  <a:srgbClr val="DCDCAA"/>
+                </a:solidFill>
+                <a:effectLst/>
+                <a:latin typeface="Consolas" panose="020B0609020204030204" pitchFamily="49" charset="0"/>
+              </a:rPr>
+              <a:t>get_android_apps</a:t>
+            </a:r>
+            <a:r>
+              <a:rPr lang="en-US" b="0" dirty="0">
+                <a:solidFill>
+                  <a:srgbClr val="CCCCCC"/>
+                </a:solidFill>
+                <a:effectLst/>
+                <a:latin typeface="Consolas" panose="020B0609020204030204" pitchFamily="49" charset="0"/>
+              </a:rPr>
+              <a:t>():</a:t>
+            </a:r>
+          </a:p>
+          <a:p>
+            <a:pPr>
+              <a:lnSpc>
+                <a:spcPts val="1425"/>
+              </a:lnSpc>
+            </a:pPr>
+            <a:r>
+              <a:rPr lang="en-US" b="0" dirty="0">
+                <a:solidFill>
+                  <a:srgbClr val="CCCCCC"/>
+                </a:solidFill>
+                <a:effectLst/>
+                <a:latin typeface="Consolas" panose="020B0609020204030204" pitchFamily="49" charset="0"/>
+              </a:rPr>
+              <a:t>    </a:t>
+            </a:r>
+            <a:r>
+              <a:rPr lang="en-US" b="0" dirty="0">
+                <a:solidFill>
+                  <a:srgbClr val="9CDCFE"/>
+                </a:solidFill>
+                <a:effectLst/>
+                <a:latin typeface="Consolas" panose="020B0609020204030204" pitchFamily="49" charset="0"/>
+              </a:rPr>
+              <a:t>package</a:t>
+            </a:r>
+            <a:r>
+              <a:rPr lang="en-US" b="0" dirty="0">
+                <a:solidFill>
+                  <a:srgbClr val="CCCCCC"/>
+                </a:solidFill>
+                <a:effectLst/>
+                <a:latin typeface="Consolas" panose="020B0609020204030204" pitchFamily="49" charset="0"/>
+              </a:rPr>
+              <a:t> </a:t>
+            </a:r>
+            <a:r>
+              <a:rPr lang="en-US" b="0" dirty="0">
+                <a:solidFill>
+                  <a:srgbClr val="D4D4D4"/>
+                </a:solidFill>
+                <a:effectLst/>
+                <a:latin typeface="Consolas" panose="020B0609020204030204" pitchFamily="49" charset="0"/>
+              </a:rPr>
+              <a:t>=</a:t>
+            </a:r>
+            <a:r>
+              <a:rPr lang="en-US" b="0" dirty="0">
+                <a:solidFill>
+                  <a:srgbClr val="CCCCCC"/>
+                </a:solidFill>
+                <a:effectLst/>
+                <a:latin typeface="Consolas" panose="020B0609020204030204" pitchFamily="49" charset="0"/>
+              </a:rPr>
+              <a:t> </a:t>
+            </a:r>
+            <a:r>
+              <a:rPr lang="en-US" b="0" dirty="0">
+                <a:solidFill>
+                  <a:srgbClr val="CE9178"/>
+                </a:solidFill>
+                <a:effectLst/>
+                <a:latin typeface="Consolas" panose="020B0609020204030204" pitchFamily="49" charset="0"/>
+              </a:rPr>
+              <a:t>"</a:t>
+            </a:r>
+            <a:r>
+              <a:rPr lang="en-US" b="0" dirty="0" err="1">
+                <a:solidFill>
+                  <a:srgbClr val="CE9178"/>
+                </a:solidFill>
+                <a:effectLst/>
+                <a:latin typeface="Consolas" panose="020B0609020204030204" pitchFamily="49" charset="0"/>
+              </a:rPr>
+              <a:t>com.twitter.android</a:t>
+            </a:r>
+            <a:r>
+              <a:rPr lang="en-US" b="0" dirty="0">
+                <a:solidFill>
+                  <a:srgbClr val="CE9178"/>
+                </a:solidFill>
+                <a:effectLst/>
+                <a:latin typeface="Consolas" panose="020B0609020204030204" pitchFamily="49" charset="0"/>
+              </a:rPr>
+              <a:t>"</a:t>
+            </a:r>
+            <a:endParaRPr lang="en-US" b="0" dirty="0">
+              <a:solidFill>
+                <a:srgbClr val="CCCCCC"/>
+              </a:solidFill>
+              <a:effectLst/>
+              <a:latin typeface="Consolas" panose="020B0609020204030204" pitchFamily="49" charset="0"/>
+            </a:endParaRPr>
+          </a:p>
+          <a:p>
+            <a:pPr>
+              <a:lnSpc>
+                <a:spcPts val="1425"/>
+              </a:lnSpc>
+            </a:pPr>
+            <a:r>
+              <a:rPr lang="en-US" b="0" dirty="0">
+                <a:solidFill>
+                  <a:srgbClr val="CCCCCC"/>
+                </a:solidFill>
+                <a:effectLst/>
+                <a:latin typeface="Consolas" panose="020B0609020204030204" pitchFamily="49" charset="0"/>
+              </a:rPr>
+              <a:t>    </a:t>
+            </a:r>
+            <a:r>
+              <a:rPr lang="en-US" b="0" dirty="0">
+                <a:solidFill>
+                  <a:srgbClr val="6A9955"/>
+                </a:solidFill>
+                <a:effectLst/>
+                <a:latin typeface="Consolas" panose="020B0609020204030204" pitchFamily="49" charset="0"/>
+              </a:rPr>
+              <a:t># Base URL for Google Play Store app details</a:t>
+            </a:r>
+            <a:endParaRPr lang="en-US" b="0" dirty="0">
+              <a:solidFill>
+                <a:srgbClr val="CCCCCC"/>
+              </a:solidFill>
+              <a:effectLst/>
+              <a:latin typeface="Consolas" panose="020B0609020204030204" pitchFamily="49" charset="0"/>
+            </a:endParaRPr>
+          </a:p>
+          <a:p>
+            <a:pPr>
+              <a:lnSpc>
+                <a:spcPts val="1425"/>
+              </a:lnSpc>
+            </a:pPr>
+            <a:r>
+              <a:rPr lang="en-US" b="0" dirty="0">
+                <a:solidFill>
+                  <a:srgbClr val="CCCCCC"/>
+                </a:solidFill>
+                <a:effectLst/>
+                <a:latin typeface="Consolas" panose="020B0609020204030204" pitchFamily="49" charset="0"/>
+              </a:rPr>
+              <a:t>    </a:t>
+            </a:r>
+            <a:r>
+              <a:rPr lang="en-US" b="0" dirty="0" err="1">
+                <a:solidFill>
+                  <a:srgbClr val="9CDCFE"/>
+                </a:solidFill>
+                <a:effectLst/>
+                <a:latin typeface="Consolas" panose="020B0609020204030204" pitchFamily="49" charset="0"/>
+              </a:rPr>
+              <a:t>base_url</a:t>
+            </a:r>
+            <a:r>
+              <a:rPr lang="en-US" b="0" dirty="0">
+                <a:solidFill>
+                  <a:srgbClr val="CCCCCC"/>
+                </a:solidFill>
+                <a:effectLst/>
+                <a:latin typeface="Consolas" panose="020B0609020204030204" pitchFamily="49" charset="0"/>
+              </a:rPr>
+              <a:t> </a:t>
+            </a:r>
+            <a:r>
+              <a:rPr lang="en-US" b="0" dirty="0">
+                <a:solidFill>
+                  <a:srgbClr val="D4D4D4"/>
+                </a:solidFill>
+                <a:effectLst/>
+                <a:latin typeface="Consolas" panose="020B0609020204030204" pitchFamily="49" charset="0"/>
+              </a:rPr>
+              <a:t>=</a:t>
+            </a:r>
+            <a:r>
+              <a:rPr lang="en-US" b="0" dirty="0">
+                <a:solidFill>
+                  <a:srgbClr val="CCCCCC"/>
+                </a:solidFill>
+                <a:effectLst/>
+                <a:latin typeface="Consolas" panose="020B0609020204030204" pitchFamily="49" charset="0"/>
+              </a:rPr>
+              <a:t> </a:t>
+            </a:r>
+            <a:r>
+              <a:rPr lang="en-US" b="0" dirty="0">
+                <a:solidFill>
+                  <a:srgbClr val="CE9178"/>
+                </a:solidFill>
+                <a:effectLst/>
+                <a:latin typeface="Consolas" panose="020B0609020204030204" pitchFamily="49" charset="0"/>
+              </a:rPr>
+              <a:t>"https://play.google.com/store/apps/</a:t>
+            </a:r>
+            <a:r>
+              <a:rPr lang="en-US" b="0" dirty="0" err="1">
+                <a:solidFill>
+                  <a:srgbClr val="CE9178"/>
+                </a:solidFill>
+                <a:effectLst/>
+                <a:latin typeface="Consolas" panose="020B0609020204030204" pitchFamily="49" charset="0"/>
+              </a:rPr>
+              <a:t>details?id</a:t>
+            </a:r>
+            <a:r>
+              <a:rPr lang="en-US" b="0" dirty="0">
+                <a:solidFill>
+                  <a:srgbClr val="CE9178"/>
+                </a:solidFill>
+                <a:effectLst/>
+                <a:latin typeface="Consolas" panose="020B0609020204030204" pitchFamily="49" charset="0"/>
+              </a:rPr>
+              <a:t>="</a:t>
+            </a:r>
+            <a:endParaRPr lang="en-US" b="0" dirty="0">
+              <a:solidFill>
+                <a:srgbClr val="CCCCCC"/>
+              </a:solidFill>
+              <a:effectLst/>
+              <a:latin typeface="Consolas" panose="020B0609020204030204" pitchFamily="49" charset="0"/>
+            </a:endParaRPr>
+          </a:p>
+          <a:p>
+            <a:pPr>
+              <a:lnSpc>
+                <a:spcPts val="1425"/>
+              </a:lnSpc>
+            </a:pPr>
+            <a:r>
+              <a:rPr lang="en-US" b="0" dirty="0">
+                <a:solidFill>
+                  <a:srgbClr val="CCCCCC"/>
+                </a:solidFill>
+                <a:effectLst/>
+                <a:latin typeface="Consolas" panose="020B0609020204030204" pitchFamily="49" charset="0"/>
+              </a:rPr>
+              <a:t>    </a:t>
+            </a:r>
+            <a:r>
+              <a:rPr lang="en-US" b="0" dirty="0">
+                <a:solidFill>
+                  <a:srgbClr val="C586C0"/>
+                </a:solidFill>
+                <a:effectLst/>
+                <a:latin typeface="Consolas" panose="020B0609020204030204" pitchFamily="49" charset="0"/>
+              </a:rPr>
+              <a:t>try</a:t>
+            </a:r>
+            <a:r>
+              <a:rPr lang="en-US" b="0" dirty="0">
+                <a:solidFill>
+                  <a:srgbClr val="CCCCCC"/>
+                </a:solidFill>
+                <a:effectLst/>
+                <a:latin typeface="Consolas" panose="020B0609020204030204" pitchFamily="49" charset="0"/>
+              </a:rPr>
+              <a:t>:</a:t>
+            </a:r>
+          </a:p>
+          <a:p>
+            <a:pPr>
+              <a:lnSpc>
+                <a:spcPts val="1425"/>
+              </a:lnSpc>
+            </a:pPr>
+            <a:r>
+              <a:rPr lang="en-US" b="0" dirty="0">
+                <a:solidFill>
+                  <a:srgbClr val="CCCCCC"/>
+                </a:solidFill>
+                <a:effectLst/>
+                <a:latin typeface="Consolas" panose="020B0609020204030204" pitchFamily="49" charset="0"/>
+              </a:rPr>
+              <a:t>        </a:t>
+            </a:r>
+            <a:r>
+              <a:rPr lang="en-US" b="0" dirty="0">
+                <a:solidFill>
+                  <a:srgbClr val="6A9955"/>
+                </a:solidFill>
+                <a:effectLst/>
+                <a:latin typeface="Consolas" panose="020B0609020204030204" pitchFamily="49" charset="0"/>
+              </a:rPr>
+              <a:t># Fetch the app details page</a:t>
+            </a:r>
+            <a:endParaRPr lang="en-US" b="0" dirty="0">
+              <a:solidFill>
+                <a:srgbClr val="CCCCCC"/>
+              </a:solidFill>
+              <a:effectLst/>
+              <a:latin typeface="Consolas" panose="020B0609020204030204" pitchFamily="49" charset="0"/>
+            </a:endParaRPr>
+          </a:p>
+          <a:p>
+            <a:pPr>
+              <a:lnSpc>
+                <a:spcPts val="1425"/>
+              </a:lnSpc>
+            </a:pPr>
+            <a:r>
+              <a:rPr lang="en-US" b="0" dirty="0">
+                <a:solidFill>
+                  <a:srgbClr val="CCCCCC"/>
+                </a:solidFill>
+                <a:effectLst/>
+                <a:latin typeface="Consolas" panose="020B0609020204030204" pitchFamily="49" charset="0"/>
+              </a:rPr>
+              <a:t>        </a:t>
+            </a:r>
+            <a:r>
+              <a:rPr lang="en-US" b="0" dirty="0" err="1">
+                <a:solidFill>
+                  <a:srgbClr val="9CDCFE"/>
+                </a:solidFill>
+                <a:effectLst/>
+                <a:latin typeface="Consolas" panose="020B0609020204030204" pitchFamily="49" charset="0"/>
+              </a:rPr>
+              <a:t>url</a:t>
+            </a:r>
+            <a:r>
+              <a:rPr lang="en-US" b="0" dirty="0">
+                <a:solidFill>
+                  <a:srgbClr val="CCCCCC"/>
+                </a:solidFill>
+                <a:effectLst/>
+                <a:latin typeface="Consolas" panose="020B0609020204030204" pitchFamily="49" charset="0"/>
+              </a:rPr>
+              <a:t> </a:t>
+            </a:r>
+            <a:r>
+              <a:rPr lang="en-US" b="0" dirty="0">
+                <a:solidFill>
+                  <a:srgbClr val="D4D4D4"/>
+                </a:solidFill>
+                <a:effectLst/>
+                <a:latin typeface="Consolas" panose="020B0609020204030204" pitchFamily="49" charset="0"/>
+              </a:rPr>
+              <a:t>=</a:t>
+            </a:r>
+            <a:r>
+              <a:rPr lang="en-US" b="0" dirty="0">
+                <a:solidFill>
+                  <a:srgbClr val="CCCCCC"/>
+                </a:solidFill>
+                <a:effectLst/>
+                <a:latin typeface="Consolas" panose="020B0609020204030204" pitchFamily="49" charset="0"/>
+              </a:rPr>
+              <a:t> </a:t>
+            </a:r>
+            <a:r>
+              <a:rPr lang="en-US" b="0" dirty="0" err="1">
+                <a:solidFill>
+                  <a:srgbClr val="9CDCFE"/>
+                </a:solidFill>
+                <a:effectLst/>
+                <a:latin typeface="Consolas" panose="020B0609020204030204" pitchFamily="49" charset="0"/>
+              </a:rPr>
+              <a:t>base_url</a:t>
+            </a:r>
+            <a:r>
+              <a:rPr lang="en-US" b="0" dirty="0">
+                <a:solidFill>
+                  <a:srgbClr val="CCCCCC"/>
+                </a:solidFill>
+                <a:effectLst/>
+                <a:latin typeface="Consolas" panose="020B0609020204030204" pitchFamily="49" charset="0"/>
+              </a:rPr>
+              <a:t> </a:t>
+            </a:r>
+            <a:r>
+              <a:rPr lang="en-US" b="0" dirty="0">
+                <a:solidFill>
+                  <a:srgbClr val="D4D4D4"/>
+                </a:solidFill>
+                <a:effectLst/>
+                <a:latin typeface="Consolas" panose="020B0609020204030204" pitchFamily="49" charset="0"/>
+              </a:rPr>
+              <a:t>+</a:t>
+            </a:r>
+            <a:r>
+              <a:rPr lang="en-US" b="0" dirty="0">
+                <a:solidFill>
+                  <a:srgbClr val="CCCCCC"/>
+                </a:solidFill>
+                <a:effectLst/>
+                <a:latin typeface="Consolas" panose="020B0609020204030204" pitchFamily="49" charset="0"/>
+              </a:rPr>
+              <a:t> </a:t>
+            </a:r>
+            <a:r>
+              <a:rPr lang="en-US" b="0" dirty="0">
+                <a:solidFill>
+                  <a:srgbClr val="9CDCFE"/>
+                </a:solidFill>
+                <a:effectLst/>
+                <a:latin typeface="Consolas" panose="020B0609020204030204" pitchFamily="49" charset="0"/>
+              </a:rPr>
+              <a:t>package</a:t>
+            </a:r>
+            <a:endParaRPr lang="en-US" b="0" dirty="0">
+              <a:solidFill>
+                <a:srgbClr val="CCCCCC"/>
+              </a:solidFill>
+              <a:effectLst/>
+              <a:latin typeface="Consolas" panose="020B0609020204030204" pitchFamily="49" charset="0"/>
+            </a:endParaRPr>
+          </a:p>
+          <a:p>
+            <a:pPr>
+              <a:lnSpc>
+                <a:spcPts val="1425"/>
+              </a:lnSpc>
+            </a:pPr>
+            <a:r>
+              <a:rPr lang="en-US" b="0" dirty="0">
+                <a:solidFill>
+                  <a:srgbClr val="CCCCCC"/>
+                </a:solidFill>
+                <a:effectLst/>
+                <a:latin typeface="Consolas" panose="020B0609020204030204" pitchFamily="49" charset="0"/>
+              </a:rPr>
+              <a:t>        </a:t>
+            </a:r>
+            <a:r>
+              <a:rPr lang="en-US" b="0" dirty="0">
+                <a:solidFill>
+                  <a:srgbClr val="DCDCAA"/>
+                </a:solidFill>
+                <a:effectLst/>
+                <a:latin typeface="Consolas" panose="020B0609020204030204" pitchFamily="49" charset="0"/>
+              </a:rPr>
+              <a:t>print</a:t>
+            </a:r>
+            <a:r>
+              <a:rPr lang="en-US" b="0" dirty="0">
+                <a:solidFill>
+                  <a:srgbClr val="CCCCCC"/>
+                </a:solidFill>
+                <a:effectLst/>
+                <a:latin typeface="Consolas" panose="020B0609020204030204" pitchFamily="49" charset="0"/>
+              </a:rPr>
+              <a:t>(</a:t>
+            </a:r>
+            <a:r>
+              <a:rPr lang="en-US" b="0" dirty="0" err="1">
+                <a:solidFill>
+                  <a:srgbClr val="9CDCFE"/>
+                </a:solidFill>
+                <a:effectLst/>
+                <a:latin typeface="Consolas" panose="020B0609020204030204" pitchFamily="49" charset="0"/>
+              </a:rPr>
+              <a:t>url</a:t>
+            </a:r>
+            <a:r>
+              <a:rPr lang="en-US" b="0" dirty="0">
+                <a:solidFill>
+                  <a:srgbClr val="CCCCCC"/>
+                </a:solidFill>
+                <a:effectLst/>
+                <a:latin typeface="Consolas" panose="020B0609020204030204" pitchFamily="49" charset="0"/>
+              </a:rPr>
+              <a:t>)</a:t>
+            </a:r>
+          </a:p>
+          <a:p>
+            <a:pPr>
+              <a:lnSpc>
+                <a:spcPts val="1425"/>
+              </a:lnSpc>
+            </a:pPr>
+            <a:r>
+              <a:rPr lang="en-US" b="0" dirty="0">
+                <a:solidFill>
+                  <a:srgbClr val="CCCCCC"/>
+                </a:solidFill>
+                <a:effectLst/>
+                <a:latin typeface="Consolas" panose="020B0609020204030204" pitchFamily="49" charset="0"/>
+              </a:rPr>
+              <a:t>        </a:t>
+            </a:r>
+            <a:r>
+              <a:rPr lang="en-US" b="0" dirty="0">
+                <a:solidFill>
+                  <a:srgbClr val="9CDCFE"/>
+                </a:solidFill>
+                <a:effectLst/>
+                <a:latin typeface="Consolas" panose="020B0609020204030204" pitchFamily="49" charset="0"/>
+              </a:rPr>
+              <a:t>response</a:t>
+            </a:r>
+            <a:r>
+              <a:rPr lang="en-US" b="0" dirty="0">
+                <a:solidFill>
+                  <a:srgbClr val="CCCCCC"/>
+                </a:solidFill>
+                <a:effectLst/>
+                <a:latin typeface="Consolas" panose="020B0609020204030204" pitchFamily="49" charset="0"/>
+              </a:rPr>
+              <a:t> </a:t>
+            </a:r>
+            <a:r>
+              <a:rPr lang="en-US" b="0" dirty="0">
+                <a:solidFill>
+                  <a:srgbClr val="D4D4D4"/>
+                </a:solidFill>
+                <a:effectLst/>
+                <a:latin typeface="Consolas" panose="020B0609020204030204" pitchFamily="49" charset="0"/>
+              </a:rPr>
+              <a:t>=</a:t>
+            </a:r>
+            <a:r>
+              <a:rPr lang="en-US" b="0" dirty="0">
+                <a:solidFill>
+                  <a:srgbClr val="CCCCCC"/>
+                </a:solidFill>
+                <a:effectLst/>
+                <a:latin typeface="Consolas" panose="020B0609020204030204" pitchFamily="49" charset="0"/>
+              </a:rPr>
+              <a:t> </a:t>
+            </a:r>
+            <a:r>
+              <a:rPr lang="en-US" b="0" dirty="0" err="1">
+                <a:solidFill>
+                  <a:srgbClr val="4EC9B0"/>
+                </a:solidFill>
+                <a:effectLst/>
+                <a:latin typeface="Consolas" panose="020B0609020204030204" pitchFamily="49" charset="0"/>
+              </a:rPr>
+              <a:t>requests</a:t>
+            </a:r>
+            <a:r>
+              <a:rPr lang="en-US" b="0" dirty="0" err="1">
+                <a:solidFill>
+                  <a:srgbClr val="CCCCCC"/>
+                </a:solidFill>
+                <a:effectLst/>
+                <a:latin typeface="Consolas" panose="020B0609020204030204" pitchFamily="49" charset="0"/>
+              </a:rPr>
+              <a:t>.</a:t>
+            </a:r>
+            <a:r>
+              <a:rPr lang="en-US" b="0" dirty="0" err="1">
+                <a:solidFill>
+                  <a:srgbClr val="DCDCAA"/>
+                </a:solidFill>
+                <a:effectLst/>
+                <a:latin typeface="Consolas" panose="020B0609020204030204" pitchFamily="49" charset="0"/>
+              </a:rPr>
+              <a:t>get</a:t>
+            </a:r>
+            <a:r>
+              <a:rPr lang="en-US" b="0" dirty="0">
+                <a:solidFill>
+                  <a:srgbClr val="CCCCCC"/>
+                </a:solidFill>
+                <a:effectLst/>
+                <a:latin typeface="Consolas" panose="020B0609020204030204" pitchFamily="49" charset="0"/>
+              </a:rPr>
+              <a:t>(</a:t>
+            </a:r>
+            <a:r>
+              <a:rPr lang="en-US" b="0" dirty="0" err="1">
+                <a:solidFill>
+                  <a:srgbClr val="9CDCFE"/>
+                </a:solidFill>
+                <a:effectLst/>
+                <a:latin typeface="Consolas" panose="020B0609020204030204" pitchFamily="49" charset="0"/>
+              </a:rPr>
+              <a:t>url</a:t>
+            </a:r>
+            <a:r>
+              <a:rPr lang="en-US" b="0" dirty="0">
+                <a:solidFill>
+                  <a:srgbClr val="CCCCCC"/>
+                </a:solidFill>
+                <a:effectLst/>
+                <a:latin typeface="Consolas" panose="020B0609020204030204" pitchFamily="49" charset="0"/>
+              </a:rPr>
+              <a:t>)</a:t>
+            </a:r>
+          </a:p>
+          <a:p>
+            <a:pPr>
+              <a:lnSpc>
+                <a:spcPts val="1425"/>
+              </a:lnSpc>
+            </a:pPr>
+            <a:r>
+              <a:rPr lang="en-US" b="0" dirty="0">
+                <a:solidFill>
+                  <a:srgbClr val="CCCCCC"/>
+                </a:solidFill>
+                <a:effectLst/>
+                <a:latin typeface="Consolas" panose="020B0609020204030204" pitchFamily="49" charset="0"/>
+              </a:rPr>
+              <a:t>        </a:t>
+            </a:r>
+            <a:r>
+              <a:rPr lang="en-US" b="0" dirty="0">
+                <a:solidFill>
+                  <a:srgbClr val="C586C0"/>
+                </a:solidFill>
+                <a:effectLst/>
+                <a:latin typeface="Consolas" panose="020B0609020204030204" pitchFamily="49" charset="0"/>
+              </a:rPr>
+              <a:t>if</a:t>
+            </a:r>
+            <a:r>
+              <a:rPr lang="en-US" b="0" dirty="0">
+                <a:solidFill>
+                  <a:srgbClr val="CCCCCC"/>
+                </a:solidFill>
+                <a:effectLst/>
+                <a:latin typeface="Consolas" panose="020B0609020204030204" pitchFamily="49" charset="0"/>
+              </a:rPr>
+              <a:t> </a:t>
+            </a:r>
+            <a:r>
+              <a:rPr lang="en-US" b="0" dirty="0" err="1">
+                <a:solidFill>
+                  <a:srgbClr val="9CDCFE"/>
+                </a:solidFill>
+                <a:effectLst/>
+                <a:latin typeface="Consolas" panose="020B0609020204030204" pitchFamily="49" charset="0"/>
+              </a:rPr>
+              <a:t>response</a:t>
+            </a:r>
+            <a:r>
+              <a:rPr lang="en-US" b="0" dirty="0" err="1">
+                <a:solidFill>
+                  <a:srgbClr val="CCCCCC"/>
+                </a:solidFill>
+                <a:effectLst/>
+                <a:latin typeface="Consolas" panose="020B0609020204030204" pitchFamily="49" charset="0"/>
+              </a:rPr>
+              <a:t>.</a:t>
+            </a:r>
+            <a:r>
+              <a:rPr lang="en-US" b="0" dirty="0" err="1">
+                <a:solidFill>
+                  <a:srgbClr val="9CDCFE"/>
+                </a:solidFill>
+                <a:effectLst/>
+                <a:latin typeface="Consolas" panose="020B0609020204030204" pitchFamily="49" charset="0"/>
+              </a:rPr>
+              <a:t>status_code</a:t>
+            </a:r>
+            <a:r>
+              <a:rPr lang="en-US" b="0" dirty="0">
+                <a:solidFill>
+                  <a:srgbClr val="CCCCCC"/>
+                </a:solidFill>
+                <a:effectLst/>
+                <a:latin typeface="Consolas" panose="020B0609020204030204" pitchFamily="49" charset="0"/>
+              </a:rPr>
+              <a:t> </a:t>
+            </a:r>
+            <a:r>
+              <a:rPr lang="en-US" b="0" dirty="0">
+                <a:solidFill>
+                  <a:srgbClr val="D4D4D4"/>
+                </a:solidFill>
+                <a:effectLst/>
+                <a:latin typeface="Consolas" panose="020B0609020204030204" pitchFamily="49" charset="0"/>
+              </a:rPr>
+              <a:t>!=</a:t>
+            </a:r>
+            <a:r>
+              <a:rPr lang="en-US" b="0" dirty="0">
+                <a:solidFill>
+                  <a:srgbClr val="CCCCCC"/>
+                </a:solidFill>
+                <a:effectLst/>
+                <a:latin typeface="Consolas" panose="020B0609020204030204" pitchFamily="49" charset="0"/>
+              </a:rPr>
+              <a:t> </a:t>
+            </a:r>
+            <a:r>
+              <a:rPr lang="en-US" b="0" dirty="0">
+                <a:solidFill>
+                  <a:srgbClr val="B5CEA8"/>
+                </a:solidFill>
+                <a:effectLst/>
+                <a:latin typeface="Consolas" panose="020B0609020204030204" pitchFamily="49" charset="0"/>
+              </a:rPr>
+              <a:t>200</a:t>
+            </a:r>
+            <a:r>
+              <a:rPr lang="en-US" b="0" dirty="0">
+                <a:solidFill>
+                  <a:srgbClr val="CCCCCC"/>
+                </a:solidFill>
+                <a:effectLst/>
+                <a:latin typeface="Consolas" panose="020B0609020204030204" pitchFamily="49" charset="0"/>
+              </a:rPr>
+              <a:t>:</a:t>
+            </a:r>
+          </a:p>
+          <a:p>
+            <a:pPr>
+              <a:lnSpc>
+                <a:spcPts val="1425"/>
+              </a:lnSpc>
+            </a:pPr>
+            <a:r>
+              <a:rPr lang="en-US" b="0" dirty="0">
+                <a:solidFill>
+                  <a:srgbClr val="CCCCCC"/>
+                </a:solidFill>
+                <a:effectLst/>
+                <a:latin typeface="Consolas" panose="020B0609020204030204" pitchFamily="49" charset="0"/>
+              </a:rPr>
+              <a:t>            </a:t>
+            </a:r>
+            <a:r>
+              <a:rPr lang="en-US" b="0" dirty="0">
+                <a:solidFill>
+                  <a:srgbClr val="DCDCAA"/>
+                </a:solidFill>
+                <a:effectLst/>
+                <a:latin typeface="Consolas" panose="020B0609020204030204" pitchFamily="49" charset="0"/>
+              </a:rPr>
+              <a:t>print</a:t>
+            </a:r>
+            <a:r>
+              <a:rPr lang="en-US" b="0" dirty="0">
+                <a:solidFill>
+                  <a:srgbClr val="CCCCCC"/>
+                </a:solidFill>
+                <a:effectLst/>
+                <a:latin typeface="Consolas" panose="020B0609020204030204" pitchFamily="49" charset="0"/>
+              </a:rPr>
+              <a:t>(</a:t>
+            </a:r>
+            <a:r>
+              <a:rPr lang="en-US" b="0" dirty="0" err="1">
+                <a:solidFill>
+                  <a:srgbClr val="569CD6"/>
+                </a:solidFill>
+                <a:effectLst/>
+                <a:latin typeface="Consolas" panose="020B0609020204030204" pitchFamily="49" charset="0"/>
+              </a:rPr>
+              <a:t>f</a:t>
+            </a:r>
+            <a:r>
+              <a:rPr lang="en-US" b="0" dirty="0" err="1">
+                <a:solidFill>
+                  <a:srgbClr val="CE9178"/>
+                </a:solidFill>
+                <a:effectLst/>
+                <a:latin typeface="Consolas" panose="020B0609020204030204" pitchFamily="49" charset="0"/>
+              </a:rPr>
+              <a:t>"Failed</a:t>
+            </a:r>
+            <a:r>
+              <a:rPr lang="en-US" b="0" dirty="0">
+                <a:solidFill>
+                  <a:srgbClr val="CE9178"/>
+                </a:solidFill>
+                <a:effectLst/>
+                <a:latin typeface="Consolas" panose="020B0609020204030204" pitchFamily="49" charset="0"/>
+              </a:rPr>
+              <a:t> to fetch details for package: </a:t>
+            </a:r>
+            <a:r>
+              <a:rPr lang="en-US" b="0" dirty="0">
+                <a:solidFill>
+                  <a:srgbClr val="569CD6"/>
+                </a:solidFill>
+                <a:effectLst/>
+                <a:latin typeface="Consolas" panose="020B0609020204030204" pitchFamily="49" charset="0"/>
+              </a:rPr>
+              <a:t>{</a:t>
+            </a:r>
+            <a:r>
+              <a:rPr lang="en-US" b="0" dirty="0">
+                <a:solidFill>
+                  <a:srgbClr val="9CDCFE"/>
+                </a:solidFill>
+                <a:effectLst/>
+                <a:latin typeface="Consolas" panose="020B0609020204030204" pitchFamily="49" charset="0"/>
+              </a:rPr>
+              <a:t>package</a:t>
+            </a:r>
+            <a:r>
+              <a:rPr lang="en-US" b="0" dirty="0">
+                <a:solidFill>
+                  <a:srgbClr val="569CD6"/>
+                </a:solidFill>
+                <a:effectLst/>
+                <a:latin typeface="Consolas" panose="020B0609020204030204" pitchFamily="49" charset="0"/>
+              </a:rPr>
+              <a:t>}</a:t>
+            </a:r>
+            <a:r>
+              <a:rPr lang="en-US" b="0" dirty="0">
+                <a:solidFill>
+                  <a:srgbClr val="CE9178"/>
+                </a:solidFill>
+                <a:effectLst/>
+                <a:latin typeface="Consolas" panose="020B0609020204030204" pitchFamily="49" charset="0"/>
+              </a:rPr>
+              <a:t>"</a:t>
+            </a:r>
+            <a:r>
+              <a:rPr lang="en-US" b="0" dirty="0">
+                <a:solidFill>
+                  <a:srgbClr val="CCCCCC"/>
+                </a:solidFill>
+                <a:effectLst/>
+                <a:latin typeface="Consolas" panose="020B0609020204030204" pitchFamily="49" charset="0"/>
+              </a:rPr>
+              <a:t>)</a:t>
+            </a:r>
+          </a:p>
+          <a:p>
+            <a:pPr>
+              <a:lnSpc>
+                <a:spcPts val="1425"/>
+              </a:lnSpc>
+            </a:pPr>
+            <a:r>
+              <a:rPr lang="en-US" b="0" dirty="0">
+                <a:solidFill>
+                  <a:srgbClr val="CCCCCC"/>
+                </a:solidFill>
+                <a:effectLst/>
+                <a:latin typeface="Consolas" panose="020B0609020204030204" pitchFamily="49" charset="0"/>
+              </a:rPr>
+              <a:t>            </a:t>
+            </a:r>
+          </a:p>
+          <a:p>
+            <a:pPr>
+              <a:lnSpc>
+                <a:spcPts val="1425"/>
+              </a:lnSpc>
+            </a:pPr>
+            <a:r>
+              <a:rPr lang="en-US" b="0" dirty="0">
+                <a:solidFill>
+                  <a:srgbClr val="CCCCCC"/>
+                </a:solidFill>
+                <a:effectLst/>
+                <a:latin typeface="Consolas" panose="020B0609020204030204" pitchFamily="49" charset="0"/>
+              </a:rPr>
+              <a:t>        </a:t>
+            </a:r>
+            <a:r>
+              <a:rPr lang="en-US" b="0" dirty="0">
+                <a:solidFill>
+                  <a:srgbClr val="C586C0"/>
+                </a:solidFill>
+                <a:effectLst/>
+                <a:latin typeface="Consolas" panose="020B0609020204030204" pitchFamily="49" charset="0"/>
+              </a:rPr>
+              <a:t>else</a:t>
+            </a:r>
+            <a:r>
+              <a:rPr lang="en-US" b="0" dirty="0">
+                <a:solidFill>
+                  <a:srgbClr val="CCCCCC"/>
+                </a:solidFill>
+                <a:effectLst/>
+                <a:latin typeface="Consolas" panose="020B0609020204030204" pitchFamily="49" charset="0"/>
+              </a:rPr>
+              <a:t>:</a:t>
+            </a:r>
+          </a:p>
+          <a:p>
+            <a:pPr>
+              <a:lnSpc>
+                <a:spcPts val="1425"/>
+              </a:lnSpc>
+            </a:pPr>
+            <a:r>
+              <a:rPr lang="en-US" b="0" dirty="0">
+                <a:solidFill>
+                  <a:srgbClr val="CCCCCC"/>
+                </a:solidFill>
+                <a:effectLst/>
+                <a:latin typeface="Consolas" panose="020B0609020204030204" pitchFamily="49" charset="0"/>
+              </a:rPr>
+              <a:t>            </a:t>
+            </a:r>
+            <a:r>
+              <a:rPr lang="en-US" b="0" dirty="0">
+                <a:solidFill>
+                  <a:srgbClr val="6A9955"/>
+                </a:solidFill>
+                <a:effectLst/>
+                <a:latin typeface="Consolas" panose="020B0609020204030204" pitchFamily="49" charset="0"/>
+              </a:rPr>
+              <a:t># Extract the app name using a regular expression</a:t>
+            </a:r>
+            <a:endParaRPr lang="en-US" b="0" dirty="0">
+              <a:solidFill>
+                <a:srgbClr val="CCCCCC"/>
+              </a:solidFill>
+              <a:effectLst/>
+              <a:latin typeface="Consolas" panose="020B0609020204030204" pitchFamily="49" charset="0"/>
+            </a:endParaRPr>
+          </a:p>
+          <a:p>
+            <a:pPr>
+              <a:lnSpc>
+                <a:spcPts val="1425"/>
+              </a:lnSpc>
+            </a:pPr>
+            <a:r>
+              <a:rPr lang="en-US" b="0" dirty="0">
+                <a:solidFill>
+                  <a:srgbClr val="CCCCCC"/>
+                </a:solidFill>
+                <a:effectLst/>
+                <a:latin typeface="Consolas" panose="020B0609020204030204" pitchFamily="49" charset="0"/>
+              </a:rPr>
+              <a:t>            </a:t>
+            </a:r>
+            <a:r>
+              <a:rPr lang="en-US" b="0" dirty="0">
+                <a:solidFill>
+                  <a:srgbClr val="9CDCFE"/>
+                </a:solidFill>
+                <a:effectLst/>
+                <a:latin typeface="Consolas" panose="020B0609020204030204" pitchFamily="49" charset="0"/>
+              </a:rPr>
+              <a:t>match</a:t>
+            </a:r>
+            <a:r>
+              <a:rPr lang="en-US" b="0" dirty="0">
+                <a:solidFill>
+                  <a:srgbClr val="CCCCCC"/>
+                </a:solidFill>
+                <a:effectLst/>
+                <a:latin typeface="Consolas" panose="020B0609020204030204" pitchFamily="49" charset="0"/>
+              </a:rPr>
+              <a:t> </a:t>
+            </a:r>
+            <a:r>
+              <a:rPr lang="en-US" b="0" dirty="0">
+                <a:solidFill>
+                  <a:srgbClr val="D4D4D4"/>
+                </a:solidFill>
+                <a:effectLst/>
+                <a:latin typeface="Consolas" panose="020B0609020204030204" pitchFamily="49" charset="0"/>
+              </a:rPr>
+              <a:t>=</a:t>
+            </a:r>
+            <a:r>
+              <a:rPr lang="en-US" b="0" dirty="0">
+                <a:solidFill>
+                  <a:srgbClr val="CCCCCC"/>
+                </a:solidFill>
+                <a:effectLst/>
+                <a:latin typeface="Consolas" panose="020B0609020204030204" pitchFamily="49" charset="0"/>
+              </a:rPr>
+              <a:t> </a:t>
+            </a:r>
+            <a:r>
+              <a:rPr lang="en-US" b="0" dirty="0" err="1">
+                <a:solidFill>
+                  <a:srgbClr val="4EC9B0"/>
+                </a:solidFill>
+                <a:effectLst/>
+                <a:latin typeface="Consolas" panose="020B0609020204030204" pitchFamily="49" charset="0"/>
+              </a:rPr>
+              <a:t>re</a:t>
+            </a:r>
+            <a:r>
+              <a:rPr lang="en-US" b="0" dirty="0" err="1">
+                <a:solidFill>
+                  <a:srgbClr val="CCCCCC"/>
+                </a:solidFill>
+                <a:effectLst/>
+                <a:latin typeface="Consolas" panose="020B0609020204030204" pitchFamily="49" charset="0"/>
+              </a:rPr>
+              <a:t>.</a:t>
+            </a:r>
+            <a:r>
+              <a:rPr lang="en-US" b="0" dirty="0" err="1">
+                <a:solidFill>
+                  <a:srgbClr val="DCDCAA"/>
+                </a:solidFill>
+                <a:effectLst/>
+                <a:latin typeface="Consolas" panose="020B0609020204030204" pitchFamily="49" charset="0"/>
+              </a:rPr>
+              <a:t>search</a:t>
+            </a:r>
+            <a:r>
+              <a:rPr lang="en-US" b="0" dirty="0">
+                <a:solidFill>
+                  <a:srgbClr val="CCCCCC"/>
+                </a:solidFill>
+                <a:effectLst/>
+                <a:latin typeface="Consolas" panose="020B0609020204030204" pitchFamily="49" charset="0"/>
+              </a:rPr>
+              <a:t>(</a:t>
+            </a:r>
+            <a:r>
+              <a:rPr lang="en-US" b="0" dirty="0" err="1">
+                <a:solidFill>
+                  <a:srgbClr val="569CD6"/>
+                </a:solidFill>
+                <a:effectLst/>
+                <a:latin typeface="Consolas" panose="020B0609020204030204" pitchFamily="49" charset="0"/>
+              </a:rPr>
+              <a:t>r</a:t>
+            </a:r>
+            <a:r>
+              <a:rPr lang="en-US" b="0" dirty="0" err="1">
+                <a:solidFill>
+                  <a:srgbClr val="D16969"/>
+                </a:solidFill>
+                <a:effectLst/>
+                <a:latin typeface="Consolas" panose="020B0609020204030204" pitchFamily="49" charset="0"/>
+              </a:rPr>
+              <a:t>'itemprop</a:t>
+            </a:r>
+            <a:r>
+              <a:rPr lang="en-US" b="0" dirty="0">
+                <a:solidFill>
+                  <a:srgbClr val="D16969"/>
+                </a:solidFill>
+                <a:effectLst/>
+                <a:latin typeface="Consolas" panose="020B0609020204030204" pitchFamily="49" charset="0"/>
+              </a:rPr>
+              <a:t>="name"&gt;</a:t>
+            </a:r>
+            <a:r>
+              <a:rPr lang="en-US" b="0" dirty="0">
+                <a:solidFill>
+                  <a:srgbClr val="CE9178"/>
+                </a:solidFill>
+                <a:effectLst/>
+                <a:latin typeface="Consolas" panose="020B0609020204030204" pitchFamily="49" charset="0"/>
+              </a:rPr>
+              <a:t>(</a:t>
+            </a:r>
+            <a:r>
+              <a:rPr lang="en-US" b="0" dirty="0">
+                <a:solidFill>
+                  <a:srgbClr val="D16969"/>
+                </a:solidFill>
+                <a:effectLst/>
+                <a:latin typeface="Consolas" panose="020B0609020204030204" pitchFamily="49" charset="0"/>
+              </a:rPr>
+              <a:t>.</a:t>
+            </a:r>
+            <a:r>
+              <a:rPr lang="en-US" b="0" dirty="0">
+                <a:solidFill>
+                  <a:srgbClr val="D7BA7D"/>
+                </a:solidFill>
+                <a:effectLst/>
+                <a:latin typeface="Consolas" panose="020B0609020204030204" pitchFamily="49" charset="0"/>
+              </a:rPr>
+              <a:t>*?</a:t>
+            </a:r>
+            <a:r>
+              <a:rPr lang="en-US" b="0" dirty="0">
+                <a:solidFill>
+                  <a:srgbClr val="CE9178"/>
+                </a:solidFill>
+                <a:effectLst/>
+                <a:latin typeface="Consolas" panose="020B0609020204030204" pitchFamily="49" charset="0"/>
+              </a:rPr>
+              <a:t>)</a:t>
+            </a:r>
+            <a:r>
+              <a:rPr lang="en-US" b="0" dirty="0">
+                <a:solidFill>
+                  <a:srgbClr val="D16969"/>
+                </a:solidFill>
+                <a:effectLst/>
+                <a:latin typeface="Consolas" panose="020B0609020204030204" pitchFamily="49" charset="0"/>
+              </a:rPr>
+              <a:t>&lt;/span&gt;'</a:t>
+            </a:r>
+            <a:r>
+              <a:rPr lang="en-US" b="0" dirty="0">
+                <a:solidFill>
+                  <a:srgbClr val="CCCCCC"/>
+                </a:solidFill>
+                <a:effectLst/>
+                <a:latin typeface="Consolas" panose="020B0609020204030204" pitchFamily="49" charset="0"/>
+              </a:rPr>
+              <a:t>, </a:t>
+            </a:r>
+            <a:r>
+              <a:rPr lang="en-US" b="0" dirty="0" err="1">
+                <a:solidFill>
+                  <a:srgbClr val="9CDCFE"/>
+                </a:solidFill>
+                <a:effectLst/>
+                <a:latin typeface="Consolas" panose="020B0609020204030204" pitchFamily="49" charset="0"/>
+              </a:rPr>
+              <a:t>response</a:t>
+            </a:r>
+            <a:r>
+              <a:rPr lang="en-US" b="0" dirty="0" err="1">
+                <a:solidFill>
+                  <a:srgbClr val="CCCCCC"/>
+                </a:solidFill>
+                <a:effectLst/>
+                <a:latin typeface="Consolas" panose="020B0609020204030204" pitchFamily="49" charset="0"/>
+              </a:rPr>
+              <a:t>.</a:t>
+            </a:r>
+            <a:r>
+              <a:rPr lang="en-US" b="0" dirty="0" err="1">
+                <a:solidFill>
+                  <a:srgbClr val="9CDCFE"/>
+                </a:solidFill>
+                <a:effectLst/>
+                <a:latin typeface="Consolas" panose="020B0609020204030204" pitchFamily="49" charset="0"/>
+              </a:rPr>
+              <a:t>text</a:t>
+            </a:r>
+            <a:r>
+              <a:rPr lang="en-US" b="0" dirty="0">
+                <a:solidFill>
+                  <a:srgbClr val="CCCCCC"/>
+                </a:solidFill>
+                <a:effectLst/>
+                <a:latin typeface="Consolas" panose="020B0609020204030204" pitchFamily="49" charset="0"/>
+              </a:rPr>
+              <a:t>)</a:t>
+            </a:r>
+          </a:p>
+          <a:p>
+            <a:pPr>
+              <a:lnSpc>
+                <a:spcPts val="1425"/>
+              </a:lnSpc>
+            </a:pPr>
+            <a:r>
+              <a:rPr lang="en-US" b="0" dirty="0">
+                <a:solidFill>
+                  <a:srgbClr val="CCCCCC"/>
+                </a:solidFill>
+                <a:effectLst/>
+                <a:latin typeface="Consolas" panose="020B0609020204030204" pitchFamily="49" charset="0"/>
+              </a:rPr>
+              <a:t>            </a:t>
+            </a:r>
+            <a:r>
+              <a:rPr lang="en-US" b="0" dirty="0" err="1">
+                <a:solidFill>
+                  <a:srgbClr val="9CDCFE"/>
+                </a:solidFill>
+                <a:effectLst/>
+                <a:latin typeface="Consolas" panose="020B0609020204030204" pitchFamily="49" charset="0"/>
+              </a:rPr>
+              <a:t>app_name</a:t>
+            </a:r>
+            <a:r>
+              <a:rPr lang="en-US" b="0" dirty="0">
+                <a:solidFill>
+                  <a:srgbClr val="CCCCCC"/>
+                </a:solidFill>
+                <a:effectLst/>
+                <a:latin typeface="Consolas" panose="020B0609020204030204" pitchFamily="49" charset="0"/>
+              </a:rPr>
+              <a:t> </a:t>
+            </a:r>
+            <a:r>
+              <a:rPr lang="en-US" b="0" dirty="0">
+                <a:solidFill>
+                  <a:srgbClr val="D4D4D4"/>
+                </a:solidFill>
+                <a:effectLst/>
+                <a:latin typeface="Consolas" panose="020B0609020204030204" pitchFamily="49" charset="0"/>
+              </a:rPr>
+              <a:t>=</a:t>
+            </a:r>
+            <a:r>
+              <a:rPr lang="en-US" b="0" dirty="0">
+                <a:solidFill>
+                  <a:srgbClr val="CCCCCC"/>
+                </a:solidFill>
+                <a:effectLst/>
+                <a:latin typeface="Consolas" panose="020B0609020204030204" pitchFamily="49" charset="0"/>
+              </a:rPr>
+              <a:t> </a:t>
+            </a:r>
+            <a:r>
+              <a:rPr lang="en-US" b="0" dirty="0" err="1">
+                <a:solidFill>
+                  <a:srgbClr val="9CDCFE"/>
+                </a:solidFill>
+                <a:effectLst/>
+                <a:latin typeface="Consolas" panose="020B0609020204030204" pitchFamily="49" charset="0"/>
+              </a:rPr>
+              <a:t>match</a:t>
+            </a:r>
+            <a:r>
+              <a:rPr lang="en-US" b="0" dirty="0" err="1">
+                <a:solidFill>
+                  <a:srgbClr val="CCCCCC"/>
+                </a:solidFill>
+                <a:effectLst/>
+                <a:latin typeface="Consolas" panose="020B0609020204030204" pitchFamily="49" charset="0"/>
+              </a:rPr>
+              <a:t>.</a:t>
+            </a:r>
+            <a:r>
+              <a:rPr lang="en-US" b="0" dirty="0" err="1">
+                <a:solidFill>
+                  <a:srgbClr val="DCDCAA"/>
+                </a:solidFill>
+                <a:effectLst/>
+                <a:latin typeface="Consolas" panose="020B0609020204030204" pitchFamily="49" charset="0"/>
+              </a:rPr>
+              <a:t>group</a:t>
+            </a:r>
+            <a:r>
+              <a:rPr lang="en-US" b="0" dirty="0">
+                <a:solidFill>
+                  <a:srgbClr val="CCCCCC"/>
+                </a:solidFill>
+                <a:effectLst/>
+                <a:latin typeface="Consolas" panose="020B0609020204030204" pitchFamily="49" charset="0"/>
+              </a:rPr>
+              <a:t>(</a:t>
+            </a:r>
+            <a:r>
+              <a:rPr lang="en-US" b="0" dirty="0">
+                <a:solidFill>
+                  <a:srgbClr val="B5CEA8"/>
+                </a:solidFill>
+                <a:effectLst/>
+                <a:latin typeface="Consolas" panose="020B0609020204030204" pitchFamily="49" charset="0"/>
+              </a:rPr>
+              <a:t>1</a:t>
+            </a:r>
+            <a:r>
+              <a:rPr lang="en-US" b="0" dirty="0">
+                <a:solidFill>
+                  <a:srgbClr val="CCCCCC"/>
+                </a:solidFill>
+                <a:effectLst/>
+                <a:latin typeface="Consolas" panose="020B0609020204030204" pitchFamily="49" charset="0"/>
+              </a:rPr>
+              <a:t>) </a:t>
+            </a:r>
+            <a:r>
+              <a:rPr lang="en-US" b="0" dirty="0">
+                <a:solidFill>
+                  <a:srgbClr val="C586C0"/>
+                </a:solidFill>
+                <a:effectLst/>
+                <a:latin typeface="Consolas" panose="020B0609020204030204" pitchFamily="49" charset="0"/>
+              </a:rPr>
+              <a:t>if</a:t>
+            </a:r>
+            <a:r>
+              <a:rPr lang="en-US" b="0" dirty="0">
+                <a:solidFill>
+                  <a:srgbClr val="CCCCCC"/>
+                </a:solidFill>
+                <a:effectLst/>
+                <a:latin typeface="Consolas" panose="020B0609020204030204" pitchFamily="49" charset="0"/>
+              </a:rPr>
+              <a:t> </a:t>
+            </a:r>
+            <a:r>
+              <a:rPr lang="en-US" b="0" dirty="0">
+                <a:solidFill>
+                  <a:srgbClr val="9CDCFE"/>
+                </a:solidFill>
+                <a:effectLst/>
+                <a:latin typeface="Consolas" panose="020B0609020204030204" pitchFamily="49" charset="0"/>
+              </a:rPr>
+              <a:t>match</a:t>
+            </a:r>
+            <a:r>
+              <a:rPr lang="en-US" b="0" dirty="0">
+                <a:solidFill>
+                  <a:srgbClr val="CCCCCC"/>
+                </a:solidFill>
+                <a:effectLst/>
+                <a:latin typeface="Consolas" panose="020B0609020204030204" pitchFamily="49" charset="0"/>
+              </a:rPr>
+              <a:t> </a:t>
+            </a:r>
+            <a:r>
+              <a:rPr lang="en-US" b="0" dirty="0">
+                <a:solidFill>
+                  <a:srgbClr val="C586C0"/>
+                </a:solidFill>
+                <a:effectLst/>
+                <a:latin typeface="Consolas" panose="020B0609020204030204" pitchFamily="49" charset="0"/>
+              </a:rPr>
+              <a:t>else</a:t>
+            </a:r>
+            <a:r>
+              <a:rPr lang="en-US" b="0" dirty="0">
+                <a:solidFill>
+                  <a:srgbClr val="CCCCCC"/>
+                </a:solidFill>
+                <a:effectLst/>
+                <a:latin typeface="Consolas" panose="020B0609020204030204" pitchFamily="49" charset="0"/>
+              </a:rPr>
+              <a:t> </a:t>
+            </a:r>
+            <a:r>
+              <a:rPr lang="en-US" b="0" dirty="0">
+                <a:solidFill>
+                  <a:srgbClr val="CE9178"/>
+                </a:solidFill>
+                <a:effectLst/>
+                <a:latin typeface="Consolas" panose="020B0609020204030204" pitchFamily="49" charset="0"/>
+              </a:rPr>
+              <a:t>"Unknown"</a:t>
+            </a:r>
+            <a:endParaRPr lang="en-US" b="0" dirty="0">
+              <a:solidFill>
+                <a:srgbClr val="CCCCCC"/>
+              </a:solidFill>
+              <a:effectLst/>
+              <a:latin typeface="Consolas" panose="020B0609020204030204" pitchFamily="49" charset="0"/>
+            </a:endParaRPr>
+          </a:p>
+          <a:p>
+            <a:pPr>
+              <a:lnSpc>
+                <a:spcPts val="1425"/>
+              </a:lnSpc>
+            </a:pPr>
+            <a:r>
+              <a:rPr lang="en-US" b="0" dirty="0">
+                <a:solidFill>
+                  <a:srgbClr val="CCCCCC"/>
+                </a:solidFill>
+                <a:effectLst/>
+                <a:latin typeface="Consolas" panose="020B0609020204030204" pitchFamily="49" charset="0"/>
+              </a:rPr>
+              <a:t>            </a:t>
+            </a:r>
+            <a:r>
+              <a:rPr lang="en-US" b="0" dirty="0">
+                <a:solidFill>
+                  <a:srgbClr val="6A9955"/>
+                </a:solidFill>
+                <a:effectLst/>
+                <a:latin typeface="Consolas" panose="020B0609020204030204" pitchFamily="49" charset="0"/>
+              </a:rPr>
+              <a:t># Print the app name and package ID</a:t>
+            </a:r>
+            <a:endParaRPr lang="en-US" b="0" dirty="0">
+              <a:solidFill>
+                <a:srgbClr val="CCCCCC"/>
+              </a:solidFill>
+              <a:effectLst/>
+              <a:latin typeface="Consolas" panose="020B0609020204030204" pitchFamily="49" charset="0"/>
+            </a:endParaRPr>
+          </a:p>
+          <a:p>
+            <a:pPr>
+              <a:lnSpc>
+                <a:spcPts val="1425"/>
+              </a:lnSpc>
+            </a:pPr>
+            <a:r>
+              <a:rPr lang="en-US" b="0" dirty="0">
+                <a:solidFill>
+                  <a:srgbClr val="CCCCCC"/>
+                </a:solidFill>
+                <a:effectLst/>
+                <a:latin typeface="Consolas" panose="020B0609020204030204" pitchFamily="49" charset="0"/>
+              </a:rPr>
+              <a:t>            </a:t>
+            </a:r>
+            <a:r>
+              <a:rPr lang="en-US" b="0" dirty="0">
+                <a:solidFill>
+                  <a:srgbClr val="DCDCAA"/>
+                </a:solidFill>
+                <a:effectLst/>
+                <a:latin typeface="Consolas" panose="020B0609020204030204" pitchFamily="49" charset="0"/>
+              </a:rPr>
+              <a:t>print</a:t>
+            </a:r>
+            <a:r>
+              <a:rPr lang="en-US" b="0" dirty="0">
+                <a:solidFill>
+                  <a:srgbClr val="CCCCCC"/>
+                </a:solidFill>
+                <a:effectLst/>
+                <a:latin typeface="Consolas" panose="020B0609020204030204" pitchFamily="49" charset="0"/>
+              </a:rPr>
+              <a:t>(</a:t>
+            </a:r>
+            <a:r>
+              <a:rPr lang="en-US" b="0" dirty="0" err="1">
+                <a:solidFill>
+                  <a:srgbClr val="569CD6"/>
+                </a:solidFill>
+                <a:effectLst/>
+                <a:latin typeface="Consolas" panose="020B0609020204030204" pitchFamily="49" charset="0"/>
+              </a:rPr>
+              <a:t>f</a:t>
+            </a:r>
+            <a:r>
+              <a:rPr lang="en-US" b="0" dirty="0" err="1">
+                <a:solidFill>
+                  <a:srgbClr val="CE9178"/>
+                </a:solidFill>
+                <a:effectLst/>
+                <a:latin typeface="Consolas" panose="020B0609020204030204" pitchFamily="49" charset="0"/>
+              </a:rPr>
+              <a:t>"App</a:t>
+            </a:r>
+            <a:r>
+              <a:rPr lang="en-US" b="0" dirty="0">
+                <a:solidFill>
+                  <a:srgbClr val="CE9178"/>
+                </a:solidFill>
+                <a:effectLst/>
+                <a:latin typeface="Consolas" panose="020B0609020204030204" pitchFamily="49" charset="0"/>
+              </a:rPr>
+              <a:t> Name: </a:t>
+            </a:r>
+            <a:r>
+              <a:rPr lang="en-US" b="0" dirty="0">
+                <a:solidFill>
+                  <a:srgbClr val="569CD6"/>
+                </a:solidFill>
+                <a:effectLst/>
+                <a:latin typeface="Consolas" panose="020B0609020204030204" pitchFamily="49" charset="0"/>
+              </a:rPr>
+              <a:t>{</a:t>
+            </a:r>
+            <a:r>
+              <a:rPr lang="en-US" b="0" dirty="0" err="1">
+                <a:solidFill>
+                  <a:srgbClr val="9CDCFE"/>
+                </a:solidFill>
+                <a:effectLst/>
+                <a:latin typeface="Consolas" panose="020B0609020204030204" pitchFamily="49" charset="0"/>
+              </a:rPr>
+              <a:t>app_name</a:t>
+            </a:r>
+            <a:r>
+              <a:rPr lang="en-US" b="0" dirty="0">
+                <a:solidFill>
+                  <a:srgbClr val="569CD6"/>
+                </a:solidFill>
+                <a:effectLst/>
+                <a:latin typeface="Consolas" panose="020B0609020204030204" pitchFamily="49" charset="0"/>
+              </a:rPr>
+              <a:t>}</a:t>
+            </a:r>
+            <a:r>
+              <a:rPr lang="en-US" b="0" dirty="0">
+                <a:solidFill>
+                  <a:srgbClr val="CE9178"/>
+                </a:solidFill>
+                <a:effectLst/>
+                <a:latin typeface="Consolas" panose="020B0609020204030204" pitchFamily="49" charset="0"/>
+              </a:rPr>
+              <a:t>, Package ID: </a:t>
+            </a:r>
+            <a:r>
+              <a:rPr lang="en-US" b="0" dirty="0">
+                <a:solidFill>
+                  <a:srgbClr val="569CD6"/>
+                </a:solidFill>
+                <a:effectLst/>
+                <a:latin typeface="Consolas" panose="020B0609020204030204" pitchFamily="49" charset="0"/>
+              </a:rPr>
+              <a:t>{</a:t>
+            </a:r>
+            <a:r>
+              <a:rPr lang="en-US" b="0" dirty="0">
+                <a:solidFill>
+                  <a:srgbClr val="9CDCFE"/>
+                </a:solidFill>
+                <a:effectLst/>
+                <a:latin typeface="Consolas" panose="020B0609020204030204" pitchFamily="49" charset="0"/>
+              </a:rPr>
+              <a:t>package</a:t>
+            </a:r>
+            <a:r>
+              <a:rPr lang="en-US" b="0" dirty="0">
+                <a:solidFill>
+                  <a:srgbClr val="569CD6"/>
+                </a:solidFill>
+                <a:effectLst/>
+                <a:latin typeface="Consolas" panose="020B0609020204030204" pitchFamily="49" charset="0"/>
+              </a:rPr>
+              <a:t>}</a:t>
+            </a:r>
+            <a:r>
+              <a:rPr lang="en-US" b="0" dirty="0">
+                <a:solidFill>
+                  <a:srgbClr val="CE9178"/>
+                </a:solidFill>
+                <a:effectLst/>
+                <a:latin typeface="Consolas" panose="020B0609020204030204" pitchFamily="49" charset="0"/>
+              </a:rPr>
+              <a:t>"</a:t>
+            </a:r>
+            <a:r>
+              <a:rPr lang="en-US" b="0" dirty="0">
+                <a:solidFill>
+                  <a:srgbClr val="CCCCCC"/>
+                </a:solidFill>
+                <a:effectLst/>
+                <a:latin typeface="Consolas" panose="020B0609020204030204" pitchFamily="49" charset="0"/>
+              </a:rPr>
+              <a:t>)</a:t>
+            </a:r>
+          </a:p>
+          <a:p>
+            <a:pPr>
+              <a:lnSpc>
+                <a:spcPts val="1425"/>
+              </a:lnSpc>
+            </a:pPr>
+            <a:r>
+              <a:rPr lang="en-US" b="0" dirty="0">
+                <a:solidFill>
+                  <a:srgbClr val="CCCCCC"/>
+                </a:solidFill>
+                <a:effectLst/>
+                <a:latin typeface="Consolas" panose="020B0609020204030204" pitchFamily="49" charset="0"/>
+              </a:rPr>
+              <a:t>    </a:t>
+            </a:r>
+            <a:r>
+              <a:rPr lang="en-US" b="0" dirty="0">
+                <a:solidFill>
+                  <a:srgbClr val="C586C0"/>
+                </a:solidFill>
+                <a:effectLst/>
+                <a:latin typeface="Consolas" panose="020B0609020204030204" pitchFamily="49" charset="0"/>
+              </a:rPr>
+              <a:t>except</a:t>
+            </a:r>
+            <a:r>
+              <a:rPr lang="en-US" b="0" dirty="0">
+                <a:solidFill>
+                  <a:srgbClr val="CCCCCC"/>
+                </a:solidFill>
+                <a:effectLst/>
+                <a:latin typeface="Consolas" panose="020B0609020204030204" pitchFamily="49" charset="0"/>
+              </a:rPr>
+              <a:t> </a:t>
+            </a:r>
+            <a:r>
+              <a:rPr lang="en-US" b="0" dirty="0">
+                <a:solidFill>
+                  <a:srgbClr val="4EC9B0"/>
+                </a:solidFill>
+                <a:effectLst/>
+                <a:latin typeface="Consolas" panose="020B0609020204030204" pitchFamily="49" charset="0"/>
+              </a:rPr>
+              <a:t>Exception</a:t>
+            </a:r>
+            <a:r>
+              <a:rPr lang="en-US" b="0" dirty="0">
+                <a:solidFill>
+                  <a:srgbClr val="CCCCCC"/>
+                </a:solidFill>
+                <a:effectLst/>
+                <a:latin typeface="Consolas" panose="020B0609020204030204" pitchFamily="49" charset="0"/>
+              </a:rPr>
+              <a:t> </a:t>
+            </a:r>
+            <a:r>
+              <a:rPr lang="en-US" b="0" dirty="0">
+                <a:solidFill>
+                  <a:srgbClr val="C586C0"/>
+                </a:solidFill>
+                <a:effectLst/>
+                <a:latin typeface="Consolas" panose="020B0609020204030204" pitchFamily="49" charset="0"/>
+              </a:rPr>
+              <a:t>as</a:t>
+            </a:r>
+            <a:r>
+              <a:rPr lang="en-US" b="0" dirty="0">
+                <a:solidFill>
+                  <a:srgbClr val="CCCCCC"/>
+                </a:solidFill>
+                <a:effectLst/>
+                <a:latin typeface="Consolas" panose="020B0609020204030204" pitchFamily="49" charset="0"/>
+              </a:rPr>
+              <a:t> </a:t>
+            </a:r>
+            <a:r>
+              <a:rPr lang="en-US" b="0" dirty="0">
+                <a:solidFill>
+                  <a:srgbClr val="9CDCFE"/>
+                </a:solidFill>
+                <a:effectLst/>
+                <a:latin typeface="Consolas" panose="020B0609020204030204" pitchFamily="49" charset="0"/>
+              </a:rPr>
+              <a:t>e</a:t>
+            </a:r>
+            <a:r>
+              <a:rPr lang="en-US" b="0" dirty="0">
+                <a:solidFill>
+                  <a:srgbClr val="CCCCCC"/>
+                </a:solidFill>
+                <a:effectLst/>
+                <a:latin typeface="Consolas" panose="020B0609020204030204" pitchFamily="49" charset="0"/>
+              </a:rPr>
+              <a:t>:</a:t>
+            </a:r>
+          </a:p>
+          <a:p>
+            <a:pPr>
+              <a:lnSpc>
+                <a:spcPts val="1425"/>
+              </a:lnSpc>
+            </a:pPr>
+            <a:r>
+              <a:rPr lang="en-US" b="0" dirty="0">
+                <a:solidFill>
+                  <a:srgbClr val="CCCCCC"/>
+                </a:solidFill>
+                <a:effectLst/>
+                <a:latin typeface="Consolas" panose="020B0609020204030204" pitchFamily="49" charset="0"/>
+              </a:rPr>
+              <a:t>        </a:t>
+            </a:r>
+            <a:r>
+              <a:rPr lang="en-US" b="0" dirty="0">
+                <a:solidFill>
+                  <a:srgbClr val="DCDCAA"/>
+                </a:solidFill>
+                <a:effectLst/>
+                <a:latin typeface="Consolas" panose="020B0609020204030204" pitchFamily="49" charset="0"/>
+              </a:rPr>
+              <a:t>print</a:t>
+            </a:r>
+            <a:r>
+              <a:rPr lang="en-US" b="0" dirty="0">
+                <a:solidFill>
+                  <a:srgbClr val="CCCCCC"/>
+                </a:solidFill>
+                <a:effectLst/>
+                <a:latin typeface="Consolas" panose="020B0609020204030204" pitchFamily="49" charset="0"/>
+              </a:rPr>
+              <a:t>(</a:t>
+            </a:r>
+            <a:r>
+              <a:rPr lang="en-US" b="0" dirty="0" err="1">
+                <a:solidFill>
+                  <a:srgbClr val="569CD6"/>
+                </a:solidFill>
+                <a:effectLst/>
+                <a:latin typeface="Consolas" panose="020B0609020204030204" pitchFamily="49" charset="0"/>
+              </a:rPr>
+              <a:t>f</a:t>
+            </a:r>
+            <a:r>
+              <a:rPr lang="en-US" b="0" dirty="0" err="1">
+                <a:solidFill>
+                  <a:srgbClr val="CE9178"/>
+                </a:solidFill>
+                <a:effectLst/>
+                <a:latin typeface="Consolas" panose="020B0609020204030204" pitchFamily="49" charset="0"/>
+              </a:rPr>
+              <a:t>"Error</a:t>
+            </a:r>
+            <a:r>
+              <a:rPr lang="en-US" b="0" dirty="0">
+                <a:solidFill>
+                  <a:srgbClr val="CE9178"/>
+                </a:solidFill>
+                <a:effectLst/>
+                <a:latin typeface="Consolas" panose="020B0609020204030204" pitchFamily="49" charset="0"/>
+              </a:rPr>
+              <a:t> processing package </a:t>
+            </a:r>
+            <a:r>
+              <a:rPr lang="en-US" b="0" dirty="0">
+                <a:solidFill>
+                  <a:srgbClr val="569CD6"/>
+                </a:solidFill>
+                <a:effectLst/>
+                <a:latin typeface="Consolas" panose="020B0609020204030204" pitchFamily="49" charset="0"/>
+              </a:rPr>
+              <a:t>{</a:t>
+            </a:r>
+            <a:r>
+              <a:rPr lang="en-US" b="0" dirty="0">
+                <a:solidFill>
+                  <a:srgbClr val="9CDCFE"/>
+                </a:solidFill>
+                <a:effectLst/>
+                <a:latin typeface="Consolas" panose="020B0609020204030204" pitchFamily="49" charset="0"/>
+              </a:rPr>
+              <a:t>package</a:t>
+            </a:r>
+            <a:r>
+              <a:rPr lang="en-US" b="0" dirty="0">
+                <a:solidFill>
+                  <a:srgbClr val="569CD6"/>
+                </a:solidFill>
+                <a:effectLst/>
+                <a:latin typeface="Consolas" panose="020B0609020204030204" pitchFamily="49" charset="0"/>
+              </a:rPr>
+              <a:t>}</a:t>
+            </a:r>
+            <a:r>
+              <a:rPr lang="en-US" b="0" dirty="0">
+                <a:solidFill>
+                  <a:srgbClr val="CE9178"/>
+                </a:solidFill>
+                <a:effectLst/>
+                <a:latin typeface="Consolas" panose="020B0609020204030204" pitchFamily="49" charset="0"/>
+              </a:rPr>
+              <a:t>: </a:t>
+            </a:r>
+            <a:r>
+              <a:rPr lang="en-US" b="0" dirty="0">
+                <a:solidFill>
+                  <a:srgbClr val="569CD6"/>
+                </a:solidFill>
+                <a:effectLst/>
+                <a:latin typeface="Consolas" panose="020B0609020204030204" pitchFamily="49" charset="0"/>
+              </a:rPr>
+              <a:t>{</a:t>
+            </a:r>
+            <a:r>
+              <a:rPr lang="en-US" b="0" dirty="0">
+                <a:solidFill>
+                  <a:srgbClr val="4EC9B0"/>
+                </a:solidFill>
+                <a:effectLst/>
+                <a:latin typeface="Consolas" panose="020B0609020204030204" pitchFamily="49" charset="0"/>
+              </a:rPr>
+              <a:t>str</a:t>
+            </a:r>
+            <a:r>
+              <a:rPr lang="en-US" b="0" dirty="0">
+                <a:solidFill>
+                  <a:srgbClr val="CCCCCC"/>
+                </a:solidFill>
+                <a:effectLst/>
+                <a:latin typeface="Consolas" panose="020B0609020204030204" pitchFamily="49" charset="0"/>
+              </a:rPr>
+              <a:t>(</a:t>
+            </a:r>
+            <a:r>
+              <a:rPr lang="en-US" b="0" dirty="0">
+                <a:solidFill>
+                  <a:srgbClr val="9CDCFE"/>
+                </a:solidFill>
+                <a:effectLst/>
+                <a:latin typeface="Consolas" panose="020B0609020204030204" pitchFamily="49" charset="0"/>
+              </a:rPr>
+              <a:t>e</a:t>
+            </a:r>
+            <a:r>
+              <a:rPr lang="en-US" b="0" dirty="0">
+                <a:solidFill>
+                  <a:srgbClr val="CCCCCC"/>
+                </a:solidFill>
+                <a:effectLst/>
+                <a:latin typeface="Consolas" panose="020B0609020204030204" pitchFamily="49" charset="0"/>
+              </a:rPr>
+              <a:t>)</a:t>
+            </a:r>
+            <a:r>
+              <a:rPr lang="en-US" b="0" dirty="0">
+                <a:solidFill>
+                  <a:srgbClr val="569CD6"/>
+                </a:solidFill>
+                <a:effectLst/>
+                <a:latin typeface="Consolas" panose="020B0609020204030204" pitchFamily="49" charset="0"/>
+              </a:rPr>
+              <a:t>}</a:t>
+            </a:r>
+            <a:r>
+              <a:rPr lang="en-US" b="0" dirty="0">
+                <a:solidFill>
+                  <a:srgbClr val="CE9178"/>
+                </a:solidFill>
+                <a:effectLst/>
+                <a:latin typeface="Consolas" panose="020B0609020204030204" pitchFamily="49" charset="0"/>
+              </a:rPr>
+              <a:t>"</a:t>
+            </a:r>
+            <a:r>
+              <a:rPr lang="en-US" b="0" dirty="0">
+                <a:solidFill>
+                  <a:srgbClr val="CCCCCC"/>
+                </a:solidFill>
+                <a:effectLst/>
+                <a:latin typeface="Consolas" panose="020B0609020204030204" pitchFamily="49" charset="0"/>
+              </a:rPr>
+              <a:t>)</a:t>
+            </a:r>
+          </a:p>
+          <a:p>
+            <a:pPr>
+              <a:lnSpc>
+                <a:spcPts val="1425"/>
+              </a:lnSpc>
+            </a:pPr>
+            <a:br>
+              <a:rPr lang="en-US" b="0" dirty="0">
+                <a:solidFill>
+                  <a:srgbClr val="CCCCCC"/>
+                </a:solidFill>
+                <a:effectLst/>
+                <a:latin typeface="Consolas" panose="020B0609020204030204" pitchFamily="49" charset="0"/>
+              </a:rPr>
+            </a:br>
+            <a:r>
+              <a:rPr lang="en-US" b="0" dirty="0">
+                <a:solidFill>
+                  <a:srgbClr val="C586C0"/>
+                </a:solidFill>
+                <a:effectLst/>
+                <a:latin typeface="Consolas" panose="020B0609020204030204" pitchFamily="49" charset="0"/>
+              </a:rPr>
+              <a:t>if</a:t>
+            </a:r>
+            <a:r>
+              <a:rPr lang="en-US" b="0" dirty="0">
+                <a:solidFill>
+                  <a:srgbClr val="CCCCCC"/>
+                </a:solidFill>
+                <a:effectLst/>
+                <a:latin typeface="Consolas" panose="020B0609020204030204" pitchFamily="49" charset="0"/>
+              </a:rPr>
+              <a:t> </a:t>
+            </a:r>
+            <a:r>
+              <a:rPr lang="en-US" b="0" dirty="0">
+                <a:solidFill>
+                  <a:srgbClr val="9CDCFE"/>
+                </a:solidFill>
+                <a:effectLst/>
+                <a:latin typeface="Consolas" panose="020B0609020204030204" pitchFamily="49" charset="0"/>
+              </a:rPr>
+              <a:t>__name__</a:t>
+            </a:r>
+            <a:r>
+              <a:rPr lang="en-US" b="0" dirty="0">
+                <a:solidFill>
+                  <a:srgbClr val="CCCCCC"/>
+                </a:solidFill>
+                <a:effectLst/>
+                <a:latin typeface="Consolas" panose="020B0609020204030204" pitchFamily="49" charset="0"/>
+              </a:rPr>
+              <a:t> </a:t>
+            </a:r>
+            <a:r>
+              <a:rPr lang="en-US" b="0" dirty="0">
+                <a:solidFill>
+                  <a:srgbClr val="D4D4D4"/>
+                </a:solidFill>
+                <a:effectLst/>
+                <a:latin typeface="Consolas" panose="020B0609020204030204" pitchFamily="49" charset="0"/>
+              </a:rPr>
+              <a:t>==</a:t>
+            </a:r>
+            <a:r>
+              <a:rPr lang="en-US" b="0" dirty="0">
+                <a:solidFill>
+                  <a:srgbClr val="CCCCCC"/>
+                </a:solidFill>
+                <a:effectLst/>
+                <a:latin typeface="Consolas" panose="020B0609020204030204" pitchFamily="49" charset="0"/>
+              </a:rPr>
+              <a:t> </a:t>
+            </a:r>
+            <a:r>
+              <a:rPr lang="en-US" b="0" dirty="0">
+                <a:solidFill>
+                  <a:srgbClr val="CE9178"/>
+                </a:solidFill>
+                <a:effectLst/>
+                <a:latin typeface="Consolas" panose="020B0609020204030204" pitchFamily="49" charset="0"/>
+              </a:rPr>
+              <a:t>"__main__"</a:t>
+            </a:r>
+            <a:r>
+              <a:rPr lang="en-US" b="0" dirty="0">
+                <a:solidFill>
+                  <a:srgbClr val="CCCCCC"/>
+                </a:solidFill>
+                <a:effectLst/>
+                <a:latin typeface="Consolas" panose="020B0609020204030204" pitchFamily="49" charset="0"/>
+              </a:rPr>
+              <a:t>:</a:t>
+            </a:r>
+          </a:p>
+          <a:p>
+            <a:pPr>
+              <a:lnSpc>
+                <a:spcPts val="1425"/>
+              </a:lnSpc>
+            </a:pPr>
+            <a:r>
+              <a:rPr lang="en-US" b="0" dirty="0">
+                <a:solidFill>
+                  <a:srgbClr val="CCCCCC"/>
+                </a:solidFill>
+                <a:effectLst/>
+                <a:latin typeface="Consolas" panose="020B0609020204030204" pitchFamily="49" charset="0"/>
+              </a:rPr>
+              <a:t>    </a:t>
+            </a:r>
+            <a:r>
+              <a:rPr lang="en-US" b="0" dirty="0" err="1">
+                <a:solidFill>
+                  <a:srgbClr val="DCDCAA"/>
+                </a:solidFill>
+                <a:effectLst/>
+                <a:latin typeface="Consolas" panose="020B0609020204030204" pitchFamily="49" charset="0"/>
+              </a:rPr>
+              <a:t>get_android_apps</a:t>
+            </a:r>
+            <a:r>
+              <a:rPr lang="en-US" b="0" dirty="0">
+                <a:solidFill>
+                  <a:srgbClr val="CCCCCC"/>
+                </a:solidFill>
+                <a:effectLst/>
+                <a:latin typeface="Consolas" panose="020B0609020204030204" pitchFamily="49" charset="0"/>
+              </a:rPr>
+              <a:t>()</a:t>
+            </a:r>
+          </a:p>
+          <a:p>
+            <a:endParaRPr lang="en-US" dirty="0"/>
+          </a:p>
+        </p:txBody>
+      </p:sp>
+      <p:sp>
+        <p:nvSpPr>
+          <p:cNvPr id="4" name="Slide Number Placeholder 3"/>
+          <p:cNvSpPr>
+            <a:spLocks noGrp="1"/>
+          </p:cNvSpPr>
+          <p:nvPr>
+            <p:ph type="sldNum" sz="quarter" idx="5"/>
+          </p:nvPr>
+        </p:nvSpPr>
+        <p:spPr/>
+        <p:txBody>
+          <a:bodyPr/>
+          <a:lstStyle/>
+          <a:p>
+            <a:fld id="{DDBF98C7-164A-4723-84F0-B1E4B080DDEC}" type="slidenum">
+              <a:rPr lang="en-US" smtClean="0"/>
+              <a:t>32</a:t>
+            </a:fld>
+            <a:endParaRPr lang="en-US"/>
+          </a:p>
+        </p:txBody>
+      </p:sp>
+    </p:spTree>
+    <p:extLst>
+      <p:ext uri="{BB962C8B-B14F-4D97-AF65-F5344CB8AC3E}">
+        <p14:creationId xmlns:p14="http://schemas.microsoft.com/office/powerpoint/2010/main" val="51097941"/>
       </p:ext>
     </p:extLst>
   </p:cSld>
@@ -10483,7 +10729,7 @@
           <a:p>
             <a:fld id="{4263717A-E3C1-4BED-ABE0-B7069385E023}" type="datetimeFigureOut">
               <a:rPr lang="en-US" smtClean="0"/>
-              <a:t>2/14/2025</a:t>
+              <a:t>2/17/2025</a:t>
             </a:fld>
             <a:endParaRPr lang="en-US"/>
           </a:p>
@@ -10656,7 +10902,7 @@
           <a:p>
             <a:fld id="{4263717A-E3C1-4BED-ABE0-B7069385E023}" type="datetimeFigureOut">
               <a:rPr lang="en-US" smtClean="0"/>
-              <a:t>2/14/2025</a:t>
+              <a:t>2/17/2025</a:t>
             </a:fld>
             <a:endParaRPr lang="en-US"/>
           </a:p>
@@ -10834,7 +11080,7 @@
           <a:p>
             <a:fld id="{4263717A-E3C1-4BED-ABE0-B7069385E023}" type="datetimeFigureOut">
               <a:rPr lang="en-US" smtClean="0"/>
-              <a:t>2/14/2025</a:t>
+              <a:t>2/17/2025</a:t>
             </a:fld>
             <a:endParaRPr lang="en-US"/>
           </a:p>
@@ -11002,7 +11248,7 @@
           <a:p>
             <a:fld id="{4263717A-E3C1-4BED-ABE0-B7069385E023}" type="datetimeFigureOut">
               <a:rPr lang="en-US" smtClean="0"/>
-              <a:t>2/14/2025</a:t>
+              <a:t>2/17/2025</a:t>
             </a:fld>
             <a:endParaRPr lang="en-US"/>
           </a:p>
@@ -11247,7 +11493,7 @@
           <a:p>
             <a:fld id="{4263717A-E3C1-4BED-ABE0-B7069385E023}" type="datetimeFigureOut">
               <a:rPr lang="en-US" smtClean="0"/>
-              <a:t>2/14/2025</a:t>
+              <a:t>2/17/2025</a:t>
             </a:fld>
             <a:endParaRPr lang="en-US"/>
           </a:p>
@@ -11476,7 +11722,7 @@
           <a:p>
             <a:fld id="{4263717A-E3C1-4BED-ABE0-B7069385E023}" type="datetimeFigureOut">
               <a:rPr lang="en-US" smtClean="0"/>
-              <a:t>2/14/2025</a:t>
+              <a:t>2/17/2025</a:t>
             </a:fld>
             <a:endParaRPr lang="en-US"/>
           </a:p>
@@ -11840,7 +12086,7 @@
           <a:p>
             <a:fld id="{4263717A-E3C1-4BED-ABE0-B7069385E023}" type="datetimeFigureOut">
               <a:rPr lang="en-US" smtClean="0"/>
-              <a:t>2/14/2025</a:t>
+              <a:t>2/17/2025</a:t>
             </a:fld>
             <a:endParaRPr lang="en-US"/>
           </a:p>
@@ -11957,7 +12203,7 @@
           <a:p>
             <a:fld id="{4263717A-E3C1-4BED-ABE0-B7069385E023}" type="datetimeFigureOut">
               <a:rPr lang="en-US" smtClean="0"/>
-              <a:t>2/14/2025</a:t>
+              <a:t>2/17/2025</a:t>
             </a:fld>
             <a:endParaRPr lang="en-US"/>
           </a:p>
@@ -12052,7 +12298,7 @@
           <a:p>
             <a:fld id="{4263717A-E3C1-4BED-ABE0-B7069385E023}" type="datetimeFigureOut">
               <a:rPr lang="en-US" smtClean="0"/>
-              <a:t>2/14/2025</a:t>
+              <a:t>2/17/2025</a:t>
             </a:fld>
             <a:endParaRPr lang="en-US"/>
           </a:p>
@@ -12327,7 +12573,7 @@
           <a:p>
             <a:fld id="{4263717A-E3C1-4BED-ABE0-B7069385E023}" type="datetimeFigureOut">
               <a:rPr lang="en-US" smtClean="0"/>
-              <a:t>2/14/2025</a:t>
+              <a:t>2/17/2025</a:t>
             </a:fld>
             <a:endParaRPr lang="en-US"/>
           </a:p>
@@ -12579,7 +12825,7 @@
           <a:p>
             <a:fld id="{4263717A-E3C1-4BED-ABE0-B7069385E023}" type="datetimeFigureOut">
               <a:rPr lang="en-US" smtClean="0"/>
-              <a:t>2/14/2025</a:t>
+              <a:t>2/17/2025</a:t>
             </a:fld>
             <a:endParaRPr lang="en-US"/>
           </a:p>
@@ -12790,7 +13036,7 @@
           <a:p>
             <a:fld id="{4263717A-E3C1-4BED-ABE0-B7069385E023}" type="datetimeFigureOut">
               <a:rPr lang="en-US" smtClean="0"/>
-              <a:t>2/14/2025</a:t>
+              <a:t>2/17/2025</a:t>
             </a:fld>
             <a:endParaRPr lang="en-US"/>
           </a:p>
@@ -20756,6 +21002,113 @@
           <p:cNvPr id="3" name="Picture 2">
             <a:extLst>
               <a:ext uri="{FF2B5EF4-FFF2-40B4-BE49-F238E27FC236}">
+                <a16:creationId xmlns:a16="http://schemas.microsoft.com/office/drawing/2014/main" id="{1216B51C-82ED-6A22-3236-934BA22BEF53}"/>
+              </a:ext>
+            </a:extLst>
+          </p:cNvPr>
+          <p:cNvPicPr>
+            <a:picLocks noChangeAspect="1"/>
+          </p:cNvPicPr>
+          <p:nvPr/>
+        </p:nvPicPr>
+        <p:blipFill>
+          <a:blip r:embed="rId3"/>
+          <a:stretch>
+            <a:fillRect/>
+          </a:stretch>
+        </p:blipFill>
+        <p:spPr>
+          <a:xfrm>
+            <a:off x="744492" y="2480203"/>
+            <a:ext cx="10855481" cy="2340104"/>
+          </a:xfrm>
+          <a:prstGeom prst="rect">
+            <a:avLst/>
+          </a:prstGeom>
+        </p:spPr>
+      </p:pic>
+      <p:pic>
+        <p:nvPicPr>
+          <p:cNvPr id="1026" name="Picture 2" descr="Notes - Apps on Google Play">
+            <a:extLst>
+              <a:ext uri="{FF2B5EF4-FFF2-40B4-BE49-F238E27FC236}">
+                <a16:creationId xmlns:a16="http://schemas.microsoft.com/office/drawing/2014/main" id="{A21A8214-6FAD-4145-D923-57728E131B3E}"/>
+              </a:ext>
+            </a:extLst>
+          </p:cNvPr>
+          <p:cNvPicPr>
+            <a:picLocks noChangeAspect="1" noChangeArrowheads="1"/>
+          </p:cNvPicPr>
+          <p:nvPr/>
+        </p:nvPicPr>
+        <p:blipFill>
+          <a:blip r:embed="rId4">
+            <a:extLst>
+              <a:ext uri="{28A0092B-C50C-407E-A947-70E740481C1C}">
+                <a14:useLocalDpi xmlns:a14="http://schemas.microsoft.com/office/drawing/2010/main" val="0"/>
+              </a:ext>
+            </a:extLst>
+          </a:blip>
+          <a:srcRect/>
+          <a:stretch>
+            <a:fillRect/>
+          </a:stretch>
+        </p:blipFill>
+        <p:spPr bwMode="auto">
+          <a:xfrm>
+            <a:off x="633742" y="71438"/>
+            <a:ext cx="2143125" cy="2143125"/>
+          </a:xfrm>
+          <a:prstGeom prst="rect">
+            <a:avLst/>
+          </a:prstGeom>
+          <a:noFill/>
+          <a:extLst>
+            <a:ext uri="{909E8E84-426E-40DD-AFC4-6F175D3DCCD1}">
+              <a14:hiddenFill xmlns:a14="http://schemas.microsoft.com/office/drawing/2010/main">
+                <a:solidFill>
+                  <a:srgbClr val="FFFFFF"/>
+                </a:solidFill>
+              </a14:hiddenFill>
+            </a:ext>
+          </a:extLst>
+        </p:spPr>
+      </p:pic>
+    </p:spTree>
+    <p:extLst>
+      <p:ext uri="{BB962C8B-B14F-4D97-AF65-F5344CB8AC3E}">
+        <p14:creationId xmlns:p14="http://schemas.microsoft.com/office/powerpoint/2010/main" val="3226992021"/>
+      </p:ext>
+    </p:extLst>
+  </p:cSld>
+  <p:clrMapOvr>
+    <a:masterClrMapping/>
+  </p:clrMapOvr>
+</p:sld>
+</file>
+
+<file path=ppt/slides/slide27.xml><?xml version="1.0" encoding="utf-8"?>
+<p:sld xmlns:a="http://schemas.openxmlformats.org/drawingml/2006/main" xmlns:r="http://schemas.openxmlformats.org/officeDocument/2006/relationships" xmlns:p="http://schemas.openxmlformats.org/presentationml/2006/main">
+  <p:cSld>
+    <p:spTree>
+      <p:nvGrpSpPr>
+        <p:cNvPr id="1" name=""/>
+        <p:cNvGrpSpPr/>
+        <p:nvPr/>
+      </p:nvGrpSpPr>
+      <p:grpSpPr>
+        <a:xfrm>
+          <a:off x="0" y="0"/>
+          <a:ext cx="0" cy="0"/>
+          <a:chOff x="0" y="0"/>
+          <a:chExt cx="0" cy="0"/>
+        </a:xfrm>
+      </p:grpSpPr>
+      <p:pic>
+        <p:nvPicPr>
+          <p:cNvPr id="3" name="Picture 2">
+            <a:extLst>
+              <a:ext uri="{FF2B5EF4-FFF2-40B4-BE49-F238E27FC236}">
                 <a16:creationId xmlns:a16="http://schemas.microsoft.com/office/drawing/2014/main" id="{86841EEE-9E0A-4F48-A5D2-B7807132B091}"/>
               </a:ext>
             </a:extLst>
@@ -21168,7 +21521,7 @@
 </p:sld>
 </file>
 
-<file path=ppt/slides/slide27.xml><?xml version="1.0" encoding="utf-8"?>
+<file path=ppt/slides/slide28.xml><?xml version="1.0" encoding="utf-8"?>
 <p:sld xmlns:a="http://schemas.openxmlformats.org/drawingml/2006/main" xmlns:r="http://schemas.openxmlformats.org/officeDocument/2006/relationships" xmlns:p="http://schemas.openxmlformats.org/presentationml/2006/main">
   <p:cSld>
     <p:spTree>
@@ -21258,7 +21611,7 @@
 </p:sld>
 </file>
 
-<file path=ppt/slides/slide28.xml><?xml version="1.0" encoding="utf-8"?>
+<file path=ppt/slides/slide29.xml><?xml version="1.0" encoding="utf-8"?>
 <p:sld xmlns:a="http://schemas.openxmlformats.org/drawingml/2006/main" xmlns:r="http://schemas.openxmlformats.org/officeDocument/2006/relationships" xmlns:p="http://schemas.openxmlformats.org/presentationml/2006/main">
   <p:cSld>
     <p:spTree>
@@ -21346,7 +21699,93 @@
 </p:sld>
 </file>
 
-<file path=ppt/slides/slide29.xml><?xml version="1.0" encoding="utf-8"?>
+<file path=ppt/slides/slide3.xml><?xml version="1.0" encoding="utf-8"?>
+<p:sld xmlns:a="http://schemas.openxmlformats.org/drawingml/2006/main" xmlns:r="http://schemas.openxmlformats.org/officeDocument/2006/relationships" xmlns:p="http://schemas.openxmlformats.org/presentationml/2006/main">
+  <p:cSld>
+    <p:spTree>
+      <p:nvGrpSpPr>
+        <p:cNvPr id="1" name=""/>
+        <p:cNvGrpSpPr/>
+        <p:nvPr/>
+      </p:nvGrpSpPr>
+      <p:grpSpPr>
+        <a:xfrm>
+          <a:off x="0" y="0"/>
+          <a:ext cx="0" cy="0"/>
+          <a:chOff x="0" y="0"/>
+          <a:chExt cx="0" cy="0"/>
+        </a:xfrm>
+      </p:grpSpPr>
+      <p:sp>
+        <p:nvSpPr>
+          <p:cNvPr id="4" name="Title 3">
+            <a:extLst>
+              <a:ext uri="{FF2B5EF4-FFF2-40B4-BE49-F238E27FC236}">
+                <a16:creationId xmlns:a16="http://schemas.microsoft.com/office/drawing/2014/main" id="{25205220-C69B-4DFE-A920-E9B89A00D9D1}"/>
+              </a:ext>
+            </a:extLst>
+          </p:cNvPr>
+          <p:cNvSpPr>
+            <a:spLocks noGrp="1"/>
+          </p:cNvSpPr>
+          <p:nvPr>
+            <p:ph type="title"/>
+          </p:nvPr>
+        </p:nvSpPr>
+        <p:spPr/>
+        <p:txBody>
+          <a:bodyPr/>
+          <a:lstStyle/>
+          <a:p>
+            <a:r>
+              <a:rPr lang="en-US"/>
+              <a:t>Pixel 3 Image Description</a:t>
+            </a:r>
+          </a:p>
+        </p:txBody>
+      </p:sp>
+      <p:sp>
+        <p:nvSpPr>
+          <p:cNvPr id="5" name="Text Placeholder 4">
+            <a:extLst>
+              <a:ext uri="{FF2B5EF4-FFF2-40B4-BE49-F238E27FC236}">
+                <a16:creationId xmlns:a16="http://schemas.microsoft.com/office/drawing/2014/main" id="{4D6B719E-B028-46A2-AE73-42106240212C}"/>
+              </a:ext>
+            </a:extLst>
+          </p:cNvPr>
+          <p:cNvSpPr>
+            <a:spLocks noGrp="1"/>
+          </p:cNvSpPr>
+          <p:nvPr>
+            <p:ph type="body" idx="1"/>
+          </p:nvPr>
+        </p:nvSpPr>
+        <p:spPr/>
+        <p:txBody>
+          <a:bodyPr/>
+          <a:lstStyle/>
+          <a:p>
+            <a:r>
+              <a:rPr lang="en-US" dirty="0"/>
+              <a:t>How was the device image acquired?</a:t>
+            </a:r>
+          </a:p>
+        </p:txBody>
+      </p:sp>
+    </p:spTree>
+    <p:extLst>
+      <p:ext uri="{BB962C8B-B14F-4D97-AF65-F5344CB8AC3E}">
+        <p14:creationId xmlns:p14="http://schemas.microsoft.com/office/powerpoint/2010/main" val="566423159"/>
+      </p:ext>
+    </p:extLst>
+  </p:cSld>
+  <p:clrMapOvr>
+    <a:masterClrMapping/>
+  </p:clrMapOvr>
+</p:sld>
+</file>
+
+<file path=ppt/slides/slide30.xml><?xml version="1.0" encoding="utf-8"?>
 <p:sld xmlns:a="http://schemas.openxmlformats.org/drawingml/2006/main" xmlns:r="http://schemas.openxmlformats.org/officeDocument/2006/relationships" xmlns:p="http://schemas.openxmlformats.org/presentationml/2006/main">
   <p:cSld>
     <p:spTree>
@@ -21519,93 +21958,7 @@
 </p:sld>
 </file>
 
-<file path=ppt/slides/slide3.xml><?xml version="1.0" encoding="utf-8"?>
-<p:sld xmlns:a="http://schemas.openxmlformats.org/drawingml/2006/main" xmlns:r="http://schemas.openxmlformats.org/officeDocument/2006/relationships" xmlns:p="http://schemas.openxmlformats.org/presentationml/2006/main">
-  <p:cSld>
-    <p:spTree>
-      <p:nvGrpSpPr>
-        <p:cNvPr id="1" name=""/>
-        <p:cNvGrpSpPr/>
-        <p:nvPr/>
-      </p:nvGrpSpPr>
-      <p:grpSpPr>
-        <a:xfrm>
-          <a:off x="0" y="0"/>
-          <a:ext cx="0" cy="0"/>
-          <a:chOff x="0" y="0"/>
-          <a:chExt cx="0" cy="0"/>
-        </a:xfrm>
-      </p:grpSpPr>
-      <p:sp>
-        <p:nvSpPr>
-          <p:cNvPr id="4" name="Title 3">
-            <a:extLst>
-              <a:ext uri="{FF2B5EF4-FFF2-40B4-BE49-F238E27FC236}">
-                <a16:creationId xmlns:a16="http://schemas.microsoft.com/office/drawing/2014/main" id="{25205220-C69B-4DFE-A920-E9B89A00D9D1}"/>
-              </a:ext>
-            </a:extLst>
-          </p:cNvPr>
-          <p:cNvSpPr>
-            <a:spLocks noGrp="1"/>
-          </p:cNvSpPr>
-          <p:nvPr>
-            <p:ph type="title"/>
-          </p:nvPr>
-        </p:nvSpPr>
-        <p:spPr/>
-        <p:txBody>
-          <a:bodyPr/>
-          <a:lstStyle/>
-          <a:p>
-            <a:r>
-              <a:rPr lang="en-US"/>
-              <a:t>Pixel 3 Image Description</a:t>
-            </a:r>
-          </a:p>
-        </p:txBody>
-      </p:sp>
-      <p:sp>
-        <p:nvSpPr>
-          <p:cNvPr id="5" name="Text Placeholder 4">
-            <a:extLst>
-              <a:ext uri="{FF2B5EF4-FFF2-40B4-BE49-F238E27FC236}">
-                <a16:creationId xmlns:a16="http://schemas.microsoft.com/office/drawing/2014/main" id="{4D6B719E-B028-46A2-AE73-42106240212C}"/>
-              </a:ext>
-            </a:extLst>
-          </p:cNvPr>
-          <p:cNvSpPr>
-            <a:spLocks noGrp="1"/>
-          </p:cNvSpPr>
-          <p:nvPr>
-            <p:ph type="body" idx="1"/>
-          </p:nvPr>
-        </p:nvSpPr>
-        <p:spPr/>
-        <p:txBody>
-          <a:bodyPr/>
-          <a:lstStyle/>
-          <a:p>
-            <a:r>
-              <a:rPr lang="en-US" dirty="0"/>
-              <a:t>How was the device image acquired?</a:t>
-            </a:r>
-          </a:p>
-        </p:txBody>
-      </p:sp>
-    </p:spTree>
-    <p:extLst>
-      <p:ext uri="{BB962C8B-B14F-4D97-AF65-F5344CB8AC3E}">
-        <p14:creationId xmlns:p14="http://schemas.microsoft.com/office/powerpoint/2010/main" val="566423159"/>
-      </p:ext>
-    </p:extLst>
-  </p:cSld>
-  <p:clrMapOvr>
-    <a:masterClrMapping/>
-  </p:clrMapOvr>
-</p:sld>
-</file>
-
-<file path=ppt/slides/slide30.xml><?xml version="1.0" encoding="utf-8"?>
+<file path=ppt/slides/slide31.xml><?xml version="1.0" encoding="utf-8"?>
 <p:sld xmlns:a="http://schemas.openxmlformats.org/drawingml/2006/main" xmlns:r="http://schemas.openxmlformats.org/officeDocument/2006/relationships" xmlns:p="http://schemas.openxmlformats.org/presentationml/2006/main">
   <p:cSld>
     <p:spTree>
@@ -21745,7 +22098,7 @@
 </p:sld>
 </file>
 
-<file path=ppt/slides/slide31.xml><?xml version="1.0" encoding="utf-8"?>
+<file path=ppt/slides/slide32.xml><?xml version="1.0" encoding="utf-8"?>
 <p:sld xmlns:a="http://schemas.openxmlformats.org/drawingml/2006/main" xmlns:r="http://schemas.openxmlformats.org/officeDocument/2006/relationships" xmlns:p="http://schemas.openxmlformats.org/presentationml/2006/main">
   <p:cSld>
     <p:spTree>
@@ -24238,7 +24591,7 @@
 </p:sld>
 </file>
 
-<file path=ppt/slides/slide32.xml><?xml version="1.0" encoding="utf-8"?>
+<file path=ppt/slides/slide33.xml><?xml version="1.0" encoding="utf-8"?>
 <p:sld xmlns:a="http://schemas.openxmlformats.org/drawingml/2006/main" xmlns:r="http://schemas.openxmlformats.org/officeDocument/2006/relationships" xmlns:p="http://schemas.openxmlformats.org/presentationml/2006/main">
   <p:cSld>
     <p:spTree>
